--- a/hollister_eco_with_computers.pptx
+++ b/hollister_eco_with_computers.pptx
@@ -119,7 +119,183 @@
       </a:defRPr>
     </a:lvl9pPr>
   </p:defaultTextStyle>
+  <p:extLst>
+    <p:ext uri="{EFAFB233-063F-42B5-8137-9DF3F51BA10A}">
+      <p15:sldGuideLst xmlns:p15="http://schemas.microsoft.com/office/powerpoint/2012/main"/>
+    </p:ext>
+  </p:extLst>
 </p:presentation>
+</file>
+
+<file path=ppt/changesInfos/changesInfo1.xml><?xml version="1.0" encoding="utf-8"?>
+<pc:chgInfo xmlns:a="http://schemas.openxmlformats.org/drawingml/2006/main" xmlns:r="http://schemas.openxmlformats.org/officeDocument/2006/relationships" xmlns:ac="http://schemas.microsoft.com/office/drawing/2013/main/command" xmlns:pc="http://schemas.microsoft.com/office/powerpoint/2013/main/command">
+  <pc:docChgLst>
+    <pc:chgData name="Hollister, Jeff" userId="90904e2a-aa82-465e-9922-afce4bc6d524" providerId="ADAL" clId="{50169585-C60B-4062-B98A-C08FA872BD4F}"/>
+    <pc:docChg chg="custSel modSld">
+      <pc:chgData name="Hollister, Jeff" userId="90904e2a-aa82-465e-9922-afce4bc6d524" providerId="ADAL" clId="{50169585-C60B-4062-B98A-C08FA872BD4F}" dt="2020-03-23T22:46:16.906" v="849"/>
+      <pc:docMkLst>
+        <pc:docMk/>
+      </pc:docMkLst>
+      <pc:sldChg chg="addSp delSp modSp">
+        <pc:chgData name="Hollister, Jeff" userId="90904e2a-aa82-465e-9922-afce4bc6d524" providerId="ADAL" clId="{50169585-C60B-4062-B98A-C08FA872BD4F}" dt="2020-03-23T18:16:23.813" v="806" actId="20577"/>
+        <pc:sldMkLst>
+          <pc:docMk/>
+          <pc:sldMk cId="630360489" sldId="257"/>
+        </pc:sldMkLst>
+        <pc:spChg chg="mod">
+          <ac:chgData name="Hollister, Jeff" userId="90904e2a-aa82-465e-9922-afce4bc6d524" providerId="ADAL" clId="{50169585-C60B-4062-B98A-C08FA872BD4F}" dt="2020-03-23T17:16:37.751" v="170" actId="20577"/>
+          <ac:spMkLst>
+            <pc:docMk/>
+            <pc:sldMk cId="630360489" sldId="257"/>
+            <ac:spMk id="2" creationId="{4181F007-0A05-458A-BE9F-28472A0DF0B2}"/>
+          </ac:spMkLst>
+        </pc:spChg>
+        <pc:spChg chg="mod">
+          <ac:chgData name="Hollister, Jeff" userId="90904e2a-aa82-465e-9922-afce4bc6d524" providerId="ADAL" clId="{50169585-C60B-4062-B98A-C08FA872BD4F}" dt="2020-03-23T18:13:45.627" v="631" actId="255"/>
+          <ac:spMkLst>
+            <pc:docMk/>
+            <pc:sldMk cId="630360489" sldId="257"/>
+            <ac:spMk id="3" creationId="{93FBC82A-E1A1-47D8-B7C1-AFF1A32AE5EE}"/>
+          </ac:spMkLst>
+        </pc:spChg>
+        <pc:spChg chg="add mod">
+          <ac:chgData name="Hollister, Jeff" userId="90904e2a-aa82-465e-9922-afce4bc6d524" providerId="ADAL" clId="{50169585-C60B-4062-B98A-C08FA872BD4F}" dt="2020-03-23T18:13:54.409" v="647" actId="1036"/>
+          <ac:spMkLst>
+            <pc:docMk/>
+            <pc:sldMk cId="630360489" sldId="257"/>
+            <ac:spMk id="4" creationId="{C3641F4F-E196-4352-B3DA-450EFFB57E4A}"/>
+          </ac:spMkLst>
+        </pc:spChg>
+        <pc:spChg chg="add mod">
+          <ac:chgData name="Hollister, Jeff" userId="90904e2a-aa82-465e-9922-afce4bc6d524" providerId="ADAL" clId="{50169585-C60B-4062-B98A-C08FA872BD4F}" dt="2020-03-23T18:13:54.409" v="647" actId="1036"/>
+          <ac:spMkLst>
+            <pc:docMk/>
+            <pc:sldMk cId="630360489" sldId="257"/>
+            <ac:spMk id="5" creationId="{A39B72B1-793F-43D6-BD88-55A764D2D16C}"/>
+          </ac:spMkLst>
+        </pc:spChg>
+        <pc:spChg chg="add mod">
+          <ac:chgData name="Hollister, Jeff" userId="90904e2a-aa82-465e-9922-afce4bc6d524" providerId="ADAL" clId="{50169585-C60B-4062-B98A-C08FA872BD4F}" dt="2020-03-23T18:12:48.070" v="568" actId="1076"/>
+          <ac:spMkLst>
+            <pc:docMk/>
+            <pc:sldMk cId="630360489" sldId="257"/>
+            <ac:spMk id="6" creationId="{8E7227F9-2164-4263-B52E-2F8A2EA13908}"/>
+          </ac:spMkLst>
+        </pc:spChg>
+        <pc:spChg chg="add mod">
+          <ac:chgData name="Hollister, Jeff" userId="90904e2a-aa82-465e-9922-afce4bc6d524" providerId="ADAL" clId="{50169585-C60B-4062-B98A-C08FA872BD4F}" dt="2020-03-23T18:12:48.070" v="568" actId="1076"/>
+          <ac:spMkLst>
+            <pc:docMk/>
+            <pc:sldMk cId="630360489" sldId="257"/>
+            <ac:spMk id="7" creationId="{00E203AE-6939-4A12-98D3-F6CEC70FDEB4}"/>
+          </ac:spMkLst>
+        </pc:spChg>
+        <pc:spChg chg="add mod">
+          <ac:chgData name="Hollister, Jeff" userId="90904e2a-aa82-465e-9922-afce4bc6d524" providerId="ADAL" clId="{50169585-C60B-4062-B98A-C08FA872BD4F}" dt="2020-03-23T18:13:54.409" v="647" actId="1036"/>
+          <ac:spMkLst>
+            <pc:docMk/>
+            <pc:sldMk cId="630360489" sldId="257"/>
+            <ac:spMk id="8" creationId="{2D9EB273-96F4-465D-9FE1-0F84CE2FDAA7}"/>
+          </ac:spMkLst>
+        </pc:spChg>
+        <pc:spChg chg="add mod">
+          <ac:chgData name="Hollister, Jeff" userId="90904e2a-aa82-465e-9922-afce4bc6d524" providerId="ADAL" clId="{50169585-C60B-4062-B98A-C08FA872BD4F}" dt="2020-03-23T18:14:51.892" v="696" actId="20577"/>
+          <ac:spMkLst>
+            <pc:docMk/>
+            <pc:sldMk cId="630360489" sldId="257"/>
+            <ac:spMk id="9" creationId="{873F3ABB-EE54-422B-849C-5F667D215151}"/>
+          </ac:spMkLst>
+        </pc:spChg>
+        <pc:spChg chg="add del">
+          <ac:chgData name="Hollister, Jeff" userId="90904e2a-aa82-465e-9922-afce4bc6d524" providerId="ADAL" clId="{50169585-C60B-4062-B98A-C08FA872BD4F}" dt="2020-03-23T18:14:30.430" v="659" actId="478"/>
+          <ac:spMkLst>
+            <pc:docMk/>
+            <pc:sldMk cId="630360489" sldId="257"/>
+            <ac:spMk id="10" creationId="{E02CA4C5-A602-4095-B550-B041781412AD}"/>
+          </ac:spMkLst>
+        </pc:spChg>
+        <pc:spChg chg="add mod">
+          <ac:chgData name="Hollister, Jeff" userId="90904e2a-aa82-465e-9922-afce4bc6d524" providerId="ADAL" clId="{50169585-C60B-4062-B98A-C08FA872BD4F}" dt="2020-03-23T18:15:21.039" v="740" actId="20577"/>
+          <ac:spMkLst>
+            <pc:docMk/>
+            <pc:sldMk cId="630360489" sldId="257"/>
+            <ac:spMk id="11" creationId="{07E63171-18FB-43F6-8498-076152C17EC6}"/>
+          </ac:spMkLst>
+        </pc:spChg>
+        <pc:spChg chg="add mod">
+          <ac:chgData name="Hollister, Jeff" userId="90904e2a-aa82-465e-9922-afce4bc6d524" providerId="ADAL" clId="{50169585-C60B-4062-B98A-C08FA872BD4F}" dt="2020-03-23T18:16:23.813" v="806" actId="20577"/>
+          <ac:spMkLst>
+            <pc:docMk/>
+            <pc:sldMk cId="630360489" sldId="257"/>
+            <ac:spMk id="12" creationId="{611A1480-B94C-44F3-BAFA-983D6ECE9E82}"/>
+          </ac:spMkLst>
+        </pc:spChg>
+      </pc:sldChg>
+      <pc:sldChg chg="addSp delSp modSp modAnim">
+        <pc:chgData name="Hollister, Jeff" userId="90904e2a-aa82-465e-9922-afce4bc6d524" providerId="ADAL" clId="{50169585-C60B-4062-B98A-C08FA872BD4F}" dt="2020-03-23T22:46:16.906" v="849"/>
+        <pc:sldMkLst>
+          <pc:docMk/>
+          <pc:sldMk cId="2941564295" sldId="258"/>
+        </pc:sldMkLst>
+        <pc:spChg chg="del">
+          <ac:chgData name="Hollister, Jeff" userId="90904e2a-aa82-465e-9922-afce4bc6d524" providerId="ADAL" clId="{50169585-C60B-4062-B98A-C08FA872BD4F}" dt="2020-03-23T20:45:24.555" v="807" actId="478"/>
+          <ac:spMkLst>
+            <pc:docMk/>
+            <pc:sldMk cId="2941564295" sldId="258"/>
+            <ac:spMk id="3" creationId="{8FD283D3-3F9A-4D55-8E49-A92D29F4FA90}"/>
+          </ac:spMkLst>
+        </pc:spChg>
+        <pc:spChg chg="add del">
+          <ac:chgData name="Hollister, Jeff" userId="90904e2a-aa82-465e-9922-afce4bc6d524" providerId="ADAL" clId="{50169585-C60B-4062-B98A-C08FA872BD4F}" dt="2020-03-23T20:45:26.649" v="809"/>
+          <ac:spMkLst>
+            <pc:docMk/>
+            <pc:sldMk cId="2941564295" sldId="258"/>
+            <ac:spMk id="4" creationId="{D78AC0DA-2849-453C-8F06-40DBC9A4D7D7}"/>
+          </ac:spMkLst>
+        </pc:spChg>
+        <pc:spChg chg="add mod">
+          <ac:chgData name="Hollister, Jeff" userId="90904e2a-aa82-465e-9922-afce4bc6d524" providerId="ADAL" clId="{50169585-C60B-4062-B98A-C08FA872BD4F}" dt="2020-03-23T21:00:52.700" v="843" actId="20577"/>
+          <ac:spMkLst>
+            <pc:docMk/>
+            <pc:sldMk cId="2941564295" sldId="258"/>
+            <ac:spMk id="5" creationId="{BF7A9DBD-5A31-41A3-AFDC-3179234790F8}"/>
+          </ac:spMkLst>
+        </pc:spChg>
+        <pc:picChg chg="add">
+          <ac:chgData name="Hollister, Jeff" userId="90904e2a-aa82-465e-9922-afce4bc6d524" providerId="ADAL" clId="{50169585-C60B-4062-B98A-C08FA872BD4F}" dt="2020-03-23T20:45:41.567" v="811"/>
+          <ac:picMkLst>
+            <pc:docMk/>
+            <pc:sldMk cId="2941564295" sldId="258"/>
+            <ac:picMk id="6" creationId="{0466C254-9DFD-475F-B821-CD548AEE0CA2}"/>
+          </ac:picMkLst>
+        </pc:picChg>
+      </pc:sldChg>
+      <pc:sldChg chg="addSp delSp">
+        <pc:chgData name="Hollister, Jeff" userId="90904e2a-aa82-465e-9922-afce4bc6d524" providerId="ADAL" clId="{50169585-C60B-4062-B98A-C08FA872BD4F}" dt="2020-03-23T20:55:21.097" v="813"/>
+        <pc:sldMkLst>
+          <pc:docMk/>
+          <pc:sldMk cId="515555391" sldId="259"/>
+        </pc:sldMkLst>
+        <pc:spChg chg="del">
+          <ac:chgData name="Hollister, Jeff" userId="90904e2a-aa82-465e-9922-afce4bc6d524" providerId="ADAL" clId="{50169585-C60B-4062-B98A-C08FA872BD4F}" dt="2020-03-23T20:55:20.163" v="812" actId="478"/>
+          <ac:spMkLst>
+            <pc:docMk/>
+            <pc:sldMk cId="515555391" sldId="259"/>
+            <ac:spMk id="3" creationId="{AB4F7A3E-96C0-4458-A60B-42753802C505}"/>
+          </ac:spMkLst>
+        </pc:spChg>
+        <pc:spChg chg="add">
+          <ac:chgData name="Hollister, Jeff" userId="90904e2a-aa82-465e-9922-afce4bc6d524" providerId="ADAL" clId="{50169585-C60B-4062-B98A-C08FA872BD4F}" dt="2020-03-23T20:55:21.097" v="813"/>
+          <ac:spMkLst>
+            <pc:docMk/>
+            <pc:sldMk cId="515555391" sldId="259"/>
+            <ac:spMk id="4" creationId="{799926DD-D1E8-4994-AC59-688E294CC2E0}"/>
+          </ac:spMkLst>
+        </pc:spChg>
+      </pc:sldChg>
+    </pc:docChg>
+  </pc:docChgLst>
+</pc:chgInfo>
 </file>
 
 <file path=ppt/slideLayouts/slideLayout1.xml><?xml version="1.0" encoding="utf-8"?>
@@ -4079,7 +4255,7 @@
           <a:p>
             <a:r>
               <a:rPr lang="en-US" dirty="0"/>
-              <a:t>Partners</a:t>
+              <a:t>Partners and collaborators</a:t>
             </a:r>
           </a:p>
         </p:txBody>
@@ -4100,12 +4276,1846 @@
             <p:ph idx="1"/>
           </p:nvPr>
         </p:nvSpPr>
-        <p:spPr/>
-        <p:txBody>
-          <a:bodyPr/>
-          <a:lstStyle/>
-          <a:p>
-            <a:endParaRPr lang="en-US"/>
+        <p:spPr>
+          <a:xfrm>
+            <a:off x="108358" y="1506843"/>
+            <a:ext cx="3985469" cy="1613862"/>
+          </a:xfrm>
+        </p:spPr>
+        <p:txBody>
+          <a:bodyPr>
+            <a:normAutofit fontScale="55000" lnSpcReduction="20000"/>
+          </a:bodyPr>
+          <a:lstStyle/>
+          <a:p>
+            <a:r>
+              <a:rPr lang="en-US" b="1" dirty="0"/>
+              <a:t>ACESD Computational Ecology</a:t>
+            </a:r>
+          </a:p>
+          <a:p>
+            <a:pPr lvl="1"/>
+            <a:r>
+              <a:rPr lang="en-US" sz="2700" dirty="0"/>
+              <a:t>Me</a:t>
+            </a:r>
+          </a:p>
+          <a:p>
+            <a:pPr lvl="1"/>
+            <a:r>
+              <a:rPr lang="en-US" sz="2700" dirty="0"/>
+              <a:t>Betty Kreakie</a:t>
+            </a:r>
+          </a:p>
+          <a:p>
+            <a:pPr lvl="1"/>
+            <a:r>
+              <a:rPr lang="en-US" sz="2700" dirty="0"/>
+              <a:t>Stephen Shivers</a:t>
+            </a:r>
+          </a:p>
+          <a:p>
+            <a:pPr lvl="1"/>
+            <a:r>
+              <a:rPr lang="en-US" sz="2700" dirty="0"/>
+              <a:t>Sophie Fournier</a:t>
+            </a:r>
+          </a:p>
+          <a:p>
+            <a:pPr lvl="1"/>
+            <a:r>
+              <a:rPr lang="en-US" sz="2700" dirty="0"/>
+              <a:t>Alums: Farnaz Nojavan, Bryan Milstead</a:t>
+            </a:r>
+          </a:p>
+          <a:p>
+            <a:pPr lvl="1"/>
+            <a:r>
+              <a:rPr lang="en-US" sz="2700" dirty="0"/>
+              <a:t>Anne Kuhn</a:t>
+            </a:r>
+          </a:p>
+        </p:txBody>
+      </p:sp>
+      <p:sp>
+        <p:nvSpPr>
+          <p:cNvPr id="4" name="Content Placeholder 2">
+            <a:extLst>
+              <a:ext uri="{FF2B5EF4-FFF2-40B4-BE49-F238E27FC236}">
+                <a16:creationId xmlns:a16="http://schemas.microsoft.com/office/drawing/2014/main" id="{C3641F4F-E196-4352-B3DA-450EFFB57E4A}"/>
+              </a:ext>
+            </a:extLst>
+          </p:cNvPr>
+          <p:cNvSpPr txBox="1">
+            <a:spLocks/>
+          </p:cNvSpPr>
+          <p:nvPr/>
+        </p:nvSpPr>
+        <p:spPr>
+          <a:xfrm>
+            <a:off x="108358" y="3058996"/>
+            <a:ext cx="3985469" cy="1008456"/>
+          </a:xfrm>
+          <a:prstGeom prst="rect">
+            <a:avLst/>
+          </a:prstGeom>
+        </p:spPr>
+        <p:txBody>
+          <a:bodyPr vert="horz" lIns="91440" tIns="45720" rIns="91440" bIns="45720" rtlCol="0">
+            <a:normAutofit/>
+          </a:bodyPr>
+          <a:lstStyle>
+            <a:lvl1pPr marL="228600" indent="-228600" algn="l" defTabSz="914400" rtl="0" eaLnBrk="1" latinLnBrk="0" hangingPunct="1">
+              <a:lnSpc>
+                <a:spcPct val="90000"/>
+              </a:lnSpc>
+              <a:spcBef>
+                <a:spcPts val="1000"/>
+              </a:spcBef>
+              <a:buFont typeface="Arial" panose="020B0604020202020204" pitchFamily="34" charset="0"/>
+              <a:buChar char="•"/>
+              <a:defRPr sz="2800" kern="1200">
+                <a:solidFill>
+                  <a:schemeClr val="tx1"/>
+                </a:solidFill>
+                <a:latin typeface="+mn-lt"/>
+                <a:ea typeface="+mn-ea"/>
+                <a:cs typeface="+mn-cs"/>
+              </a:defRPr>
+            </a:lvl1pPr>
+            <a:lvl2pPr marL="685800" indent="-228600" algn="l" defTabSz="914400" rtl="0" eaLnBrk="1" latinLnBrk="0" hangingPunct="1">
+              <a:lnSpc>
+                <a:spcPct val="90000"/>
+              </a:lnSpc>
+              <a:spcBef>
+                <a:spcPts val="500"/>
+              </a:spcBef>
+              <a:buFont typeface="Arial" panose="020B0604020202020204" pitchFamily="34" charset="0"/>
+              <a:buChar char="•"/>
+              <a:defRPr sz="2400" kern="1200">
+                <a:solidFill>
+                  <a:schemeClr val="tx1"/>
+                </a:solidFill>
+                <a:latin typeface="+mn-lt"/>
+                <a:ea typeface="+mn-ea"/>
+                <a:cs typeface="+mn-cs"/>
+              </a:defRPr>
+            </a:lvl2pPr>
+            <a:lvl3pPr marL="1143000" indent="-228600" algn="l" defTabSz="914400" rtl="0" eaLnBrk="1" latinLnBrk="0" hangingPunct="1">
+              <a:lnSpc>
+                <a:spcPct val="90000"/>
+              </a:lnSpc>
+              <a:spcBef>
+                <a:spcPts val="500"/>
+              </a:spcBef>
+              <a:buFont typeface="Arial" panose="020B0604020202020204" pitchFamily="34" charset="0"/>
+              <a:buChar char="•"/>
+              <a:defRPr sz="2000" kern="1200">
+                <a:solidFill>
+                  <a:schemeClr val="tx1"/>
+                </a:solidFill>
+                <a:latin typeface="+mn-lt"/>
+                <a:ea typeface="+mn-ea"/>
+                <a:cs typeface="+mn-cs"/>
+              </a:defRPr>
+            </a:lvl3pPr>
+            <a:lvl4pPr marL="1600200" indent="-228600" algn="l" defTabSz="914400" rtl="0" eaLnBrk="1" latinLnBrk="0" hangingPunct="1">
+              <a:lnSpc>
+                <a:spcPct val="90000"/>
+              </a:lnSpc>
+              <a:spcBef>
+                <a:spcPts val="500"/>
+              </a:spcBef>
+              <a:buFont typeface="Arial" panose="020B0604020202020204" pitchFamily="34" charset="0"/>
+              <a:buChar char="•"/>
+              <a:defRPr sz="1800" kern="1200">
+                <a:solidFill>
+                  <a:schemeClr val="tx1"/>
+                </a:solidFill>
+                <a:latin typeface="+mn-lt"/>
+                <a:ea typeface="+mn-ea"/>
+                <a:cs typeface="+mn-cs"/>
+              </a:defRPr>
+            </a:lvl4pPr>
+            <a:lvl5pPr marL="2057400" indent="-228600" algn="l" defTabSz="914400" rtl="0" eaLnBrk="1" latinLnBrk="0" hangingPunct="1">
+              <a:lnSpc>
+                <a:spcPct val="90000"/>
+              </a:lnSpc>
+              <a:spcBef>
+                <a:spcPts val="500"/>
+              </a:spcBef>
+              <a:buFont typeface="Arial" panose="020B0604020202020204" pitchFamily="34" charset="0"/>
+              <a:buChar char="•"/>
+              <a:defRPr sz="1800" kern="1200">
+                <a:solidFill>
+                  <a:schemeClr val="tx1"/>
+                </a:solidFill>
+                <a:latin typeface="+mn-lt"/>
+                <a:ea typeface="+mn-ea"/>
+                <a:cs typeface="+mn-cs"/>
+              </a:defRPr>
+            </a:lvl5pPr>
+            <a:lvl6pPr marL="2514600" indent="-228600" algn="l" defTabSz="914400" rtl="0" eaLnBrk="1" latinLnBrk="0" hangingPunct="1">
+              <a:lnSpc>
+                <a:spcPct val="90000"/>
+              </a:lnSpc>
+              <a:spcBef>
+                <a:spcPts val="500"/>
+              </a:spcBef>
+              <a:buFont typeface="Arial" panose="020B0604020202020204" pitchFamily="34" charset="0"/>
+              <a:buChar char="•"/>
+              <a:defRPr sz="1800" kern="1200">
+                <a:solidFill>
+                  <a:schemeClr val="tx1"/>
+                </a:solidFill>
+                <a:latin typeface="+mn-lt"/>
+                <a:ea typeface="+mn-ea"/>
+                <a:cs typeface="+mn-cs"/>
+              </a:defRPr>
+            </a:lvl6pPr>
+            <a:lvl7pPr marL="2971800" indent="-228600" algn="l" defTabSz="914400" rtl="0" eaLnBrk="1" latinLnBrk="0" hangingPunct="1">
+              <a:lnSpc>
+                <a:spcPct val="90000"/>
+              </a:lnSpc>
+              <a:spcBef>
+                <a:spcPts val="500"/>
+              </a:spcBef>
+              <a:buFont typeface="Arial" panose="020B0604020202020204" pitchFamily="34" charset="0"/>
+              <a:buChar char="•"/>
+              <a:defRPr sz="1800" kern="1200">
+                <a:solidFill>
+                  <a:schemeClr val="tx1"/>
+                </a:solidFill>
+                <a:latin typeface="+mn-lt"/>
+                <a:ea typeface="+mn-ea"/>
+                <a:cs typeface="+mn-cs"/>
+              </a:defRPr>
+            </a:lvl7pPr>
+            <a:lvl8pPr marL="3429000" indent="-228600" algn="l" defTabSz="914400" rtl="0" eaLnBrk="1" latinLnBrk="0" hangingPunct="1">
+              <a:lnSpc>
+                <a:spcPct val="90000"/>
+              </a:lnSpc>
+              <a:spcBef>
+                <a:spcPts val="500"/>
+              </a:spcBef>
+              <a:buFont typeface="Arial" panose="020B0604020202020204" pitchFamily="34" charset="0"/>
+              <a:buChar char="•"/>
+              <a:defRPr sz="1800" kern="1200">
+                <a:solidFill>
+                  <a:schemeClr val="tx1"/>
+                </a:solidFill>
+                <a:latin typeface="+mn-lt"/>
+                <a:ea typeface="+mn-ea"/>
+                <a:cs typeface="+mn-cs"/>
+              </a:defRPr>
+            </a:lvl8pPr>
+            <a:lvl9pPr marL="3886200" indent="-228600" algn="l" defTabSz="914400" rtl="0" eaLnBrk="1" latinLnBrk="0" hangingPunct="1">
+              <a:lnSpc>
+                <a:spcPct val="90000"/>
+              </a:lnSpc>
+              <a:spcBef>
+                <a:spcPts val="500"/>
+              </a:spcBef>
+              <a:buFont typeface="Arial" panose="020B0604020202020204" pitchFamily="34" charset="0"/>
+              <a:buChar char="•"/>
+              <a:defRPr sz="1800" kern="1200">
+                <a:solidFill>
+                  <a:schemeClr val="tx1"/>
+                </a:solidFill>
+                <a:latin typeface="+mn-lt"/>
+                <a:ea typeface="+mn-ea"/>
+                <a:cs typeface="+mn-cs"/>
+              </a:defRPr>
+            </a:lvl9pPr>
+          </a:lstStyle>
+          <a:p>
+            <a:r>
+              <a:rPr lang="en-US" sz="1800" b="1" dirty="0"/>
+              <a:t>EPA Region 1</a:t>
+            </a:r>
+          </a:p>
+          <a:p>
+            <a:pPr lvl="1"/>
+            <a:r>
+              <a:rPr lang="en-US" sz="1500" dirty="0"/>
+              <a:t>Hilary Snook</a:t>
+            </a:r>
+          </a:p>
+          <a:p>
+            <a:pPr lvl="1"/>
+            <a:r>
+              <a:rPr lang="en-US" sz="1500" dirty="0"/>
+              <a:t>Katrina Kipp</a:t>
+            </a:r>
+          </a:p>
+        </p:txBody>
+      </p:sp>
+      <p:sp>
+        <p:nvSpPr>
+          <p:cNvPr id="5" name="Content Placeholder 2">
+            <a:extLst>
+              <a:ext uri="{FF2B5EF4-FFF2-40B4-BE49-F238E27FC236}">
+                <a16:creationId xmlns:a16="http://schemas.microsoft.com/office/drawing/2014/main" id="{A39B72B1-793F-43D6-BD88-55A764D2D16C}"/>
+              </a:ext>
+            </a:extLst>
+          </p:cNvPr>
+          <p:cNvSpPr txBox="1">
+            <a:spLocks/>
+          </p:cNvSpPr>
+          <p:nvPr/>
+        </p:nvSpPr>
+        <p:spPr>
+          <a:xfrm>
+            <a:off x="108358" y="3984785"/>
+            <a:ext cx="3985469" cy="1500596"/>
+          </a:xfrm>
+          <a:prstGeom prst="rect">
+            <a:avLst/>
+          </a:prstGeom>
+        </p:spPr>
+        <p:txBody>
+          <a:bodyPr vert="horz" lIns="91440" tIns="45720" rIns="91440" bIns="45720" rtlCol="0">
+            <a:normAutofit fontScale="92500" lnSpcReduction="20000"/>
+          </a:bodyPr>
+          <a:lstStyle>
+            <a:lvl1pPr marL="228600" indent="-228600" algn="l" defTabSz="914400" rtl="0" eaLnBrk="1" latinLnBrk="0" hangingPunct="1">
+              <a:lnSpc>
+                <a:spcPct val="90000"/>
+              </a:lnSpc>
+              <a:spcBef>
+                <a:spcPts val="1000"/>
+              </a:spcBef>
+              <a:buFont typeface="Arial" panose="020B0604020202020204" pitchFamily="34" charset="0"/>
+              <a:buChar char="•"/>
+              <a:defRPr sz="2800" kern="1200">
+                <a:solidFill>
+                  <a:schemeClr val="tx1"/>
+                </a:solidFill>
+                <a:latin typeface="+mn-lt"/>
+                <a:ea typeface="+mn-ea"/>
+                <a:cs typeface="+mn-cs"/>
+              </a:defRPr>
+            </a:lvl1pPr>
+            <a:lvl2pPr marL="685800" indent="-228600" algn="l" defTabSz="914400" rtl="0" eaLnBrk="1" latinLnBrk="0" hangingPunct="1">
+              <a:lnSpc>
+                <a:spcPct val="90000"/>
+              </a:lnSpc>
+              <a:spcBef>
+                <a:spcPts val="500"/>
+              </a:spcBef>
+              <a:buFont typeface="Arial" panose="020B0604020202020204" pitchFamily="34" charset="0"/>
+              <a:buChar char="•"/>
+              <a:defRPr sz="2400" kern="1200">
+                <a:solidFill>
+                  <a:schemeClr val="tx1"/>
+                </a:solidFill>
+                <a:latin typeface="+mn-lt"/>
+                <a:ea typeface="+mn-ea"/>
+                <a:cs typeface="+mn-cs"/>
+              </a:defRPr>
+            </a:lvl2pPr>
+            <a:lvl3pPr marL="1143000" indent="-228600" algn="l" defTabSz="914400" rtl="0" eaLnBrk="1" latinLnBrk="0" hangingPunct="1">
+              <a:lnSpc>
+                <a:spcPct val="90000"/>
+              </a:lnSpc>
+              <a:spcBef>
+                <a:spcPts val="500"/>
+              </a:spcBef>
+              <a:buFont typeface="Arial" panose="020B0604020202020204" pitchFamily="34" charset="0"/>
+              <a:buChar char="•"/>
+              <a:defRPr sz="2000" kern="1200">
+                <a:solidFill>
+                  <a:schemeClr val="tx1"/>
+                </a:solidFill>
+                <a:latin typeface="+mn-lt"/>
+                <a:ea typeface="+mn-ea"/>
+                <a:cs typeface="+mn-cs"/>
+              </a:defRPr>
+            </a:lvl3pPr>
+            <a:lvl4pPr marL="1600200" indent="-228600" algn="l" defTabSz="914400" rtl="0" eaLnBrk="1" latinLnBrk="0" hangingPunct="1">
+              <a:lnSpc>
+                <a:spcPct val="90000"/>
+              </a:lnSpc>
+              <a:spcBef>
+                <a:spcPts val="500"/>
+              </a:spcBef>
+              <a:buFont typeface="Arial" panose="020B0604020202020204" pitchFamily="34" charset="0"/>
+              <a:buChar char="•"/>
+              <a:defRPr sz="1800" kern="1200">
+                <a:solidFill>
+                  <a:schemeClr val="tx1"/>
+                </a:solidFill>
+                <a:latin typeface="+mn-lt"/>
+                <a:ea typeface="+mn-ea"/>
+                <a:cs typeface="+mn-cs"/>
+              </a:defRPr>
+            </a:lvl4pPr>
+            <a:lvl5pPr marL="2057400" indent="-228600" algn="l" defTabSz="914400" rtl="0" eaLnBrk="1" latinLnBrk="0" hangingPunct="1">
+              <a:lnSpc>
+                <a:spcPct val="90000"/>
+              </a:lnSpc>
+              <a:spcBef>
+                <a:spcPts val="500"/>
+              </a:spcBef>
+              <a:buFont typeface="Arial" panose="020B0604020202020204" pitchFamily="34" charset="0"/>
+              <a:buChar char="•"/>
+              <a:defRPr sz="1800" kern="1200">
+                <a:solidFill>
+                  <a:schemeClr val="tx1"/>
+                </a:solidFill>
+                <a:latin typeface="+mn-lt"/>
+                <a:ea typeface="+mn-ea"/>
+                <a:cs typeface="+mn-cs"/>
+              </a:defRPr>
+            </a:lvl5pPr>
+            <a:lvl6pPr marL="2514600" indent="-228600" algn="l" defTabSz="914400" rtl="0" eaLnBrk="1" latinLnBrk="0" hangingPunct="1">
+              <a:lnSpc>
+                <a:spcPct val="90000"/>
+              </a:lnSpc>
+              <a:spcBef>
+                <a:spcPts val="500"/>
+              </a:spcBef>
+              <a:buFont typeface="Arial" panose="020B0604020202020204" pitchFamily="34" charset="0"/>
+              <a:buChar char="•"/>
+              <a:defRPr sz="1800" kern="1200">
+                <a:solidFill>
+                  <a:schemeClr val="tx1"/>
+                </a:solidFill>
+                <a:latin typeface="+mn-lt"/>
+                <a:ea typeface="+mn-ea"/>
+                <a:cs typeface="+mn-cs"/>
+              </a:defRPr>
+            </a:lvl6pPr>
+            <a:lvl7pPr marL="2971800" indent="-228600" algn="l" defTabSz="914400" rtl="0" eaLnBrk="1" latinLnBrk="0" hangingPunct="1">
+              <a:lnSpc>
+                <a:spcPct val="90000"/>
+              </a:lnSpc>
+              <a:spcBef>
+                <a:spcPts val="500"/>
+              </a:spcBef>
+              <a:buFont typeface="Arial" panose="020B0604020202020204" pitchFamily="34" charset="0"/>
+              <a:buChar char="•"/>
+              <a:defRPr sz="1800" kern="1200">
+                <a:solidFill>
+                  <a:schemeClr val="tx1"/>
+                </a:solidFill>
+                <a:latin typeface="+mn-lt"/>
+                <a:ea typeface="+mn-ea"/>
+                <a:cs typeface="+mn-cs"/>
+              </a:defRPr>
+            </a:lvl7pPr>
+            <a:lvl8pPr marL="3429000" indent="-228600" algn="l" defTabSz="914400" rtl="0" eaLnBrk="1" latinLnBrk="0" hangingPunct="1">
+              <a:lnSpc>
+                <a:spcPct val="90000"/>
+              </a:lnSpc>
+              <a:spcBef>
+                <a:spcPts val="500"/>
+              </a:spcBef>
+              <a:buFont typeface="Arial" panose="020B0604020202020204" pitchFamily="34" charset="0"/>
+              <a:buChar char="•"/>
+              <a:defRPr sz="1800" kern="1200">
+                <a:solidFill>
+                  <a:schemeClr val="tx1"/>
+                </a:solidFill>
+                <a:latin typeface="+mn-lt"/>
+                <a:ea typeface="+mn-ea"/>
+                <a:cs typeface="+mn-cs"/>
+              </a:defRPr>
+            </a:lvl8pPr>
+            <a:lvl9pPr marL="3886200" indent="-228600" algn="l" defTabSz="914400" rtl="0" eaLnBrk="1" latinLnBrk="0" hangingPunct="1">
+              <a:lnSpc>
+                <a:spcPct val="90000"/>
+              </a:lnSpc>
+              <a:spcBef>
+                <a:spcPts val="500"/>
+              </a:spcBef>
+              <a:buFont typeface="Arial" panose="020B0604020202020204" pitchFamily="34" charset="0"/>
+              <a:buChar char="•"/>
+              <a:defRPr sz="1800" kern="1200">
+                <a:solidFill>
+                  <a:schemeClr val="tx1"/>
+                </a:solidFill>
+                <a:latin typeface="+mn-lt"/>
+                <a:ea typeface="+mn-ea"/>
+                <a:cs typeface="+mn-cs"/>
+              </a:defRPr>
+            </a:lvl9pPr>
+          </a:lstStyle>
+          <a:p>
+            <a:r>
+              <a:rPr lang="en-US" sz="1900" b="1" dirty="0"/>
+              <a:t>EPA Region 7</a:t>
+            </a:r>
+          </a:p>
+          <a:p>
+            <a:pPr lvl="1"/>
+            <a:r>
+              <a:rPr lang="en-US" sz="1600" dirty="0"/>
+              <a:t>Steve Krabbe</a:t>
+            </a:r>
+          </a:p>
+          <a:p>
+            <a:pPr lvl="1"/>
+            <a:r>
+              <a:rPr lang="en-US" sz="1600" dirty="0"/>
+              <a:t>Chris Taylor</a:t>
+            </a:r>
+          </a:p>
+          <a:p>
+            <a:pPr lvl="1"/>
+            <a:r>
+              <a:rPr lang="en-US" sz="1600" dirty="0"/>
+              <a:t>Laura Webb</a:t>
+            </a:r>
+          </a:p>
+          <a:p>
+            <a:pPr lvl="1"/>
+            <a:r>
+              <a:rPr lang="en-US" sz="1600" dirty="0"/>
+              <a:t>Steve Baker</a:t>
+            </a:r>
+          </a:p>
+          <a:p>
+            <a:pPr lvl="1"/>
+            <a:r>
+              <a:rPr lang="en-US" sz="1600" dirty="0"/>
+              <a:t>Gary Welker</a:t>
+            </a:r>
+            <a:endParaRPr lang="en-US" sz="1500" dirty="0"/>
+          </a:p>
+        </p:txBody>
+      </p:sp>
+      <p:sp>
+        <p:nvSpPr>
+          <p:cNvPr id="6" name="Content Placeholder 2">
+            <a:extLst>
+              <a:ext uri="{FF2B5EF4-FFF2-40B4-BE49-F238E27FC236}">
+                <a16:creationId xmlns:a16="http://schemas.microsoft.com/office/drawing/2014/main" id="{8E7227F9-2164-4263-B52E-2F8A2EA13908}"/>
+              </a:ext>
+            </a:extLst>
+          </p:cNvPr>
+          <p:cNvSpPr txBox="1">
+            <a:spLocks/>
+          </p:cNvSpPr>
+          <p:nvPr/>
+        </p:nvSpPr>
+        <p:spPr>
+          <a:xfrm>
+            <a:off x="8265257" y="1422953"/>
+            <a:ext cx="3985469" cy="1261524"/>
+          </a:xfrm>
+          <a:prstGeom prst="rect">
+            <a:avLst/>
+          </a:prstGeom>
+        </p:spPr>
+        <p:txBody>
+          <a:bodyPr vert="horz" lIns="91440" tIns="45720" rIns="91440" bIns="45720" rtlCol="0">
+            <a:normAutofit fontScale="92500" lnSpcReduction="20000"/>
+          </a:bodyPr>
+          <a:lstStyle>
+            <a:lvl1pPr marL="228600" indent="-228600" algn="l" defTabSz="914400" rtl="0" eaLnBrk="1" latinLnBrk="0" hangingPunct="1">
+              <a:lnSpc>
+                <a:spcPct val="90000"/>
+              </a:lnSpc>
+              <a:spcBef>
+                <a:spcPts val="1000"/>
+              </a:spcBef>
+              <a:buFont typeface="Arial" panose="020B0604020202020204" pitchFamily="34" charset="0"/>
+              <a:buChar char="•"/>
+              <a:defRPr sz="2800" kern="1200">
+                <a:solidFill>
+                  <a:schemeClr val="tx1"/>
+                </a:solidFill>
+                <a:latin typeface="+mn-lt"/>
+                <a:ea typeface="+mn-ea"/>
+                <a:cs typeface="+mn-cs"/>
+              </a:defRPr>
+            </a:lvl1pPr>
+            <a:lvl2pPr marL="685800" indent="-228600" algn="l" defTabSz="914400" rtl="0" eaLnBrk="1" latinLnBrk="0" hangingPunct="1">
+              <a:lnSpc>
+                <a:spcPct val="90000"/>
+              </a:lnSpc>
+              <a:spcBef>
+                <a:spcPts val="500"/>
+              </a:spcBef>
+              <a:buFont typeface="Arial" panose="020B0604020202020204" pitchFamily="34" charset="0"/>
+              <a:buChar char="•"/>
+              <a:defRPr sz="2400" kern="1200">
+                <a:solidFill>
+                  <a:schemeClr val="tx1"/>
+                </a:solidFill>
+                <a:latin typeface="+mn-lt"/>
+                <a:ea typeface="+mn-ea"/>
+                <a:cs typeface="+mn-cs"/>
+              </a:defRPr>
+            </a:lvl2pPr>
+            <a:lvl3pPr marL="1143000" indent="-228600" algn="l" defTabSz="914400" rtl="0" eaLnBrk="1" latinLnBrk="0" hangingPunct="1">
+              <a:lnSpc>
+                <a:spcPct val="90000"/>
+              </a:lnSpc>
+              <a:spcBef>
+                <a:spcPts val="500"/>
+              </a:spcBef>
+              <a:buFont typeface="Arial" panose="020B0604020202020204" pitchFamily="34" charset="0"/>
+              <a:buChar char="•"/>
+              <a:defRPr sz="2000" kern="1200">
+                <a:solidFill>
+                  <a:schemeClr val="tx1"/>
+                </a:solidFill>
+                <a:latin typeface="+mn-lt"/>
+                <a:ea typeface="+mn-ea"/>
+                <a:cs typeface="+mn-cs"/>
+              </a:defRPr>
+            </a:lvl3pPr>
+            <a:lvl4pPr marL="1600200" indent="-228600" algn="l" defTabSz="914400" rtl="0" eaLnBrk="1" latinLnBrk="0" hangingPunct="1">
+              <a:lnSpc>
+                <a:spcPct val="90000"/>
+              </a:lnSpc>
+              <a:spcBef>
+                <a:spcPts val="500"/>
+              </a:spcBef>
+              <a:buFont typeface="Arial" panose="020B0604020202020204" pitchFamily="34" charset="0"/>
+              <a:buChar char="•"/>
+              <a:defRPr sz="1800" kern="1200">
+                <a:solidFill>
+                  <a:schemeClr val="tx1"/>
+                </a:solidFill>
+                <a:latin typeface="+mn-lt"/>
+                <a:ea typeface="+mn-ea"/>
+                <a:cs typeface="+mn-cs"/>
+              </a:defRPr>
+            </a:lvl4pPr>
+            <a:lvl5pPr marL="2057400" indent="-228600" algn="l" defTabSz="914400" rtl="0" eaLnBrk="1" latinLnBrk="0" hangingPunct="1">
+              <a:lnSpc>
+                <a:spcPct val="90000"/>
+              </a:lnSpc>
+              <a:spcBef>
+                <a:spcPts val="500"/>
+              </a:spcBef>
+              <a:buFont typeface="Arial" panose="020B0604020202020204" pitchFamily="34" charset="0"/>
+              <a:buChar char="•"/>
+              <a:defRPr sz="1800" kern="1200">
+                <a:solidFill>
+                  <a:schemeClr val="tx1"/>
+                </a:solidFill>
+                <a:latin typeface="+mn-lt"/>
+                <a:ea typeface="+mn-ea"/>
+                <a:cs typeface="+mn-cs"/>
+              </a:defRPr>
+            </a:lvl5pPr>
+            <a:lvl6pPr marL="2514600" indent="-228600" algn="l" defTabSz="914400" rtl="0" eaLnBrk="1" latinLnBrk="0" hangingPunct="1">
+              <a:lnSpc>
+                <a:spcPct val="90000"/>
+              </a:lnSpc>
+              <a:spcBef>
+                <a:spcPts val="500"/>
+              </a:spcBef>
+              <a:buFont typeface="Arial" panose="020B0604020202020204" pitchFamily="34" charset="0"/>
+              <a:buChar char="•"/>
+              <a:defRPr sz="1800" kern="1200">
+                <a:solidFill>
+                  <a:schemeClr val="tx1"/>
+                </a:solidFill>
+                <a:latin typeface="+mn-lt"/>
+                <a:ea typeface="+mn-ea"/>
+                <a:cs typeface="+mn-cs"/>
+              </a:defRPr>
+            </a:lvl6pPr>
+            <a:lvl7pPr marL="2971800" indent="-228600" algn="l" defTabSz="914400" rtl="0" eaLnBrk="1" latinLnBrk="0" hangingPunct="1">
+              <a:lnSpc>
+                <a:spcPct val="90000"/>
+              </a:lnSpc>
+              <a:spcBef>
+                <a:spcPts val="500"/>
+              </a:spcBef>
+              <a:buFont typeface="Arial" panose="020B0604020202020204" pitchFamily="34" charset="0"/>
+              <a:buChar char="•"/>
+              <a:defRPr sz="1800" kern="1200">
+                <a:solidFill>
+                  <a:schemeClr val="tx1"/>
+                </a:solidFill>
+                <a:latin typeface="+mn-lt"/>
+                <a:ea typeface="+mn-ea"/>
+                <a:cs typeface="+mn-cs"/>
+              </a:defRPr>
+            </a:lvl7pPr>
+            <a:lvl8pPr marL="3429000" indent="-228600" algn="l" defTabSz="914400" rtl="0" eaLnBrk="1" latinLnBrk="0" hangingPunct="1">
+              <a:lnSpc>
+                <a:spcPct val="90000"/>
+              </a:lnSpc>
+              <a:spcBef>
+                <a:spcPts val="500"/>
+              </a:spcBef>
+              <a:buFont typeface="Arial" panose="020B0604020202020204" pitchFamily="34" charset="0"/>
+              <a:buChar char="•"/>
+              <a:defRPr sz="1800" kern="1200">
+                <a:solidFill>
+                  <a:schemeClr val="tx1"/>
+                </a:solidFill>
+                <a:latin typeface="+mn-lt"/>
+                <a:ea typeface="+mn-ea"/>
+                <a:cs typeface="+mn-cs"/>
+              </a:defRPr>
+            </a:lvl8pPr>
+            <a:lvl9pPr marL="3886200" indent="-228600" algn="l" defTabSz="914400" rtl="0" eaLnBrk="1" latinLnBrk="0" hangingPunct="1">
+              <a:lnSpc>
+                <a:spcPct val="90000"/>
+              </a:lnSpc>
+              <a:spcBef>
+                <a:spcPts val="500"/>
+              </a:spcBef>
+              <a:buFont typeface="Arial" panose="020B0604020202020204" pitchFamily="34" charset="0"/>
+              <a:buChar char="•"/>
+              <a:defRPr sz="1800" kern="1200">
+                <a:solidFill>
+                  <a:schemeClr val="tx1"/>
+                </a:solidFill>
+                <a:latin typeface="+mn-lt"/>
+                <a:ea typeface="+mn-ea"/>
+                <a:cs typeface="+mn-cs"/>
+              </a:defRPr>
+            </a:lvl9pPr>
+          </a:lstStyle>
+          <a:p>
+            <a:r>
+              <a:rPr lang="en-US" sz="1900" b="1" dirty="0"/>
+              <a:t>URI</a:t>
+            </a:r>
+          </a:p>
+          <a:p>
+            <a:pPr lvl="1"/>
+            <a:r>
+              <a:rPr lang="en-US" sz="1600" dirty="0"/>
+              <a:t>Elizabeth Herron</a:t>
+            </a:r>
+          </a:p>
+          <a:p>
+            <a:pPr lvl="1"/>
+            <a:r>
+              <a:rPr lang="en-US" sz="1600" dirty="0"/>
+              <a:t>Linda Green</a:t>
+            </a:r>
+          </a:p>
+          <a:p>
+            <a:pPr lvl="1"/>
+            <a:r>
+              <a:rPr lang="en-US" sz="1600" dirty="0"/>
+              <a:t>Art Gold</a:t>
+            </a:r>
+          </a:p>
+          <a:p>
+            <a:pPr lvl="1"/>
+            <a:r>
+              <a:rPr lang="en-US" sz="1600" dirty="0"/>
+              <a:t>Q Kellogg</a:t>
+            </a:r>
+          </a:p>
+        </p:txBody>
+      </p:sp>
+      <p:sp>
+        <p:nvSpPr>
+          <p:cNvPr id="7" name="Content Placeholder 2">
+            <a:extLst>
+              <a:ext uri="{FF2B5EF4-FFF2-40B4-BE49-F238E27FC236}">
+                <a16:creationId xmlns:a16="http://schemas.microsoft.com/office/drawing/2014/main" id="{00E203AE-6939-4A12-98D3-F6CEC70FDEB4}"/>
+              </a:ext>
+            </a:extLst>
+          </p:cNvPr>
+          <p:cNvSpPr txBox="1">
+            <a:spLocks/>
+          </p:cNvSpPr>
+          <p:nvPr/>
+        </p:nvSpPr>
+        <p:spPr>
+          <a:xfrm>
+            <a:off x="8255816" y="2684477"/>
+            <a:ext cx="3985469" cy="1082194"/>
+          </a:xfrm>
+          <a:prstGeom prst="rect">
+            <a:avLst/>
+          </a:prstGeom>
+        </p:spPr>
+        <p:txBody>
+          <a:bodyPr vert="horz" lIns="91440" tIns="45720" rIns="91440" bIns="45720" rtlCol="0">
+            <a:normAutofit lnSpcReduction="10000"/>
+          </a:bodyPr>
+          <a:lstStyle>
+            <a:lvl1pPr marL="228600" indent="-228600" algn="l" defTabSz="914400" rtl="0" eaLnBrk="1" latinLnBrk="0" hangingPunct="1">
+              <a:lnSpc>
+                <a:spcPct val="90000"/>
+              </a:lnSpc>
+              <a:spcBef>
+                <a:spcPts val="1000"/>
+              </a:spcBef>
+              <a:buFont typeface="Arial" panose="020B0604020202020204" pitchFamily="34" charset="0"/>
+              <a:buChar char="•"/>
+              <a:defRPr sz="2800" kern="1200">
+                <a:solidFill>
+                  <a:schemeClr val="tx1"/>
+                </a:solidFill>
+                <a:latin typeface="+mn-lt"/>
+                <a:ea typeface="+mn-ea"/>
+                <a:cs typeface="+mn-cs"/>
+              </a:defRPr>
+            </a:lvl1pPr>
+            <a:lvl2pPr marL="685800" indent="-228600" algn="l" defTabSz="914400" rtl="0" eaLnBrk="1" latinLnBrk="0" hangingPunct="1">
+              <a:lnSpc>
+                <a:spcPct val="90000"/>
+              </a:lnSpc>
+              <a:spcBef>
+                <a:spcPts val="500"/>
+              </a:spcBef>
+              <a:buFont typeface="Arial" panose="020B0604020202020204" pitchFamily="34" charset="0"/>
+              <a:buChar char="•"/>
+              <a:defRPr sz="2400" kern="1200">
+                <a:solidFill>
+                  <a:schemeClr val="tx1"/>
+                </a:solidFill>
+                <a:latin typeface="+mn-lt"/>
+                <a:ea typeface="+mn-ea"/>
+                <a:cs typeface="+mn-cs"/>
+              </a:defRPr>
+            </a:lvl2pPr>
+            <a:lvl3pPr marL="1143000" indent="-228600" algn="l" defTabSz="914400" rtl="0" eaLnBrk="1" latinLnBrk="0" hangingPunct="1">
+              <a:lnSpc>
+                <a:spcPct val="90000"/>
+              </a:lnSpc>
+              <a:spcBef>
+                <a:spcPts val="500"/>
+              </a:spcBef>
+              <a:buFont typeface="Arial" panose="020B0604020202020204" pitchFamily="34" charset="0"/>
+              <a:buChar char="•"/>
+              <a:defRPr sz="2000" kern="1200">
+                <a:solidFill>
+                  <a:schemeClr val="tx1"/>
+                </a:solidFill>
+                <a:latin typeface="+mn-lt"/>
+                <a:ea typeface="+mn-ea"/>
+                <a:cs typeface="+mn-cs"/>
+              </a:defRPr>
+            </a:lvl3pPr>
+            <a:lvl4pPr marL="1600200" indent="-228600" algn="l" defTabSz="914400" rtl="0" eaLnBrk="1" latinLnBrk="0" hangingPunct="1">
+              <a:lnSpc>
+                <a:spcPct val="90000"/>
+              </a:lnSpc>
+              <a:spcBef>
+                <a:spcPts val="500"/>
+              </a:spcBef>
+              <a:buFont typeface="Arial" panose="020B0604020202020204" pitchFamily="34" charset="0"/>
+              <a:buChar char="•"/>
+              <a:defRPr sz="1800" kern="1200">
+                <a:solidFill>
+                  <a:schemeClr val="tx1"/>
+                </a:solidFill>
+                <a:latin typeface="+mn-lt"/>
+                <a:ea typeface="+mn-ea"/>
+                <a:cs typeface="+mn-cs"/>
+              </a:defRPr>
+            </a:lvl4pPr>
+            <a:lvl5pPr marL="2057400" indent="-228600" algn="l" defTabSz="914400" rtl="0" eaLnBrk="1" latinLnBrk="0" hangingPunct="1">
+              <a:lnSpc>
+                <a:spcPct val="90000"/>
+              </a:lnSpc>
+              <a:spcBef>
+                <a:spcPts val="500"/>
+              </a:spcBef>
+              <a:buFont typeface="Arial" panose="020B0604020202020204" pitchFamily="34" charset="0"/>
+              <a:buChar char="•"/>
+              <a:defRPr sz="1800" kern="1200">
+                <a:solidFill>
+                  <a:schemeClr val="tx1"/>
+                </a:solidFill>
+                <a:latin typeface="+mn-lt"/>
+                <a:ea typeface="+mn-ea"/>
+                <a:cs typeface="+mn-cs"/>
+              </a:defRPr>
+            </a:lvl5pPr>
+            <a:lvl6pPr marL="2514600" indent="-228600" algn="l" defTabSz="914400" rtl="0" eaLnBrk="1" latinLnBrk="0" hangingPunct="1">
+              <a:lnSpc>
+                <a:spcPct val="90000"/>
+              </a:lnSpc>
+              <a:spcBef>
+                <a:spcPts val="500"/>
+              </a:spcBef>
+              <a:buFont typeface="Arial" panose="020B0604020202020204" pitchFamily="34" charset="0"/>
+              <a:buChar char="•"/>
+              <a:defRPr sz="1800" kern="1200">
+                <a:solidFill>
+                  <a:schemeClr val="tx1"/>
+                </a:solidFill>
+                <a:latin typeface="+mn-lt"/>
+                <a:ea typeface="+mn-ea"/>
+                <a:cs typeface="+mn-cs"/>
+              </a:defRPr>
+            </a:lvl6pPr>
+            <a:lvl7pPr marL="2971800" indent="-228600" algn="l" defTabSz="914400" rtl="0" eaLnBrk="1" latinLnBrk="0" hangingPunct="1">
+              <a:lnSpc>
+                <a:spcPct val="90000"/>
+              </a:lnSpc>
+              <a:spcBef>
+                <a:spcPts val="500"/>
+              </a:spcBef>
+              <a:buFont typeface="Arial" panose="020B0604020202020204" pitchFamily="34" charset="0"/>
+              <a:buChar char="•"/>
+              <a:defRPr sz="1800" kern="1200">
+                <a:solidFill>
+                  <a:schemeClr val="tx1"/>
+                </a:solidFill>
+                <a:latin typeface="+mn-lt"/>
+                <a:ea typeface="+mn-ea"/>
+                <a:cs typeface="+mn-cs"/>
+              </a:defRPr>
+            </a:lvl7pPr>
+            <a:lvl8pPr marL="3429000" indent="-228600" algn="l" defTabSz="914400" rtl="0" eaLnBrk="1" latinLnBrk="0" hangingPunct="1">
+              <a:lnSpc>
+                <a:spcPct val="90000"/>
+              </a:lnSpc>
+              <a:spcBef>
+                <a:spcPts val="500"/>
+              </a:spcBef>
+              <a:buFont typeface="Arial" panose="020B0604020202020204" pitchFamily="34" charset="0"/>
+              <a:buChar char="•"/>
+              <a:defRPr sz="1800" kern="1200">
+                <a:solidFill>
+                  <a:schemeClr val="tx1"/>
+                </a:solidFill>
+                <a:latin typeface="+mn-lt"/>
+                <a:ea typeface="+mn-ea"/>
+                <a:cs typeface="+mn-cs"/>
+              </a:defRPr>
+            </a:lvl8pPr>
+            <a:lvl9pPr marL="3886200" indent="-228600" algn="l" defTabSz="914400" rtl="0" eaLnBrk="1" latinLnBrk="0" hangingPunct="1">
+              <a:lnSpc>
+                <a:spcPct val="90000"/>
+              </a:lnSpc>
+              <a:spcBef>
+                <a:spcPts val="500"/>
+              </a:spcBef>
+              <a:buFont typeface="Arial" panose="020B0604020202020204" pitchFamily="34" charset="0"/>
+              <a:buChar char="•"/>
+              <a:defRPr sz="1800" kern="1200">
+                <a:solidFill>
+                  <a:schemeClr val="tx1"/>
+                </a:solidFill>
+                <a:latin typeface="+mn-lt"/>
+                <a:ea typeface="+mn-ea"/>
+                <a:cs typeface="+mn-cs"/>
+              </a:defRPr>
+            </a:lvl9pPr>
+          </a:lstStyle>
+          <a:p>
+            <a:r>
+              <a:rPr lang="en-US" sz="1800" b="1" dirty="0"/>
+              <a:t>RIDEM</a:t>
+            </a:r>
+          </a:p>
+          <a:p>
+            <a:pPr lvl="1"/>
+            <a:r>
+              <a:rPr lang="en-US" sz="1500" dirty="0"/>
+              <a:t>Bryan Zalewsky</a:t>
+            </a:r>
+          </a:p>
+          <a:p>
+            <a:pPr lvl="1"/>
+            <a:r>
+              <a:rPr lang="en-US" sz="1500" dirty="0"/>
+              <a:t>Jane Sawyers</a:t>
+            </a:r>
+          </a:p>
+          <a:p>
+            <a:pPr lvl="1"/>
+            <a:r>
+              <a:rPr lang="en-US" sz="1500" dirty="0"/>
+              <a:t>Sue Kiernan</a:t>
+            </a:r>
+          </a:p>
+        </p:txBody>
+      </p:sp>
+      <p:sp>
+        <p:nvSpPr>
+          <p:cNvPr id="8" name="Content Placeholder 2">
+            <a:extLst>
+              <a:ext uri="{FF2B5EF4-FFF2-40B4-BE49-F238E27FC236}">
+                <a16:creationId xmlns:a16="http://schemas.microsoft.com/office/drawing/2014/main" id="{2D9EB273-96F4-465D-9FE1-0F84CE2FDAA7}"/>
+              </a:ext>
+            </a:extLst>
+          </p:cNvPr>
+          <p:cNvSpPr txBox="1">
+            <a:spLocks/>
+          </p:cNvSpPr>
+          <p:nvPr/>
+        </p:nvSpPr>
+        <p:spPr>
+          <a:xfrm>
+            <a:off x="108357" y="5384917"/>
+            <a:ext cx="3985469" cy="1158496"/>
+          </a:xfrm>
+          <a:prstGeom prst="rect">
+            <a:avLst/>
+          </a:prstGeom>
+        </p:spPr>
+        <p:txBody>
+          <a:bodyPr vert="horz" lIns="91440" tIns="45720" rIns="91440" bIns="45720" rtlCol="0">
+            <a:normAutofit fontScale="92500" lnSpcReduction="20000"/>
+          </a:bodyPr>
+          <a:lstStyle>
+            <a:lvl1pPr marL="228600" indent="-228600" algn="l" defTabSz="914400" rtl="0" eaLnBrk="1" latinLnBrk="0" hangingPunct="1">
+              <a:lnSpc>
+                <a:spcPct val="90000"/>
+              </a:lnSpc>
+              <a:spcBef>
+                <a:spcPts val="1000"/>
+              </a:spcBef>
+              <a:buFont typeface="Arial" panose="020B0604020202020204" pitchFamily="34" charset="0"/>
+              <a:buChar char="•"/>
+              <a:defRPr sz="2800" kern="1200">
+                <a:solidFill>
+                  <a:schemeClr val="tx1"/>
+                </a:solidFill>
+                <a:latin typeface="+mn-lt"/>
+                <a:ea typeface="+mn-ea"/>
+                <a:cs typeface="+mn-cs"/>
+              </a:defRPr>
+            </a:lvl1pPr>
+            <a:lvl2pPr marL="685800" indent="-228600" algn="l" defTabSz="914400" rtl="0" eaLnBrk="1" latinLnBrk="0" hangingPunct="1">
+              <a:lnSpc>
+                <a:spcPct val="90000"/>
+              </a:lnSpc>
+              <a:spcBef>
+                <a:spcPts val="500"/>
+              </a:spcBef>
+              <a:buFont typeface="Arial" panose="020B0604020202020204" pitchFamily="34" charset="0"/>
+              <a:buChar char="•"/>
+              <a:defRPr sz="2400" kern="1200">
+                <a:solidFill>
+                  <a:schemeClr val="tx1"/>
+                </a:solidFill>
+                <a:latin typeface="+mn-lt"/>
+                <a:ea typeface="+mn-ea"/>
+                <a:cs typeface="+mn-cs"/>
+              </a:defRPr>
+            </a:lvl2pPr>
+            <a:lvl3pPr marL="1143000" indent="-228600" algn="l" defTabSz="914400" rtl="0" eaLnBrk="1" latinLnBrk="0" hangingPunct="1">
+              <a:lnSpc>
+                <a:spcPct val="90000"/>
+              </a:lnSpc>
+              <a:spcBef>
+                <a:spcPts val="500"/>
+              </a:spcBef>
+              <a:buFont typeface="Arial" panose="020B0604020202020204" pitchFamily="34" charset="0"/>
+              <a:buChar char="•"/>
+              <a:defRPr sz="2000" kern="1200">
+                <a:solidFill>
+                  <a:schemeClr val="tx1"/>
+                </a:solidFill>
+                <a:latin typeface="+mn-lt"/>
+                <a:ea typeface="+mn-ea"/>
+                <a:cs typeface="+mn-cs"/>
+              </a:defRPr>
+            </a:lvl3pPr>
+            <a:lvl4pPr marL="1600200" indent="-228600" algn="l" defTabSz="914400" rtl="0" eaLnBrk="1" latinLnBrk="0" hangingPunct="1">
+              <a:lnSpc>
+                <a:spcPct val="90000"/>
+              </a:lnSpc>
+              <a:spcBef>
+                <a:spcPts val="500"/>
+              </a:spcBef>
+              <a:buFont typeface="Arial" panose="020B0604020202020204" pitchFamily="34" charset="0"/>
+              <a:buChar char="•"/>
+              <a:defRPr sz="1800" kern="1200">
+                <a:solidFill>
+                  <a:schemeClr val="tx1"/>
+                </a:solidFill>
+                <a:latin typeface="+mn-lt"/>
+                <a:ea typeface="+mn-ea"/>
+                <a:cs typeface="+mn-cs"/>
+              </a:defRPr>
+            </a:lvl4pPr>
+            <a:lvl5pPr marL="2057400" indent="-228600" algn="l" defTabSz="914400" rtl="0" eaLnBrk="1" latinLnBrk="0" hangingPunct="1">
+              <a:lnSpc>
+                <a:spcPct val="90000"/>
+              </a:lnSpc>
+              <a:spcBef>
+                <a:spcPts val="500"/>
+              </a:spcBef>
+              <a:buFont typeface="Arial" panose="020B0604020202020204" pitchFamily="34" charset="0"/>
+              <a:buChar char="•"/>
+              <a:defRPr sz="1800" kern="1200">
+                <a:solidFill>
+                  <a:schemeClr val="tx1"/>
+                </a:solidFill>
+                <a:latin typeface="+mn-lt"/>
+                <a:ea typeface="+mn-ea"/>
+                <a:cs typeface="+mn-cs"/>
+              </a:defRPr>
+            </a:lvl5pPr>
+            <a:lvl6pPr marL="2514600" indent="-228600" algn="l" defTabSz="914400" rtl="0" eaLnBrk="1" latinLnBrk="0" hangingPunct="1">
+              <a:lnSpc>
+                <a:spcPct val="90000"/>
+              </a:lnSpc>
+              <a:spcBef>
+                <a:spcPts val="500"/>
+              </a:spcBef>
+              <a:buFont typeface="Arial" panose="020B0604020202020204" pitchFamily="34" charset="0"/>
+              <a:buChar char="•"/>
+              <a:defRPr sz="1800" kern="1200">
+                <a:solidFill>
+                  <a:schemeClr val="tx1"/>
+                </a:solidFill>
+                <a:latin typeface="+mn-lt"/>
+                <a:ea typeface="+mn-ea"/>
+                <a:cs typeface="+mn-cs"/>
+              </a:defRPr>
+            </a:lvl6pPr>
+            <a:lvl7pPr marL="2971800" indent="-228600" algn="l" defTabSz="914400" rtl="0" eaLnBrk="1" latinLnBrk="0" hangingPunct="1">
+              <a:lnSpc>
+                <a:spcPct val="90000"/>
+              </a:lnSpc>
+              <a:spcBef>
+                <a:spcPts val="500"/>
+              </a:spcBef>
+              <a:buFont typeface="Arial" panose="020B0604020202020204" pitchFamily="34" charset="0"/>
+              <a:buChar char="•"/>
+              <a:defRPr sz="1800" kern="1200">
+                <a:solidFill>
+                  <a:schemeClr val="tx1"/>
+                </a:solidFill>
+                <a:latin typeface="+mn-lt"/>
+                <a:ea typeface="+mn-ea"/>
+                <a:cs typeface="+mn-cs"/>
+              </a:defRPr>
+            </a:lvl7pPr>
+            <a:lvl8pPr marL="3429000" indent="-228600" algn="l" defTabSz="914400" rtl="0" eaLnBrk="1" latinLnBrk="0" hangingPunct="1">
+              <a:lnSpc>
+                <a:spcPct val="90000"/>
+              </a:lnSpc>
+              <a:spcBef>
+                <a:spcPts val="500"/>
+              </a:spcBef>
+              <a:buFont typeface="Arial" panose="020B0604020202020204" pitchFamily="34" charset="0"/>
+              <a:buChar char="•"/>
+              <a:defRPr sz="1800" kern="1200">
+                <a:solidFill>
+                  <a:schemeClr val="tx1"/>
+                </a:solidFill>
+                <a:latin typeface="+mn-lt"/>
+                <a:ea typeface="+mn-ea"/>
+                <a:cs typeface="+mn-cs"/>
+              </a:defRPr>
+            </a:lvl8pPr>
+            <a:lvl9pPr marL="3886200" indent="-228600" algn="l" defTabSz="914400" rtl="0" eaLnBrk="1" latinLnBrk="0" hangingPunct="1">
+              <a:lnSpc>
+                <a:spcPct val="90000"/>
+              </a:lnSpc>
+              <a:spcBef>
+                <a:spcPts val="500"/>
+              </a:spcBef>
+              <a:buFont typeface="Arial" panose="020B0604020202020204" pitchFamily="34" charset="0"/>
+              <a:buChar char="•"/>
+              <a:defRPr sz="1800" kern="1200">
+                <a:solidFill>
+                  <a:schemeClr val="tx1"/>
+                </a:solidFill>
+                <a:latin typeface="+mn-lt"/>
+                <a:ea typeface="+mn-ea"/>
+                <a:cs typeface="+mn-cs"/>
+              </a:defRPr>
+            </a:lvl9pPr>
+          </a:lstStyle>
+          <a:p>
+            <a:r>
+              <a:rPr lang="en-US" sz="1800" b="1" dirty="0"/>
+              <a:t>Elsewhere in ORD</a:t>
+            </a:r>
+          </a:p>
+          <a:p>
+            <a:pPr lvl="1"/>
+            <a:r>
+              <a:rPr lang="en-US" sz="1500" dirty="0"/>
+              <a:t>Ann Vega</a:t>
+            </a:r>
+          </a:p>
+          <a:p>
+            <a:pPr lvl="1"/>
+            <a:r>
+              <a:rPr lang="en-US" sz="1500" dirty="0"/>
+              <a:t>Jake Beaulieu</a:t>
+            </a:r>
+          </a:p>
+          <a:p>
+            <a:pPr lvl="1"/>
+            <a:r>
+              <a:rPr lang="en-US" sz="1500" dirty="0"/>
+              <a:t>Blake Schaeffer</a:t>
+            </a:r>
+          </a:p>
+          <a:p>
+            <a:pPr lvl="1"/>
+            <a:r>
+              <a:rPr lang="en-US" sz="1500" dirty="0"/>
+              <a:t>Jay Christensen</a:t>
+            </a:r>
+          </a:p>
+        </p:txBody>
+      </p:sp>
+      <p:sp>
+        <p:nvSpPr>
+          <p:cNvPr id="9" name="Content Placeholder 2">
+            <a:extLst>
+              <a:ext uri="{FF2B5EF4-FFF2-40B4-BE49-F238E27FC236}">
+                <a16:creationId xmlns:a16="http://schemas.microsoft.com/office/drawing/2014/main" id="{873F3ABB-EE54-422B-849C-5F667D215151}"/>
+              </a:ext>
+            </a:extLst>
+          </p:cNvPr>
+          <p:cNvSpPr txBox="1">
+            <a:spLocks/>
+          </p:cNvSpPr>
+          <p:nvPr/>
+        </p:nvSpPr>
+        <p:spPr>
+          <a:xfrm>
+            <a:off x="3993858" y="1506843"/>
+            <a:ext cx="3985469" cy="1158496"/>
+          </a:xfrm>
+          <a:prstGeom prst="rect">
+            <a:avLst/>
+          </a:prstGeom>
+        </p:spPr>
+        <p:txBody>
+          <a:bodyPr vert="horz" lIns="91440" tIns="45720" rIns="91440" bIns="45720" rtlCol="0">
+            <a:normAutofit/>
+          </a:bodyPr>
+          <a:lstStyle>
+            <a:lvl1pPr marL="228600" indent="-228600" algn="l" defTabSz="914400" rtl="0" eaLnBrk="1" latinLnBrk="0" hangingPunct="1">
+              <a:lnSpc>
+                <a:spcPct val="90000"/>
+              </a:lnSpc>
+              <a:spcBef>
+                <a:spcPts val="1000"/>
+              </a:spcBef>
+              <a:buFont typeface="Arial" panose="020B0604020202020204" pitchFamily="34" charset="0"/>
+              <a:buChar char="•"/>
+              <a:defRPr sz="2800" kern="1200">
+                <a:solidFill>
+                  <a:schemeClr val="tx1"/>
+                </a:solidFill>
+                <a:latin typeface="+mn-lt"/>
+                <a:ea typeface="+mn-ea"/>
+                <a:cs typeface="+mn-cs"/>
+              </a:defRPr>
+            </a:lvl1pPr>
+            <a:lvl2pPr marL="685800" indent="-228600" algn="l" defTabSz="914400" rtl="0" eaLnBrk="1" latinLnBrk="0" hangingPunct="1">
+              <a:lnSpc>
+                <a:spcPct val="90000"/>
+              </a:lnSpc>
+              <a:spcBef>
+                <a:spcPts val="500"/>
+              </a:spcBef>
+              <a:buFont typeface="Arial" panose="020B0604020202020204" pitchFamily="34" charset="0"/>
+              <a:buChar char="•"/>
+              <a:defRPr sz="2400" kern="1200">
+                <a:solidFill>
+                  <a:schemeClr val="tx1"/>
+                </a:solidFill>
+                <a:latin typeface="+mn-lt"/>
+                <a:ea typeface="+mn-ea"/>
+                <a:cs typeface="+mn-cs"/>
+              </a:defRPr>
+            </a:lvl2pPr>
+            <a:lvl3pPr marL="1143000" indent="-228600" algn="l" defTabSz="914400" rtl="0" eaLnBrk="1" latinLnBrk="0" hangingPunct="1">
+              <a:lnSpc>
+                <a:spcPct val="90000"/>
+              </a:lnSpc>
+              <a:spcBef>
+                <a:spcPts val="500"/>
+              </a:spcBef>
+              <a:buFont typeface="Arial" panose="020B0604020202020204" pitchFamily="34" charset="0"/>
+              <a:buChar char="•"/>
+              <a:defRPr sz="2000" kern="1200">
+                <a:solidFill>
+                  <a:schemeClr val="tx1"/>
+                </a:solidFill>
+                <a:latin typeface="+mn-lt"/>
+                <a:ea typeface="+mn-ea"/>
+                <a:cs typeface="+mn-cs"/>
+              </a:defRPr>
+            </a:lvl3pPr>
+            <a:lvl4pPr marL="1600200" indent="-228600" algn="l" defTabSz="914400" rtl="0" eaLnBrk="1" latinLnBrk="0" hangingPunct="1">
+              <a:lnSpc>
+                <a:spcPct val="90000"/>
+              </a:lnSpc>
+              <a:spcBef>
+                <a:spcPts val="500"/>
+              </a:spcBef>
+              <a:buFont typeface="Arial" panose="020B0604020202020204" pitchFamily="34" charset="0"/>
+              <a:buChar char="•"/>
+              <a:defRPr sz="1800" kern="1200">
+                <a:solidFill>
+                  <a:schemeClr val="tx1"/>
+                </a:solidFill>
+                <a:latin typeface="+mn-lt"/>
+                <a:ea typeface="+mn-ea"/>
+                <a:cs typeface="+mn-cs"/>
+              </a:defRPr>
+            </a:lvl4pPr>
+            <a:lvl5pPr marL="2057400" indent="-228600" algn="l" defTabSz="914400" rtl="0" eaLnBrk="1" latinLnBrk="0" hangingPunct="1">
+              <a:lnSpc>
+                <a:spcPct val="90000"/>
+              </a:lnSpc>
+              <a:spcBef>
+                <a:spcPts val="500"/>
+              </a:spcBef>
+              <a:buFont typeface="Arial" panose="020B0604020202020204" pitchFamily="34" charset="0"/>
+              <a:buChar char="•"/>
+              <a:defRPr sz="1800" kern="1200">
+                <a:solidFill>
+                  <a:schemeClr val="tx1"/>
+                </a:solidFill>
+                <a:latin typeface="+mn-lt"/>
+                <a:ea typeface="+mn-ea"/>
+                <a:cs typeface="+mn-cs"/>
+              </a:defRPr>
+            </a:lvl5pPr>
+            <a:lvl6pPr marL="2514600" indent="-228600" algn="l" defTabSz="914400" rtl="0" eaLnBrk="1" latinLnBrk="0" hangingPunct="1">
+              <a:lnSpc>
+                <a:spcPct val="90000"/>
+              </a:lnSpc>
+              <a:spcBef>
+                <a:spcPts val="500"/>
+              </a:spcBef>
+              <a:buFont typeface="Arial" panose="020B0604020202020204" pitchFamily="34" charset="0"/>
+              <a:buChar char="•"/>
+              <a:defRPr sz="1800" kern="1200">
+                <a:solidFill>
+                  <a:schemeClr val="tx1"/>
+                </a:solidFill>
+                <a:latin typeface="+mn-lt"/>
+                <a:ea typeface="+mn-ea"/>
+                <a:cs typeface="+mn-cs"/>
+              </a:defRPr>
+            </a:lvl6pPr>
+            <a:lvl7pPr marL="2971800" indent="-228600" algn="l" defTabSz="914400" rtl="0" eaLnBrk="1" latinLnBrk="0" hangingPunct="1">
+              <a:lnSpc>
+                <a:spcPct val="90000"/>
+              </a:lnSpc>
+              <a:spcBef>
+                <a:spcPts val="500"/>
+              </a:spcBef>
+              <a:buFont typeface="Arial" panose="020B0604020202020204" pitchFamily="34" charset="0"/>
+              <a:buChar char="•"/>
+              <a:defRPr sz="1800" kern="1200">
+                <a:solidFill>
+                  <a:schemeClr val="tx1"/>
+                </a:solidFill>
+                <a:latin typeface="+mn-lt"/>
+                <a:ea typeface="+mn-ea"/>
+                <a:cs typeface="+mn-cs"/>
+              </a:defRPr>
+            </a:lvl7pPr>
+            <a:lvl8pPr marL="3429000" indent="-228600" algn="l" defTabSz="914400" rtl="0" eaLnBrk="1" latinLnBrk="0" hangingPunct="1">
+              <a:lnSpc>
+                <a:spcPct val="90000"/>
+              </a:lnSpc>
+              <a:spcBef>
+                <a:spcPts val="500"/>
+              </a:spcBef>
+              <a:buFont typeface="Arial" panose="020B0604020202020204" pitchFamily="34" charset="0"/>
+              <a:buChar char="•"/>
+              <a:defRPr sz="1800" kern="1200">
+                <a:solidFill>
+                  <a:schemeClr val="tx1"/>
+                </a:solidFill>
+                <a:latin typeface="+mn-lt"/>
+                <a:ea typeface="+mn-ea"/>
+                <a:cs typeface="+mn-cs"/>
+              </a:defRPr>
+            </a:lvl8pPr>
+            <a:lvl9pPr marL="3886200" indent="-228600" algn="l" defTabSz="914400" rtl="0" eaLnBrk="1" latinLnBrk="0" hangingPunct="1">
+              <a:lnSpc>
+                <a:spcPct val="90000"/>
+              </a:lnSpc>
+              <a:spcBef>
+                <a:spcPts val="500"/>
+              </a:spcBef>
+              <a:buFont typeface="Arial" panose="020B0604020202020204" pitchFamily="34" charset="0"/>
+              <a:buChar char="•"/>
+              <a:defRPr sz="1800" kern="1200">
+                <a:solidFill>
+                  <a:schemeClr val="tx1"/>
+                </a:solidFill>
+                <a:latin typeface="+mn-lt"/>
+                <a:ea typeface="+mn-ea"/>
+                <a:cs typeface="+mn-cs"/>
+              </a:defRPr>
+            </a:lvl9pPr>
+          </a:lstStyle>
+          <a:p>
+            <a:r>
+              <a:rPr lang="en-US" sz="1800" b="1" dirty="0"/>
+              <a:t>Elsewhere in EPA</a:t>
+            </a:r>
+          </a:p>
+          <a:p>
+            <a:pPr lvl="1"/>
+            <a:r>
+              <a:rPr lang="en-US" sz="1500" dirty="0"/>
+              <a:t>Shelly Thawley</a:t>
+            </a:r>
+          </a:p>
+          <a:p>
+            <a:pPr lvl="1"/>
+            <a:r>
+              <a:rPr lang="en-US" sz="1500" dirty="0"/>
+              <a:t>David Smith</a:t>
+            </a:r>
+          </a:p>
+          <a:p>
+            <a:pPr lvl="1"/>
+            <a:r>
+              <a:rPr lang="en-US" sz="1500" dirty="0"/>
+              <a:t>???</a:t>
+            </a:r>
+          </a:p>
+        </p:txBody>
+      </p:sp>
+      <p:sp>
+        <p:nvSpPr>
+          <p:cNvPr id="11" name="Content Placeholder 2">
+            <a:extLst>
+              <a:ext uri="{FF2B5EF4-FFF2-40B4-BE49-F238E27FC236}">
+                <a16:creationId xmlns:a16="http://schemas.microsoft.com/office/drawing/2014/main" id="{07E63171-18FB-43F6-8498-076152C17EC6}"/>
+              </a:ext>
+            </a:extLst>
+          </p:cNvPr>
+          <p:cNvSpPr txBox="1">
+            <a:spLocks/>
+          </p:cNvSpPr>
+          <p:nvPr/>
+        </p:nvSpPr>
+        <p:spPr>
+          <a:xfrm>
+            <a:off x="3936185" y="2684477"/>
+            <a:ext cx="3985469" cy="1158496"/>
+          </a:xfrm>
+          <a:prstGeom prst="rect">
+            <a:avLst/>
+          </a:prstGeom>
+        </p:spPr>
+        <p:txBody>
+          <a:bodyPr vert="horz" lIns="91440" tIns="45720" rIns="91440" bIns="45720" rtlCol="0">
+            <a:normAutofit/>
+          </a:bodyPr>
+          <a:lstStyle>
+            <a:lvl1pPr marL="228600" indent="-228600" algn="l" defTabSz="914400" rtl="0" eaLnBrk="1" latinLnBrk="0" hangingPunct="1">
+              <a:lnSpc>
+                <a:spcPct val="90000"/>
+              </a:lnSpc>
+              <a:spcBef>
+                <a:spcPts val="1000"/>
+              </a:spcBef>
+              <a:buFont typeface="Arial" panose="020B0604020202020204" pitchFamily="34" charset="0"/>
+              <a:buChar char="•"/>
+              <a:defRPr sz="2800" kern="1200">
+                <a:solidFill>
+                  <a:schemeClr val="tx1"/>
+                </a:solidFill>
+                <a:latin typeface="+mn-lt"/>
+                <a:ea typeface="+mn-ea"/>
+                <a:cs typeface="+mn-cs"/>
+              </a:defRPr>
+            </a:lvl1pPr>
+            <a:lvl2pPr marL="685800" indent="-228600" algn="l" defTabSz="914400" rtl="0" eaLnBrk="1" latinLnBrk="0" hangingPunct="1">
+              <a:lnSpc>
+                <a:spcPct val="90000"/>
+              </a:lnSpc>
+              <a:spcBef>
+                <a:spcPts val="500"/>
+              </a:spcBef>
+              <a:buFont typeface="Arial" panose="020B0604020202020204" pitchFamily="34" charset="0"/>
+              <a:buChar char="•"/>
+              <a:defRPr sz="2400" kern="1200">
+                <a:solidFill>
+                  <a:schemeClr val="tx1"/>
+                </a:solidFill>
+                <a:latin typeface="+mn-lt"/>
+                <a:ea typeface="+mn-ea"/>
+                <a:cs typeface="+mn-cs"/>
+              </a:defRPr>
+            </a:lvl2pPr>
+            <a:lvl3pPr marL="1143000" indent="-228600" algn="l" defTabSz="914400" rtl="0" eaLnBrk="1" latinLnBrk="0" hangingPunct="1">
+              <a:lnSpc>
+                <a:spcPct val="90000"/>
+              </a:lnSpc>
+              <a:spcBef>
+                <a:spcPts val="500"/>
+              </a:spcBef>
+              <a:buFont typeface="Arial" panose="020B0604020202020204" pitchFamily="34" charset="0"/>
+              <a:buChar char="•"/>
+              <a:defRPr sz="2000" kern="1200">
+                <a:solidFill>
+                  <a:schemeClr val="tx1"/>
+                </a:solidFill>
+                <a:latin typeface="+mn-lt"/>
+                <a:ea typeface="+mn-ea"/>
+                <a:cs typeface="+mn-cs"/>
+              </a:defRPr>
+            </a:lvl3pPr>
+            <a:lvl4pPr marL="1600200" indent="-228600" algn="l" defTabSz="914400" rtl="0" eaLnBrk="1" latinLnBrk="0" hangingPunct="1">
+              <a:lnSpc>
+                <a:spcPct val="90000"/>
+              </a:lnSpc>
+              <a:spcBef>
+                <a:spcPts val="500"/>
+              </a:spcBef>
+              <a:buFont typeface="Arial" panose="020B0604020202020204" pitchFamily="34" charset="0"/>
+              <a:buChar char="•"/>
+              <a:defRPr sz="1800" kern="1200">
+                <a:solidFill>
+                  <a:schemeClr val="tx1"/>
+                </a:solidFill>
+                <a:latin typeface="+mn-lt"/>
+                <a:ea typeface="+mn-ea"/>
+                <a:cs typeface="+mn-cs"/>
+              </a:defRPr>
+            </a:lvl4pPr>
+            <a:lvl5pPr marL="2057400" indent="-228600" algn="l" defTabSz="914400" rtl="0" eaLnBrk="1" latinLnBrk="0" hangingPunct="1">
+              <a:lnSpc>
+                <a:spcPct val="90000"/>
+              </a:lnSpc>
+              <a:spcBef>
+                <a:spcPts val="500"/>
+              </a:spcBef>
+              <a:buFont typeface="Arial" panose="020B0604020202020204" pitchFamily="34" charset="0"/>
+              <a:buChar char="•"/>
+              <a:defRPr sz="1800" kern="1200">
+                <a:solidFill>
+                  <a:schemeClr val="tx1"/>
+                </a:solidFill>
+                <a:latin typeface="+mn-lt"/>
+                <a:ea typeface="+mn-ea"/>
+                <a:cs typeface="+mn-cs"/>
+              </a:defRPr>
+            </a:lvl5pPr>
+            <a:lvl6pPr marL="2514600" indent="-228600" algn="l" defTabSz="914400" rtl="0" eaLnBrk="1" latinLnBrk="0" hangingPunct="1">
+              <a:lnSpc>
+                <a:spcPct val="90000"/>
+              </a:lnSpc>
+              <a:spcBef>
+                <a:spcPts val="500"/>
+              </a:spcBef>
+              <a:buFont typeface="Arial" panose="020B0604020202020204" pitchFamily="34" charset="0"/>
+              <a:buChar char="•"/>
+              <a:defRPr sz="1800" kern="1200">
+                <a:solidFill>
+                  <a:schemeClr val="tx1"/>
+                </a:solidFill>
+                <a:latin typeface="+mn-lt"/>
+                <a:ea typeface="+mn-ea"/>
+                <a:cs typeface="+mn-cs"/>
+              </a:defRPr>
+            </a:lvl6pPr>
+            <a:lvl7pPr marL="2971800" indent="-228600" algn="l" defTabSz="914400" rtl="0" eaLnBrk="1" latinLnBrk="0" hangingPunct="1">
+              <a:lnSpc>
+                <a:spcPct val="90000"/>
+              </a:lnSpc>
+              <a:spcBef>
+                <a:spcPts val="500"/>
+              </a:spcBef>
+              <a:buFont typeface="Arial" panose="020B0604020202020204" pitchFamily="34" charset="0"/>
+              <a:buChar char="•"/>
+              <a:defRPr sz="1800" kern="1200">
+                <a:solidFill>
+                  <a:schemeClr val="tx1"/>
+                </a:solidFill>
+                <a:latin typeface="+mn-lt"/>
+                <a:ea typeface="+mn-ea"/>
+                <a:cs typeface="+mn-cs"/>
+              </a:defRPr>
+            </a:lvl7pPr>
+            <a:lvl8pPr marL="3429000" indent="-228600" algn="l" defTabSz="914400" rtl="0" eaLnBrk="1" latinLnBrk="0" hangingPunct="1">
+              <a:lnSpc>
+                <a:spcPct val="90000"/>
+              </a:lnSpc>
+              <a:spcBef>
+                <a:spcPts val="500"/>
+              </a:spcBef>
+              <a:buFont typeface="Arial" panose="020B0604020202020204" pitchFamily="34" charset="0"/>
+              <a:buChar char="•"/>
+              <a:defRPr sz="1800" kern="1200">
+                <a:solidFill>
+                  <a:schemeClr val="tx1"/>
+                </a:solidFill>
+                <a:latin typeface="+mn-lt"/>
+                <a:ea typeface="+mn-ea"/>
+                <a:cs typeface="+mn-cs"/>
+              </a:defRPr>
+            </a:lvl8pPr>
+            <a:lvl9pPr marL="3886200" indent="-228600" algn="l" defTabSz="914400" rtl="0" eaLnBrk="1" latinLnBrk="0" hangingPunct="1">
+              <a:lnSpc>
+                <a:spcPct val="90000"/>
+              </a:lnSpc>
+              <a:spcBef>
+                <a:spcPts val="500"/>
+              </a:spcBef>
+              <a:buFont typeface="Arial" panose="020B0604020202020204" pitchFamily="34" charset="0"/>
+              <a:buChar char="•"/>
+              <a:defRPr sz="1800" kern="1200">
+                <a:solidFill>
+                  <a:schemeClr val="tx1"/>
+                </a:solidFill>
+                <a:latin typeface="+mn-lt"/>
+                <a:ea typeface="+mn-ea"/>
+                <a:cs typeface="+mn-cs"/>
+              </a:defRPr>
+            </a:lvl9pPr>
+          </a:lstStyle>
+          <a:p>
+            <a:r>
+              <a:rPr lang="en-US" sz="1800" b="1" dirty="0"/>
+              <a:t>USGS</a:t>
+            </a:r>
+          </a:p>
+          <a:p>
+            <a:pPr lvl="1"/>
+            <a:r>
+              <a:rPr lang="en-US" sz="1500" dirty="0"/>
+              <a:t>Keith Loftin</a:t>
+            </a:r>
+          </a:p>
+          <a:p>
+            <a:pPr lvl="1"/>
+            <a:r>
+              <a:rPr lang="en-US" sz="1500" dirty="0"/>
+              <a:t>Jennifer Graham</a:t>
+            </a:r>
+          </a:p>
+          <a:p>
+            <a:pPr lvl="1"/>
+            <a:r>
+              <a:rPr lang="en-US" sz="1500" dirty="0"/>
+              <a:t>???</a:t>
+            </a:r>
+          </a:p>
+        </p:txBody>
+      </p:sp>
+      <p:sp>
+        <p:nvSpPr>
+          <p:cNvPr id="12" name="Content Placeholder 2">
+            <a:extLst>
+              <a:ext uri="{FF2B5EF4-FFF2-40B4-BE49-F238E27FC236}">
+                <a16:creationId xmlns:a16="http://schemas.microsoft.com/office/drawing/2014/main" id="{611A1480-B94C-44F3-BAFA-983D6ECE9E82}"/>
+              </a:ext>
+            </a:extLst>
+          </p:cNvPr>
+          <p:cNvSpPr txBox="1">
+            <a:spLocks/>
+          </p:cNvSpPr>
+          <p:nvPr/>
+        </p:nvSpPr>
+        <p:spPr>
+          <a:xfrm>
+            <a:off x="8265257" y="3842973"/>
+            <a:ext cx="3985469" cy="1158496"/>
+          </a:xfrm>
+          <a:prstGeom prst="rect">
+            <a:avLst/>
+          </a:prstGeom>
+        </p:spPr>
+        <p:txBody>
+          <a:bodyPr vert="horz" lIns="91440" tIns="45720" rIns="91440" bIns="45720" rtlCol="0">
+            <a:normAutofit/>
+          </a:bodyPr>
+          <a:lstStyle>
+            <a:lvl1pPr marL="228600" indent="-228600" algn="l" defTabSz="914400" rtl="0" eaLnBrk="1" latinLnBrk="0" hangingPunct="1">
+              <a:lnSpc>
+                <a:spcPct val="90000"/>
+              </a:lnSpc>
+              <a:spcBef>
+                <a:spcPts val="1000"/>
+              </a:spcBef>
+              <a:buFont typeface="Arial" panose="020B0604020202020204" pitchFamily="34" charset="0"/>
+              <a:buChar char="•"/>
+              <a:defRPr sz="2800" kern="1200">
+                <a:solidFill>
+                  <a:schemeClr val="tx1"/>
+                </a:solidFill>
+                <a:latin typeface="+mn-lt"/>
+                <a:ea typeface="+mn-ea"/>
+                <a:cs typeface="+mn-cs"/>
+              </a:defRPr>
+            </a:lvl1pPr>
+            <a:lvl2pPr marL="685800" indent="-228600" algn="l" defTabSz="914400" rtl="0" eaLnBrk="1" latinLnBrk="0" hangingPunct="1">
+              <a:lnSpc>
+                <a:spcPct val="90000"/>
+              </a:lnSpc>
+              <a:spcBef>
+                <a:spcPts val="500"/>
+              </a:spcBef>
+              <a:buFont typeface="Arial" panose="020B0604020202020204" pitchFamily="34" charset="0"/>
+              <a:buChar char="•"/>
+              <a:defRPr sz="2400" kern="1200">
+                <a:solidFill>
+                  <a:schemeClr val="tx1"/>
+                </a:solidFill>
+                <a:latin typeface="+mn-lt"/>
+                <a:ea typeface="+mn-ea"/>
+                <a:cs typeface="+mn-cs"/>
+              </a:defRPr>
+            </a:lvl2pPr>
+            <a:lvl3pPr marL="1143000" indent="-228600" algn="l" defTabSz="914400" rtl="0" eaLnBrk="1" latinLnBrk="0" hangingPunct="1">
+              <a:lnSpc>
+                <a:spcPct val="90000"/>
+              </a:lnSpc>
+              <a:spcBef>
+                <a:spcPts val="500"/>
+              </a:spcBef>
+              <a:buFont typeface="Arial" panose="020B0604020202020204" pitchFamily="34" charset="0"/>
+              <a:buChar char="•"/>
+              <a:defRPr sz="2000" kern="1200">
+                <a:solidFill>
+                  <a:schemeClr val="tx1"/>
+                </a:solidFill>
+                <a:latin typeface="+mn-lt"/>
+                <a:ea typeface="+mn-ea"/>
+                <a:cs typeface="+mn-cs"/>
+              </a:defRPr>
+            </a:lvl3pPr>
+            <a:lvl4pPr marL="1600200" indent="-228600" algn="l" defTabSz="914400" rtl="0" eaLnBrk="1" latinLnBrk="0" hangingPunct="1">
+              <a:lnSpc>
+                <a:spcPct val="90000"/>
+              </a:lnSpc>
+              <a:spcBef>
+                <a:spcPts val="500"/>
+              </a:spcBef>
+              <a:buFont typeface="Arial" panose="020B0604020202020204" pitchFamily="34" charset="0"/>
+              <a:buChar char="•"/>
+              <a:defRPr sz="1800" kern="1200">
+                <a:solidFill>
+                  <a:schemeClr val="tx1"/>
+                </a:solidFill>
+                <a:latin typeface="+mn-lt"/>
+                <a:ea typeface="+mn-ea"/>
+                <a:cs typeface="+mn-cs"/>
+              </a:defRPr>
+            </a:lvl4pPr>
+            <a:lvl5pPr marL="2057400" indent="-228600" algn="l" defTabSz="914400" rtl="0" eaLnBrk="1" latinLnBrk="0" hangingPunct="1">
+              <a:lnSpc>
+                <a:spcPct val="90000"/>
+              </a:lnSpc>
+              <a:spcBef>
+                <a:spcPts val="500"/>
+              </a:spcBef>
+              <a:buFont typeface="Arial" panose="020B0604020202020204" pitchFamily="34" charset="0"/>
+              <a:buChar char="•"/>
+              <a:defRPr sz="1800" kern="1200">
+                <a:solidFill>
+                  <a:schemeClr val="tx1"/>
+                </a:solidFill>
+                <a:latin typeface="+mn-lt"/>
+                <a:ea typeface="+mn-ea"/>
+                <a:cs typeface="+mn-cs"/>
+              </a:defRPr>
+            </a:lvl5pPr>
+            <a:lvl6pPr marL="2514600" indent="-228600" algn="l" defTabSz="914400" rtl="0" eaLnBrk="1" latinLnBrk="0" hangingPunct="1">
+              <a:lnSpc>
+                <a:spcPct val="90000"/>
+              </a:lnSpc>
+              <a:spcBef>
+                <a:spcPts val="500"/>
+              </a:spcBef>
+              <a:buFont typeface="Arial" panose="020B0604020202020204" pitchFamily="34" charset="0"/>
+              <a:buChar char="•"/>
+              <a:defRPr sz="1800" kern="1200">
+                <a:solidFill>
+                  <a:schemeClr val="tx1"/>
+                </a:solidFill>
+                <a:latin typeface="+mn-lt"/>
+                <a:ea typeface="+mn-ea"/>
+                <a:cs typeface="+mn-cs"/>
+              </a:defRPr>
+            </a:lvl6pPr>
+            <a:lvl7pPr marL="2971800" indent="-228600" algn="l" defTabSz="914400" rtl="0" eaLnBrk="1" latinLnBrk="0" hangingPunct="1">
+              <a:lnSpc>
+                <a:spcPct val="90000"/>
+              </a:lnSpc>
+              <a:spcBef>
+                <a:spcPts val="500"/>
+              </a:spcBef>
+              <a:buFont typeface="Arial" panose="020B0604020202020204" pitchFamily="34" charset="0"/>
+              <a:buChar char="•"/>
+              <a:defRPr sz="1800" kern="1200">
+                <a:solidFill>
+                  <a:schemeClr val="tx1"/>
+                </a:solidFill>
+                <a:latin typeface="+mn-lt"/>
+                <a:ea typeface="+mn-ea"/>
+                <a:cs typeface="+mn-cs"/>
+              </a:defRPr>
+            </a:lvl7pPr>
+            <a:lvl8pPr marL="3429000" indent="-228600" algn="l" defTabSz="914400" rtl="0" eaLnBrk="1" latinLnBrk="0" hangingPunct="1">
+              <a:lnSpc>
+                <a:spcPct val="90000"/>
+              </a:lnSpc>
+              <a:spcBef>
+                <a:spcPts val="500"/>
+              </a:spcBef>
+              <a:buFont typeface="Arial" panose="020B0604020202020204" pitchFamily="34" charset="0"/>
+              <a:buChar char="•"/>
+              <a:defRPr sz="1800" kern="1200">
+                <a:solidFill>
+                  <a:schemeClr val="tx1"/>
+                </a:solidFill>
+                <a:latin typeface="+mn-lt"/>
+                <a:ea typeface="+mn-ea"/>
+                <a:cs typeface="+mn-cs"/>
+              </a:defRPr>
+            </a:lvl8pPr>
+            <a:lvl9pPr marL="3886200" indent="-228600" algn="l" defTabSz="914400" rtl="0" eaLnBrk="1" latinLnBrk="0" hangingPunct="1">
+              <a:lnSpc>
+                <a:spcPct val="90000"/>
+              </a:lnSpc>
+              <a:spcBef>
+                <a:spcPts val="500"/>
+              </a:spcBef>
+              <a:buFont typeface="Arial" panose="020B0604020202020204" pitchFamily="34" charset="0"/>
+              <a:buChar char="•"/>
+              <a:defRPr sz="1800" kern="1200">
+                <a:solidFill>
+                  <a:schemeClr val="tx1"/>
+                </a:solidFill>
+                <a:latin typeface="+mn-lt"/>
+                <a:ea typeface="+mn-ea"/>
+                <a:cs typeface="+mn-cs"/>
+              </a:defRPr>
+            </a:lvl9pPr>
+          </a:lstStyle>
+          <a:p>
+            <a:r>
+              <a:rPr lang="en-US" sz="1800" b="1" dirty="0"/>
+              <a:t>Rhode Island</a:t>
+            </a:r>
+          </a:p>
+          <a:p>
+            <a:pPr lvl="1"/>
+            <a:r>
+              <a:rPr lang="en-US" sz="1500" dirty="0"/>
+              <a:t>Friends of Warwick Pond</a:t>
+            </a:r>
+          </a:p>
+          <a:p>
+            <a:pPr lvl="1"/>
+            <a:r>
+              <a:rPr lang="en-US" sz="1500" dirty="0"/>
+              <a:t>Mashapaug Folks</a:t>
+            </a:r>
+          </a:p>
+          <a:p>
+            <a:pPr lvl="1"/>
+            <a:r>
+              <a:rPr lang="en-US" sz="1500" dirty="0"/>
+              <a:t>???</a:t>
+            </a:r>
           </a:p>
         </p:txBody>
       </p:sp>
@@ -4169,10 +6179,10 @@
       </p:sp>
       <p:sp>
         <p:nvSpPr>
-          <p:cNvPr id="3" name="Content Placeholder 2">
-            <a:extLst>
-              <a:ext uri="{FF2B5EF4-FFF2-40B4-BE49-F238E27FC236}">
-                <a16:creationId xmlns:a16="http://schemas.microsoft.com/office/drawing/2014/main" id="{8FD283D3-3F9A-4D55-8E49-A92D29F4FA90}"/>
+          <p:cNvPr id="5" name="Content Placeholder 2">
+            <a:extLst>
+              <a:ext uri="{FF2B5EF4-FFF2-40B4-BE49-F238E27FC236}">
+                <a16:creationId xmlns:a16="http://schemas.microsoft.com/office/drawing/2014/main" id="{BF7A9DBD-5A31-41A3-AFDC-3179234790F8}"/>
               </a:ext>
             </a:extLst>
           </p:cNvPr>
@@ -4183,15 +6193,95 @@
             <p:ph idx="1"/>
           </p:nvPr>
         </p:nvSpPr>
-        <p:spPr/>
-        <p:txBody>
-          <a:bodyPr/>
-          <a:lstStyle/>
-          <a:p>
-            <a:endParaRPr lang="en-US"/>
-          </a:p>
-        </p:txBody>
-      </p:sp>
+        <p:spPr>
+          <a:xfrm>
+            <a:off x="134815" y="1781664"/>
+            <a:ext cx="6257192" cy="4351338"/>
+          </a:xfrm>
+        </p:spPr>
+        <p:txBody>
+          <a:bodyPr>
+            <a:normAutofit/>
+          </a:bodyPr>
+          <a:lstStyle/>
+          <a:p>
+            <a:r>
+              <a:rPr lang="en-US" dirty="0"/>
+              <a:t>Subset of data science</a:t>
+            </a:r>
+          </a:p>
+          <a:p>
+            <a:r>
+              <a:rPr lang="en-US" dirty="0"/>
+              <a:t>Interdisciplinary</a:t>
+            </a:r>
+          </a:p>
+          <a:p>
+            <a:r>
+              <a:rPr lang="en-US" dirty="0"/>
+              <a:t>Combines:</a:t>
+            </a:r>
+          </a:p>
+          <a:p>
+            <a:pPr lvl="1"/>
+            <a:r>
+              <a:rPr lang="en-US" dirty="0"/>
+              <a:t>Programming</a:t>
+            </a:r>
+          </a:p>
+          <a:p>
+            <a:pPr lvl="1"/>
+            <a:r>
+              <a:rPr lang="en-US" dirty="0"/>
+              <a:t>Mathematical/statistical methods</a:t>
+            </a:r>
+          </a:p>
+          <a:p>
+            <a:pPr lvl="1"/>
+            <a:r>
+              <a:rPr lang="en-US" sz="4400" b="1" dirty="0"/>
+              <a:t>ecological subject-specific expertise</a:t>
+            </a:r>
+            <a:endParaRPr lang="en-US" dirty="0"/>
+          </a:p>
+          <a:p>
+            <a:pPr marL="0" indent="0">
+              <a:buNone/>
+            </a:pPr>
+            <a:endParaRPr lang="en-US" dirty="0"/>
+          </a:p>
+        </p:txBody>
+      </p:sp>
+      <p:pic>
+        <p:nvPicPr>
+          <p:cNvPr id="6" name="Picture 5">
+            <a:extLst>
+              <a:ext uri="{FF2B5EF4-FFF2-40B4-BE49-F238E27FC236}">
+                <a16:creationId xmlns:a16="http://schemas.microsoft.com/office/drawing/2014/main" id="{0466C254-9DFD-475F-B821-CD548AEE0CA2}"/>
+              </a:ext>
+            </a:extLst>
+          </p:cNvPr>
+          <p:cNvPicPr>
+            <a:picLocks noChangeAspect="1"/>
+          </p:cNvPicPr>
+          <p:nvPr/>
+        </p:nvPicPr>
+        <p:blipFill>
+          <a:blip r:embed="rId2"/>
+          <a:stretch>
+            <a:fillRect/>
+          </a:stretch>
+        </p:blipFill>
+        <p:spPr>
+          <a:xfrm>
+            <a:off x="6342185" y="1471979"/>
+            <a:ext cx="5715000" cy="5162550"/>
+          </a:xfrm>
+          <a:prstGeom prst="rect">
+            <a:avLst/>
+          </a:prstGeom>
+        </p:spPr>
+      </p:pic>
     </p:spTree>
     <p:extLst>
       <p:ext uri="{BB962C8B-B14F-4D97-AF65-F5344CB8AC3E}">
@@ -4252,10 +6342,10 @@
       </p:sp>
       <p:sp>
         <p:nvSpPr>
-          <p:cNvPr id="3" name="Content Placeholder 2">
-            <a:extLst>
-              <a:ext uri="{FF2B5EF4-FFF2-40B4-BE49-F238E27FC236}">
-                <a16:creationId xmlns:a16="http://schemas.microsoft.com/office/drawing/2014/main" id="{AB4F7A3E-96C0-4458-A60B-42753802C505}"/>
+          <p:cNvPr id="4" name="Content Placeholder 2">
+            <a:extLst>
+              <a:ext uri="{FF2B5EF4-FFF2-40B4-BE49-F238E27FC236}">
+                <a16:creationId xmlns:a16="http://schemas.microsoft.com/office/drawing/2014/main" id="{799926DD-D1E8-4994-AC59-688E294CC2E0}"/>
               </a:ext>
             </a:extLst>
           </p:cNvPr>
@@ -4266,12 +6356,52 @@
             <p:ph idx="1"/>
           </p:nvPr>
         </p:nvSpPr>
-        <p:spPr/>
-        <p:txBody>
-          <a:bodyPr/>
-          <a:lstStyle/>
-          <a:p>
-            <a:endParaRPr lang="en-US"/>
+        <p:spPr>
+          <a:xfrm>
+            <a:off x="325315" y="1825625"/>
+            <a:ext cx="11535507" cy="4351338"/>
+          </a:xfrm>
+        </p:spPr>
+        <p:txBody>
+          <a:bodyPr>
+            <a:normAutofit/>
+          </a:bodyPr>
+          <a:lstStyle/>
+          <a:p>
+            <a:r>
+              <a:rPr lang="en-US" dirty="0"/>
+              <a:t>Advance ACESD and EPA research with the use of computational and data intensive approaches</a:t>
+            </a:r>
+          </a:p>
+          <a:p>
+            <a:r>
+              <a:rPr lang="en-US" dirty="0"/>
+              <a:t>Build expertise in data science, modelling, and informatics</a:t>
+            </a:r>
+          </a:p>
+          <a:p>
+            <a:r>
+              <a:rPr lang="en-US" dirty="0"/>
+              <a:t>Integrate lab, field, and existing data to answer EPA relevant questions</a:t>
+            </a:r>
+          </a:p>
+          <a:p>
+            <a:r>
+              <a:rPr lang="en-US" dirty="0"/>
+              <a:t>Provide training for both ORD and the Agency</a:t>
+            </a:r>
+          </a:p>
+          <a:p>
+            <a:r>
+              <a:rPr lang="en-US" dirty="0"/>
+              <a:t>Support and advocate for Agency-wide data science initiatives </a:t>
+            </a:r>
+          </a:p>
+          <a:p>
+            <a:r>
+              <a:rPr lang="en-US" dirty="0"/>
+              <a:t>Current focus: Freshwater ecology and HABs</a:t>
+            </a:r>
           </a:p>
         </p:txBody>
       </p:sp>
@@ -5475,20 +7605,6 @@
 </file>
 
 <file path=customXml/item2.xml><?xml version="1.0" encoding="utf-8"?>
-<?mso-contentType ?>
-<SharedContentType xmlns="Microsoft.SharePoint.Taxonomy.ContentTypeSync" SourceId="29f62856-1543-49d4-a736-4569d363f533" ContentTypeId="0x0101" PreviousValue="false"/>
-</file>
-
-<file path=customXml/item3.xml><?xml version="1.0" encoding="utf-8"?>
-<?mso-contentType ?>
-<FormTemplates xmlns="http://schemas.microsoft.com/sharepoint/v3/contenttype/forms">
-  <Display>DocumentLibraryForm</Display>
-  <Edit>DocumentLibraryForm</Edit>
-  <New>DocumentLibraryForm</New>
-</FormTemplates>
-</file>
-
-<file path=customXml/item4.xml><?xml version="1.0" encoding="utf-8"?>
 <p:properties xmlns:p="http://schemas.microsoft.com/office/2006/metadata/properties" xmlns:xsi="http://www.w3.org/2001/XMLSchema-instance" xmlns:pc="http://schemas.microsoft.com/office/infopath/2007/PartnerControls">
   <documentManagement>
     <_Source xmlns="http://schemas.microsoft.com/sharepoint/v3/fields" xsi:nil="true"/>
@@ -5529,6 +7645,20 @@
 </p:properties>
 </file>
 
+<file path=customXml/item3.xml><?xml version="1.0" encoding="utf-8"?>
+<?mso-contentType ?>
+<FormTemplates xmlns="http://schemas.microsoft.com/sharepoint/v3/contenttype/forms">
+  <Display>DocumentLibraryForm</Display>
+  <Edit>DocumentLibraryForm</Edit>
+  <New>DocumentLibraryForm</New>
+</FormTemplates>
+</file>
+
+<file path=customXml/item4.xml><?xml version="1.0" encoding="utf-8"?>
+<?mso-contentType ?>
+<SharedContentType xmlns="Microsoft.SharePoint.Taxonomy.ContentTypeSync" SourceId="29f62856-1543-49d4-a736-4569d363f533" ContentTypeId="0x0101" PreviousValue="false"/>
+</file>
+
 <file path=customXml/itemProps1.xml><?xml version="1.0" encoding="utf-8"?>
 <ds:datastoreItem xmlns:ds="http://schemas.openxmlformats.org/officeDocument/2006/customXml" ds:itemID="{D2C8B0A6-4F21-4369-861C-126941874F27}">
   <ds:schemaRefs>
@@ -5553,9 +7683,22 @@
 </file>
 
 <file path=customXml/itemProps2.xml><?xml version="1.0" encoding="utf-8"?>
-<ds:datastoreItem xmlns:ds="http://schemas.openxmlformats.org/officeDocument/2006/customXml" ds:itemID="{47DB1DBB-8C1F-464F-9E94-E38760128386}">
+<ds:datastoreItem xmlns:ds="http://schemas.openxmlformats.org/officeDocument/2006/customXml" ds:itemID="{6A20F876-B455-44A6-A342-1945678DA8AF}">
   <ds:schemaRefs>
-    <ds:schemaRef ds:uri="Microsoft.SharePoint.Taxonomy.ContentTypeSync"/>
+    <ds:schemaRef ds:uri="http://purl.org/dc/dcmitype/"/>
+    <ds:schemaRef ds:uri="1802dde1-0cf1-4443-9db9-865b1e57eedd"/>
+    <ds:schemaRef ds:uri="d66f6b78-8d1c-4239-941e-6434ee9815fa"/>
+    <ds:schemaRef ds:uri="http://purl.org/dc/elements/1.1/"/>
+    <ds:schemaRef ds:uri="http://schemas.microsoft.com/office/2006/metadata/properties"/>
+    <ds:schemaRef ds:uri="http://schemas.microsoft.com/office/2006/documentManagement/types"/>
+    <ds:schemaRef ds:uri="http://schemas.microsoft.com/sharepoint/v3"/>
+    <ds:schemaRef ds:uri="http://schemas.microsoft.com/office/infopath/2007/PartnerControls"/>
+    <ds:schemaRef ds:uri="http://purl.org/dc/terms/"/>
+    <ds:schemaRef ds:uri="4ffa91fb-a0ff-4ac5-b2db-65c790d184a4"/>
+    <ds:schemaRef ds:uri="http://schemas.microsoft.com/sharepoint.v3"/>
+    <ds:schemaRef ds:uri="http://schemas.openxmlformats.org/package/2006/metadata/core-properties"/>
+    <ds:schemaRef ds:uri="http://schemas.microsoft.com/sharepoint/v3/fields"/>
+    <ds:schemaRef ds:uri="http://www.w3.org/XML/1998/namespace"/>
   </ds:schemaRefs>
 </ds:datastoreItem>
 </file>
@@ -5569,22 +7712,9 @@
 </file>
 
 <file path=customXml/itemProps4.xml><?xml version="1.0" encoding="utf-8"?>
-<ds:datastoreItem xmlns:ds="http://schemas.openxmlformats.org/officeDocument/2006/customXml" ds:itemID="{6A20F876-B455-44A6-A342-1945678DA8AF}">
+<ds:datastoreItem xmlns:ds="http://schemas.openxmlformats.org/officeDocument/2006/customXml" ds:itemID="{47DB1DBB-8C1F-464F-9E94-E38760128386}">
   <ds:schemaRefs>
-    <ds:schemaRef ds:uri="http://purl.org/dc/terms/"/>
-    <ds:schemaRef ds:uri="http://schemas.openxmlformats.org/package/2006/metadata/core-properties"/>
-    <ds:schemaRef ds:uri="http://schemas.microsoft.com/office/2006/documentManagement/types"/>
-    <ds:schemaRef ds:uri="http://schemas.microsoft.com/office/infopath/2007/PartnerControls"/>
-    <ds:schemaRef ds:uri="1802dde1-0cf1-4443-9db9-865b1e57eedd"/>
-    <ds:schemaRef ds:uri="http://purl.org/dc/elements/1.1/"/>
-    <ds:schemaRef ds:uri="d66f6b78-8d1c-4239-941e-6434ee9815fa"/>
-    <ds:schemaRef ds:uri="4ffa91fb-a0ff-4ac5-b2db-65c790d184a4"/>
-    <ds:schemaRef ds:uri="http://schemas.microsoft.com/office/2006/metadata/properties"/>
-    <ds:schemaRef ds:uri="http://schemas.microsoft.com/sharepoint/v3/fields"/>
-    <ds:schemaRef ds:uri="http://schemas.microsoft.com/sharepoint.v3"/>
-    <ds:schemaRef ds:uri="http://schemas.microsoft.com/sharepoint/v3"/>
-    <ds:schemaRef ds:uri="http://www.w3.org/XML/1998/namespace"/>
-    <ds:schemaRef ds:uri="http://purl.org/dc/dcmitype/"/>
+    <ds:schemaRef ds:uri="Microsoft.SharePoint.Taxonomy.ContentTypeSync"/>
   </ds:schemaRefs>
 </ds:datastoreItem>
 </file>
--- a/hollister_eco_with_computers.pptx
+++ b/hollister_eco_with_computers.pptx
@@ -131,13 +131,13 @@
 <pc:chgInfo xmlns:a="http://schemas.openxmlformats.org/drawingml/2006/main" xmlns:r="http://schemas.openxmlformats.org/officeDocument/2006/relationships" xmlns:ac="http://schemas.microsoft.com/office/drawing/2013/main/command" xmlns:pc="http://schemas.microsoft.com/office/powerpoint/2013/main/command">
   <pc:docChgLst>
     <pc:chgData name="Hollister, Jeff" userId="90904e2a-aa82-465e-9922-afce4bc6d524" providerId="ADAL" clId="{50169585-C60B-4062-B98A-C08FA872BD4F}"/>
-    <pc:docChg chg="custSel modSld">
-      <pc:chgData name="Hollister, Jeff" userId="90904e2a-aa82-465e-9922-afce4bc6d524" providerId="ADAL" clId="{50169585-C60B-4062-B98A-C08FA872BD4F}" dt="2020-03-23T22:46:16.906" v="849"/>
+    <pc:docChg chg="undo custSel modSld">
+      <pc:chgData name="Hollister, Jeff" userId="90904e2a-aa82-465e-9922-afce4bc6d524" providerId="ADAL" clId="{50169585-C60B-4062-B98A-C08FA872BD4F}" dt="2020-03-24T20:29:38.584" v="1739" actId="20577"/>
       <pc:docMkLst>
         <pc:docMk/>
       </pc:docMkLst>
       <pc:sldChg chg="addSp delSp modSp">
-        <pc:chgData name="Hollister, Jeff" userId="90904e2a-aa82-465e-9922-afce4bc6d524" providerId="ADAL" clId="{50169585-C60B-4062-B98A-C08FA872BD4F}" dt="2020-03-23T18:16:23.813" v="806" actId="20577"/>
+        <pc:chgData name="Hollister, Jeff" userId="90904e2a-aa82-465e-9922-afce4bc6d524" providerId="ADAL" clId="{50169585-C60B-4062-B98A-C08FA872BD4F}" dt="2020-03-24T20:23:49.504" v="1550" actId="255"/>
         <pc:sldMkLst>
           <pc:docMk/>
           <pc:sldMk cId="630360489" sldId="257"/>
@@ -151,23 +151,23 @@
           </ac:spMkLst>
         </pc:spChg>
         <pc:spChg chg="mod">
-          <ac:chgData name="Hollister, Jeff" userId="90904e2a-aa82-465e-9922-afce4bc6d524" providerId="ADAL" clId="{50169585-C60B-4062-B98A-C08FA872BD4F}" dt="2020-03-23T18:13:45.627" v="631" actId="255"/>
+          <ac:chgData name="Hollister, Jeff" userId="90904e2a-aa82-465e-9922-afce4bc6d524" providerId="ADAL" clId="{50169585-C60B-4062-B98A-C08FA872BD4F}" dt="2020-03-24T20:19:56.218" v="1535" actId="404"/>
           <ac:spMkLst>
             <pc:docMk/>
             <pc:sldMk cId="630360489" sldId="257"/>
             <ac:spMk id="3" creationId="{93FBC82A-E1A1-47D8-B7C1-AFF1A32AE5EE}"/>
           </ac:spMkLst>
         </pc:spChg>
-        <pc:spChg chg="add mod">
-          <ac:chgData name="Hollister, Jeff" userId="90904e2a-aa82-465e-9922-afce4bc6d524" providerId="ADAL" clId="{50169585-C60B-4062-B98A-C08FA872BD4F}" dt="2020-03-23T18:13:54.409" v="647" actId="1036"/>
+        <pc:spChg chg="add del mod">
+          <ac:chgData name="Hollister, Jeff" userId="90904e2a-aa82-465e-9922-afce4bc6d524" providerId="ADAL" clId="{50169585-C60B-4062-B98A-C08FA872BD4F}" dt="2020-03-24T20:17:15.807" v="1509" actId="478"/>
           <ac:spMkLst>
             <pc:docMk/>
             <pc:sldMk cId="630360489" sldId="257"/>
             <ac:spMk id="4" creationId="{C3641F4F-E196-4352-B3DA-450EFFB57E4A}"/>
           </ac:spMkLst>
         </pc:spChg>
-        <pc:spChg chg="add mod">
-          <ac:chgData name="Hollister, Jeff" userId="90904e2a-aa82-465e-9922-afce4bc6d524" providerId="ADAL" clId="{50169585-C60B-4062-B98A-C08FA872BD4F}" dt="2020-03-23T18:13:54.409" v="647" actId="1036"/>
+        <pc:spChg chg="add del mod">
+          <ac:chgData name="Hollister, Jeff" userId="90904e2a-aa82-465e-9922-afce4bc6d524" providerId="ADAL" clId="{50169585-C60B-4062-B98A-C08FA872BD4F}" dt="2020-03-24T20:17:17.959" v="1510" actId="478"/>
           <ac:spMkLst>
             <pc:docMk/>
             <pc:sldMk cId="630360489" sldId="257"/>
@@ -175,15 +175,15 @@
           </ac:spMkLst>
         </pc:spChg>
         <pc:spChg chg="add mod">
-          <ac:chgData name="Hollister, Jeff" userId="90904e2a-aa82-465e-9922-afce4bc6d524" providerId="ADAL" clId="{50169585-C60B-4062-B98A-C08FA872BD4F}" dt="2020-03-23T18:12:48.070" v="568" actId="1076"/>
+          <ac:chgData name="Hollister, Jeff" userId="90904e2a-aa82-465e-9922-afce4bc6d524" providerId="ADAL" clId="{50169585-C60B-4062-B98A-C08FA872BD4F}" dt="2020-03-24T20:23:49.504" v="1550" actId="255"/>
           <ac:spMkLst>
             <pc:docMk/>
             <pc:sldMk cId="630360489" sldId="257"/>
             <ac:spMk id="6" creationId="{8E7227F9-2164-4263-B52E-2F8A2EA13908}"/>
           </ac:spMkLst>
         </pc:spChg>
-        <pc:spChg chg="add mod">
-          <ac:chgData name="Hollister, Jeff" userId="90904e2a-aa82-465e-9922-afce4bc6d524" providerId="ADAL" clId="{50169585-C60B-4062-B98A-C08FA872BD4F}" dt="2020-03-23T18:12:48.070" v="568" actId="1076"/>
+        <pc:spChg chg="add del mod">
+          <ac:chgData name="Hollister, Jeff" userId="90904e2a-aa82-465e-9922-afce4bc6d524" providerId="ADAL" clId="{50169585-C60B-4062-B98A-C08FA872BD4F}" dt="2020-03-24T20:22:53.851" v="1541" actId="478"/>
           <ac:spMkLst>
             <pc:docMk/>
             <pc:sldMk cId="630360489" sldId="257"/>
@@ -191,15 +191,15 @@
           </ac:spMkLst>
         </pc:spChg>
         <pc:spChg chg="add mod">
-          <ac:chgData name="Hollister, Jeff" userId="90904e2a-aa82-465e-9922-afce4bc6d524" providerId="ADAL" clId="{50169585-C60B-4062-B98A-C08FA872BD4F}" dt="2020-03-23T18:13:54.409" v="647" actId="1036"/>
+          <ac:chgData name="Hollister, Jeff" userId="90904e2a-aa82-465e-9922-afce4bc6d524" providerId="ADAL" clId="{50169585-C60B-4062-B98A-C08FA872BD4F}" dt="2020-03-24T20:20:29.901" v="1537" actId="255"/>
           <ac:spMkLst>
             <pc:docMk/>
             <pc:sldMk cId="630360489" sldId="257"/>
             <ac:spMk id="8" creationId="{2D9EB273-96F4-465D-9FE1-0F84CE2FDAA7}"/>
           </ac:spMkLst>
         </pc:spChg>
-        <pc:spChg chg="add mod">
-          <ac:chgData name="Hollister, Jeff" userId="90904e2a-aa82-465e-9922-afce4bc6d524" providerId="ADAL" clId="{50169585-C60B-4062-B98A-C08FA872BD4F}" dt="2020-03-23T18:14:51.892" v="696" actId="20577"/>
+        <pc:spChg chg="add del mod">
+          <ac:chgData name="Hollister, Jeff" userId="90904e2a-aa82-465e-9922-afce4bc6d524" providerId="ADAL" clId="{50169585-C60B-4062-B98A-C08FA872BD4F}" dt="2020-03-24T20:16:13.631" v="1485" actId="478"/>
           <ac:spMkLst>
             <pc:docMk/>
             <pc:sldMk cId="630360489" sldId="257"/>
@@ -214,25 +214,33 @@
             <ac:spMk id="10" creationId="{E02CA4C5-A602-4095-B550-B041781412AD}"/>
           </ac:spMkLst>
         </pc:spChg>
-        <pc:spChg chg="add mod">
-          <ac:chgData name="Hollister, Jeff" userId="90904e2a-aa82-465e-9922-afce4bc6d524" providerId="ADAL" clId="{50169585-C60B-4062-B98A-C08FA872BD4F}" dt="2020-03-23T18:15:21.039" v="740" actId="20577"/>
+        <pc:spChg chg="add del mod">
+          <ac:chgData name="Hollister, Jeff" userId="90904e2a-aa82-465e-9922-afce4bc6d524" providerId="ADAL" clId="{50169585-C60B-4062-B98A-C08FA872BD4F}" dt="2020-03-24T20:19:36.049" v="1529" actId="478"/>
           <ac:spMkLst>
             <pc:docMk/>
             <pc:sldMk cId="630360489" sldId="257"/>
             <ac:spMk id="11" creationId="{07E63171-18FB-43F6-8498-076152C17EC6}"/>
           </ac:spMkLst>
         </pc:spChg>
-        <pc:spChg chg="add mod">
-          <ac:chgData name="Hollister, Jeff" userId="90904e2a-aa82-465e-9922-afce4bc6d524" providerId="ADAL" clId="{50169585-C60B-4062-B98A-C08FA872BD4F}" dt="2020-03-23T18:16:23.813" v="806" actId="20577"/>
+        <pc:spChg chg="add del mod">
+          <ac:chgData name="Hollister, Jeff" userId="90904e2a-aa82-465e-9922-afce4bc6d524" providerId="ADAL" clId="{50169585-C60B-4062-B98A-C08FA872BD4F}" dt="2020-03-24T20:23:09.264" v="1546" actId="478"/>
           <ac:spMkLst>
             <pc:docMk/>
             <pc:sldMk cId="630360489" sldId="257"/>
             <ac:spMk id="12" creationId="{611A1480-B94C-44F3-BAFA-983D6ECE9E82}"/>
           </ac:spMkLst>
         </pc:spChg>
+        <pc:spChg chg="add del mod">
+          <ac:chgData name="Hollister, Jeff" userId="90904e2a-aa82-465e-9922-afce4bc6d524" providerId="ADAL" clId="{50169585-C60B-4062-B98A-C08FA872BD4F}" dt="2020-03-24T20:16:47.455" v="1500" actId="478"/>
+          <ac:spMkLst>
+            <pc:docMk/>
+            <pc:sldMk cId="630360489" sldId="257"/>
+            <ac:spMk id="13" creationId="{2226CE4B-ACE5-4A60-A604-D8EB4D651981}"/>
+          </ac:spMkLst>
+        </pc:spChg>
       </pc:sldChg>
       <pc:sldChg chg="addSp delSp modSp modAnim">
-        <pc:chgData name="Hollister, Jeff" userId="90904e2a-aa82-465e-9922-afce4bc6d524" providerId="ADAL" clId="{50169585-C60B-4062-B98A-C08FA872BD4F}" dt="2020-03-23T22:46:16.906" v="849"/>
+        <pc:chgData name="Hollister, Jeff" userId="90904e2a-aa82-465e-9922-afce4bc6d524" providerId="ADAL" clId="{50169585-C60B-4062-B98A-C08FA872BD4F}" dt="2020-03-24T19:42:36.602" v="915" actId="1076"/>
         <pc:sldMkLst>
           <pc:docMk/>
           <pc:sldMk cId="2941564295" sldId="258"/>
@@ -243,6 +251,14 @@
             <pc:docMk/>
             <pc:sldMk cId="2941564295" sldId="258"/>
             <ac:spMk id="3" creationId="{8FD283D3-3F9A-4D55-8E49-A92D29F4FA90}"/>
+          </ac:spMkLst>
+        </pc:spChg>
+        <pc:spChg chg="add mod">
+          <ac:chgData name="Hollister, Jeff" userId="90904e2a-aa82-465e-9922-afce4bc6d524" providerId="ADAL" clId="{50169585-C60B-4062-B98A-C08FA872BD4F}" dt="2020-03-24T19:42:36.602" v="915" actId="1076"/>
+          <ac:spMkLst>
+            <pc:docMk/>
+            <pc:sldMk cId="2941564295" sldId="258"/>
+            <ac:spMk id="3" creationId="{BDEBE704-B4AF-4F73-94A8-BA246DC81373}"/>
           </ac:spMkLst>
         </pc:spChg>
         <pc:spChg chg="add del">
@@ -270,12 +286,20 @@
           </ac:picMkLst>
         </pc:picChg>
       </pc:sldChg>
-      <pc:sldChg chg="addSp delSp">
-        <pc:chgData name="Hollister, Jeff" userId="90904e2a-aa82-465e-9922-afce4bc6d524" providerId="ADAL" clId="{50169585-C60B-4062-B98A-C08FA872BD4F}" dt="2020-03-23T20:55:21.097" v="813"/>
+      <pc:sldChg chg="addSp delSp modSp">
+        <pc:chgData name="Hollister, Jeff" userId="90904e2a-aa82-465e-9922-afce4bc6d524" providerId="ADAL" clId="{50169585-C60B-4062-B98A-C08FA872BD4F}" dt="2020-03-24T20:02:30.184" v="1266" actId="1076"/>
         <pc:sldMkLst>
           <pc:docMk/>
           <pc:sldMk cId="515555391" sldId="259"/>
         </pc:sldMkLst>
+        <pc:spChg chg="mod">
+          <ac:chgData name="Hollister, Jeff" userId="90904e2a-aa82-465e-9922-afce4bc6d524" providerId="ADAL" clId="{50169585-C60B-4062-B98A-C08FA872BD4F}" dt="2020-03-24T19:58:51.135" v="985" actId="20577"/>
+          <ac:spMkLst>
+            <pc:docMk/>
+            <pc:sldMk cId="515555391" sldId="259"/>
+            <ac:spMk id="2" creationId="{2DD94B2C-88B5-43FC-85F8-DDA77B6B4165}"/>
+          </ac:spMkLst>
+        </pc:spChg>
         <pc:spChg chg="del">
           <ac:chgData name="Hollister, Jeff" userId="90904e2a-aa82-465e-9922-afce4bc6d524" providerId="ADAL" clId="{50169585-C60B-4062-B98A-C08FA872BD4F}" dt="2020-03-23T20:55:20.163" v="812" actId="478"/>
           <ac:spMkLst>
@@ -284,12 +308,35 @@
             <ac:spMk id="3" creationId="{AB4F7A3E-96C0-4458-A60B-42753802C505}"/>
           </ac:spMkLst>
         </pc:spChg>
-        <pc:spChg chg="add">
-          <ac:chgData name="Hollister, Jeff" userId="90904e2a-aa82-465e-9922-afce4bc6d524" providerId="ADAL" clId="{50169585-C60B-4062-B98A-C08FA872BD4F}" dt="2020-03-23T20:55:21.097" v="813"/>
+        <pc:spChg chg="add mod">
+          <ac:chgData name="Hollister, Jeff" userId="90904e2a-aa82-465e-9922-afce4bc6d524" providerId="ADAL" clId="{50169585-C60B-4062-B98A-C08FA872BD4F}" dt="2020-03-24T20:02:30.184" v="1266" actId="1076"/>
           <ac:spMkLst>
             <pc:docMk/>
             <pc:sldMk cId="515555391" sldId="259"/>
             <ac:spMk id="4" creationId="{799926DD-D1E8-4994-AC59-688E294CC2E0}"/>
+          </ac:spMkLst>
+        </pc:spChg>
+      </pc:sldChg>
+      <pc:sldChg chg="modSp">
+        <pc:chgData name="Hollister, Jeff" userId="90904e2a-aa82-465e-9922-afce4bc6d524" providerId="ADAL" clId="{50169585-C60B-4062-B98A-C08FA872BD4F}" dt="2020-03-24T20:29:38.584" v="1739" actId="20577"/>
+        <pc:sldMkLst>
+          <pc:docMk/>
+          <pc:sldMk cId="2388135469" sldId="261"/>
+        </pc:sldMkLst>
+        <pc:spChg chg="mod">
+          <ac:chgData name="Hollister, Jeff" userId="90904e2a-aa82-465e-9922-afce4bc6d524" providerId="ADAL" clId="{50169585-C60B-4062-B98A-C08FA872BD4F}" dt="2020-03-24T20:26:44.129" v="1554" actId="20577"/>
+          <ac:spMkLst>
+            <pc:docMk/>
+            <pc:sldMk cId="2388135469" sldId="261"/>
+            <ac:spMk id="2" creationId="{BAEFA46A-1C38-413A-9A14-788A055CCD3A}"/>
+          </ac:spMkLst>
+        </pc:spChg>
+        <pc:spChg chg="mod">
+          <ac:chgData name="Hollister, Jeff" userId="90904e2a-aa82-465e-9922-afce4bc6d524" providerId="ADAL" clId="{50169585-C60B-4062-B98A-C08FA872BD4F}" dt="2020-03-24T20:29:38.584" v="1739" actId="20577"/>
+          <ac:spMkLst>
+            <pc:docMk/>
+            <pc:sldMk cId="2388135469" sldId="261"/>
+            <ac:spMk id="3" creationId="{6DB5F458-C7EA-4AEE-BC8A-3A775F466A14}"/>
           </ac:spMkLst>
         </pc:spChg>
       </pc:sldChg>
@@ -445,7 +492,7 @@
           <a:p>
             <a:fld id="{858D8BF1-2A4F-41B1-BD95-BB42ACACE39D}" type="datetimeFigureOut">
               <a:rPr lang="en-US" smtClean="0"/>
-              <a:t>3/23/2020</a:t>
+              <a:t>3/24/2020</a:t>
             </a:fld>
             <a:endParaRPr lang="en-US"/>
           </a:p>
@@ -643,7 +690,7 @@
           <a:p>
             <a:fld id="{858D8BF1-2A4F-41B1-BD95-BB42ACACE39D}" type="datetimeFigureOut">
               <a:rPr lang="en-US" smtClean="0"/>
-              <a:t>3/23/2020</a:t>
+              <a:t>3/24/2020</a:t>
             </a:fld>
             <a:endParaRPr lang="en-US"/>
           </a:p>
@@ -851,7 +898,7 @@
           <a:p>
             <a:fld id="{858D8BF1-2A4F-41B1-BD95-BB42ACACE39D}" type="datetimeFigureOut">
               <a:rPr lang="en-US" smtClean="0"/>
-              <a:t>3/23/2020</a:t>
+              <a:t>3/24/2020</a:t>
             </a:fld>
             <a:endParaRPr lang="en-US"/>
           </a:p>
@@ -1049,7 +1096,7 @@
           <a:p>
             <a:fld id="{858D8BF1-2A4F-41B1-BD95-BB42ACACE39D}" type="datetimeFigureOut">
               <a:rPr lang="en-US" smtClean="0"/>
-              <a:t>3/23/2020</a:t>
+              <a:t>3/24/2020</a:t>
             </a:fld>
             <a:endParaRPr lang="en-US"/>
           </a:p>
@@ -1324,7 +1371,7 @@
           <a:p>
             <a:fld id="{858D8BF1-2A4F-41B1-BD95-BB42ACACE39D}" type="datetimeFigureOut">
               <a:rPr lang="en-US" smtClean="0"/>
-              <a:t>3/23/2020</a:t>
+              <a:t>3/24/2020</a:t>
             </a:fld>
             <a:endParaRPr lang="en-US"/>
           </a:p>
@@ -1589,7 +1636,7 @@
           <a:p>
             <a:fld id="{858D8BF1-2A4F-41B1-BD95-BB42ACACE39D}" type="datetimeFigureOut">
               <a:rPr lang="en-US" smtClean="0"/>
-              <a:t>3/23/2020</a:t>
+              <a:t>3/24/2020</a:t>
             </a:fld>
             <a:endParaRPr lang="en-US"/>
           </a:p>
@@ -2001,7 +2048,7 @@
           <a:p>
             <a:fld id="{858D8BF1-2A4F-41B1-BD95-BB42ACACE39D}" type="datetimeFigureOut">
               <a:rPr lang="en-US" smtClean="0"/>
-              <a:t>3/23/2020</a:t>
+              <a:t>3/24/2020</a:t>
             </a:fld>
             <a:endParaRPr lang="en-US"/>
           </a:p>
@@ -2142,7 +2189,7 @@
           <a:p>
             <a:fld id="{858D8BF1-2A4F-41B1-BD95-BB42ACACE39D}" type="datetimeFigureOut">
               <a:rPr lang="en-US" smtClean="0"/>
-              <a:t>3/23/2020</a:t>
+              <a:t>3/24/2020</a:t>
             </a:fld>
             <a:endParaRPr lang="en-US"/>
           </a:p>
@@ -2255,7 +2302,7 @@
           <a:p>
             <a:fld id="{858D8BF1-2A4F-41B1-BD95-BB42ACACE39D}" type="datetimeFigureOut">
               <a:rPr lang="en-US" smtClean="0"/>
-              <a:t>3/23/2020</a:t>
+              <a:t>3/24/2020</a:t>
             </a:fld>
             <a:endParaRPr lang="en-US"/>
           </a:p>
@@ -2566,7 +2613,7 @@
           <a:p>
             <a:fld id="{858D8BF1-2A4F-41B1-BD95-BB42ACACE39D}" type="datetimeFigureOut">
               <a:rPr lang="en-US" smtClean="0"/>
-              <a:t>3/23/2020</a:t>
+              <a:t>3/24/2020</a:t>
             </a:fld>
             <a:endParaRPr lang="en-US"/>
           </a:p>
@@ -2854,7 +2901,7 @@
           <a:p>
             <a:fld id="{858D8BF1-2A4F-41B1-BD95-BB42ACACE39D}" type="datetimeFigureOut">
               <a:rPr lang="en-US" smtClean="0"/>
-              <a:t>3/23/2020</a:t>
+              <a:t>3/24/2020</a:t>
             </a:fld>
             <a:endParaRPr lang="en-US"/>
           </a:p>
@@ -3095,7 +3142,7 @@
           <a:p>
             <a:fld id="{858D8BF1-2A4F-41B1-BD95-BB42ACACE39D}" type="datetimeFigureOut">
               <a:rPr lang="en-US" smtClean="0"/>
-              <a:t>3/23/2020</a:t>
+              <a:t>3/24/2020</a:t>
             </a:fld>
             <a:endParaRPr lang="en-US"/>
           </a:p>
@@ -4278,8 +4325,8 @@
         </p:nvSpPr>
         <p:spPr>
           <a:xfrm>
-            <a:off x="108358" y="1506843"/>
-            <a:ext cx="3985469" cy="1613862"/>
+            <a:off x="108358" y="1316691"/>
+            <a:ext cx="3985469" cy="5478392"/>
           </a:xfrm>
         </p:spPr>
         <p:txBody>
@@ -4289,60 +4336,161 @@
           <a:lstStyle/>
           <a:p>
             <a:r>
-              <a:rPr lang="en-US" b="1" dirty="0"/>
+              <a:rPr lang="en-US" sz="2900" b="1" dirty="0"/>
               <a:t>ACESD Computational Ecology</a:t>
             </a:r>
           </a:p>
           <a:p>
             <a:pPr lvl="1"/>
             <a:r>
-              <a:rPr lang="en-US" sz="2700" dirty="0"/>
+              <a:rPr lang="en-US" sz="2600" dirty="0"/>
               <a:t>Me</a:t>
             </a:r>
           </a:p>
           <a:p>
             <a:pPr lvl="1"/>
             <a:r>
-              <a:rPr lang="en-US" sz="2700" dirty="0"/>
+              <a:rPr lang="en-US" sz="2600" dirty="0"/>
               <a:t>Betty Kreakie</a:t>
             </a:r>
           </a:p>
           <a:p>
             <a:pPr lvl="1"/>
             <a:r>
-              <a:rPr lang="en-US" sz="2700" dirty="0"/>
+              <a:rPr lang="en-US" sz="2600" dirty="0"/>
               <a:t>Stephen Shivers</a:t>
             </a:r>
           </a:p>
           <a:p>
             <a:pPr lvl="1"/>
             <a:r>
-              <a:rPr lang="en-US" sz="2700" dirty="0"/>
+              <a:rPr lang="en-US" sz="2600" dirty="0"/>
               <a:t>Sophie Fournier</a:t>
             </a:r>
           </a:p>
           <a:p>
             <a:pPr lvl="1"/>
             <a:r>
-              <a:rPr lang="en-US" sz="2700" dirty="0"/>
+              <a:rPr lang="en-US" sz="2600" dirty="0"/>
               <a:t>Alums: Farnaz Nojavan, Bryan Milstead</a:t>
             </a:r>
           </a:p>
           <a:p>
             <a:pPr lvl="1"/>
             <a:r>
-              <a:rPr lang="en-US" sz="2700" dirty="0"/>
+              <a:rPr lang="en-US" sz="2600" dirty="0"/>
               <a:t>Anne Kuhn</a:t>
             </a:r>
           </a:p>
-        </p:txBody>
-      </p:sp>
-      <p:sp>
-        <p:nvSpPr>
-          <p:cNvPr id="4" name="Content Placeholder 2">
-            <a:extLst>
-              <a:ext uri="{FF2B5EF4-FFF2-40B4-BE49-F238E27FC236}">
-                <a16:creationId xmlns:a16="http://schemas.microsoft.com/office/drawing/2014/main" id="{C3641F4F-E196-4352-B3DA-450EFFB57E4A}"/>
+          <a:p>
+            <a:r>
+              <a:rPr lang="en-US" sz="2900" b="1" dirty="0"/>
+              <a:t>ACESD </a:t>
+            </a:r>
+          </a:p>
+          <a:p>
+            <a:pPr lvl="1"/>
+            <a:r>
+              <a:rPr lang="en-US" sz="2600" dirty="0"/>
+              <a:t>Jonathan Serbst</a:t>
+            </a:r>
+          </a:p>
+          <a:p>
+            <a:pPr lvl="1"/>
+            <a:r>
+              <a:rPr lang="en-US" sz="2600" dirty="0"/>
+              <a:t>Steve Rego</a:t>
+            </a:r>
+          </a:p>
+          <a:p>
+            <a:pPr lvl="1"/>
+            <a:r>
+              <a:rPr lang="en-US" sz="2600" dirty="0"/>
+              <a:t>Barbara Sherman</a:t>
+            </a:r>
+          </a:p>
+          <a:p>
+            <a:pPr lvl="1"/>
+            <a:r>
+              <a:rPr lang="en-US" sz="2600" dirty="0"/>
+              <a:t>???</a:t>
+            </a:r>
+          </a:p>
+          <a:p>
+            <a:r>
+              <a:rPr lang="en-US" sz="2900" b="1" dirty="0"/>
+              <a:t>EPA Region 1</a:t>
+            </a:r>
+          </a:p>
+          <a:p>
+            <a:pPr lvl="1"/>
+            <a:r>
+              <a:rPr lang="en-US" sz="2600" dirty="0"/>
+              <a:t>Hilary Snook</a:t>
+            </a:r>
+          </a:p>
+          <a:p>
+            <a:pPr lvl="1"/>
+            <a:r>
+              <a:rPr lang="en-US" sz="2600" dirty="0"/>
+              <a:t>Katrina Kipp</a:t>
+            </a:r>
+          </a:p>
+          <a:p>
+            <a:pPr marL="457200" lvl="1" indent="0">
+              <a:buNone/>
+            </a:pPr>
+            <a:endParaRPr lang="en-US" sz="1800" dirty="0"/>
+          </a:p>
+          <a:p>
+            <a:r>
+              <a:rPr lang="en-US" sz="2900" b="1" dirty="0"/>
+              <a:t>EPA Region 7</a:t>
+            </a:r>
+          </a:p>
+          <a:p>
+            <a:pPr lvl="1"/>
+            <a:r>
+              <a:rPr lang="en-US" sz="2600" dirty="0"/>
+              <a:t>Steve Krabbe</a:t>
+            </a:r>
+          </a:p>
+          <a:p>
+            <a:pPr lvl="1"/>
+            <a:r>
+              <a:rPr lang="en-US" sz="2600" dirty="0"/>
+              <a:t>Chris Taylor</a:t>
+            </a:r>
+          </a:p>
+          <a:p>
+            <a:pPr lvl="1"/>
+            <a:r>
+              <a:rPr lang="en-US" sz="2600" dirty="0"/>
+              <a:t>Laura Webb</a:t>
+            </a:r>
+          </a:p>
+          <a:p>
+            <a:pPr lvl="1"/>
+            <a:r>
+              <a:rPr lang="en-US" sz="2600" dirty="0"/>
+              <a:t>Steve Baker</a:t>
+            </a:r>
+          </a:p>
+          <a:p>
+            <a:pPr lvl="1"/>
+            <a:r>
+              <a:rPr lang="en-US" sz="2600" dirty="0"/>
+              <a:t>Gary Welker</a:t>
+            </a:r>
+          </a:p>
+        </p:txBody>
+      </p:sp>
+      <p:sp>
+        <p:nvSpPr>
+          <p:cNvPr id="6" name="Content Placeholder 2">
+            <a:extLst>
+              <a:ext uri="{FF2B5EF4-FFF2-40B4-BE49-F238E27FC236}">
+                <a16:creationId xmlns:a16="http://schemas.microsoft.com/office/drawing/2014/main" id="{8E7227F9-2164-4263-B52E-2F8A2EA13908}"/>
               </a:ext>
             </a:extLst>
           </p:cNvPr>
@@ -4353,8 +4501,8 @@
         </p:nvSpPr>
         <p:spPr>
           <a:xfrm>
-            <a:off x="108358" y="3058996"/>
-            <a:ext cx="3985469" cy="1008456"/>
+            <a:off x="7149521" y="1384802"/>
+            <a:ext cx="3985469" cy="5473198"/>
           </a:xfrm>
           <a:prstGeom prst="rect">
             <a:avLst/>
@@ -4530,32 +4678,106 @@
           </a:lstStyle>
           <a:p>
             <a:r>
-              <a:rPr lang="en-US" sz="1800" b="1" dirty="0"/>
-              <a:t>EPA Region 1</a:t>
+              <a:rPr lang="en-US" sz="1600" b="1" dirty="0"/>
+              <a:t>URI</a:t>
             </a:r>
           </a:p>
           <a:p>
             <a:pPr lvl="1"/>
             <a:r>
-              <a:rPr lang="en-US" sz="1500" dirty="0"/>
-              <a:t>Hilary Snook</a:t>
+              <a:rPr lang="en-US" sz="1400" dirty="0"/>
+              <a:t>Elizabeth Herron</a:t>
             </a:r>
           </a:p>
           <a:p>
             <a:pPr lvl="1"/>
             <a:r>
-              <a:rPr lang="en-US" sz="1500" dirty="0"/>
-              <a:t>Katrina Kipp</a:t>
-            </a:r>
-          </a:p>
-        </p:txBody>
-      </p:sp>
-      <p:sp>
-        <p:nvSpPr>
-          <p:cNvPr id="5" name="Content Placeholder 2">
-            <a:extLst>
-              <a:ext uri="{FF2B5EF4-FFF2-40B4-BE49-F238E27FC236}">
-                <a16:creationId xmlns:a16="http://schemas.microsoft.com/office/drawing/2014/main" id="{A39B72B1-793F-43D6-BD88-55A764D2D16C}"/>
+              <a:rPr lang="en-US" sz="1400" dirty="0"/>
+              <a:t>Linda Green</a:t>
+            </a:r>
+          </a:p>
+          <a:p>
+            <a:pPr lvl="1"/>
+            <a:r>
+              <a:rPr lang="en-US" sz="1400" dirty="0"/>
+              <a:t>Art Gold</a:t>
+            </a:r>
+          </a:p>
+          <a:p>
+            <a:pPr lvl="1"/>
+            <a:r>
+              <a:rPr lang="en-US" sz="1400" dirty="0"/>
+              <a:t>Q Kellogg</a:t>
+            </a:r>
+          </a:p>
+          <a:p>
+            <a:r>
+              <a:rPr lang="en-US" sz="1600" b="1" dirty="0"/>
+              <a:t>RIDEM</a:t>
+            </a:r>
+          </a:p>
+          <a:p>
+            <a:pPr lvl="1"/>
+            <a:r>
+              <a:rPr lang="en-US" sz="1400" dirty="0"/>
+              <a:t>Bryan Zalewsky</a:t>
+            </a:r>
+          </a:p>
+          <a:p>
+            <a:pPr lvl="1"/>
+            <a:r>
+              <a:rPr lang="en-US" sz="1400" dirty="0"/>
+              <a:t>Jane Sawyers</a:t>
+            </a:r>
+          </a:p>
+          <a:p>
+            <a:pPr lvl="1"/>
+            <a:r>
+              <a:rPr lang="en-US" sz="1400" dirty="0"/>
+              <a:t>Sue Kiernan</a:t>
+            </a:r>
+          </a:p>
+          <a:p>
+            <a:r>
+              <a:rPr lang="en-US" sz="1600" b="1" dirty="0"/>
+              <a:t>Rhode Island</a:t>
+            </a:r>
+          </a:p>
+          <a:p>
+            <a:pPr lvl="1"/>
+            <a:r>
+              <a:rPr lang="en-US" sz="1400" dirty="0"/>
+              <a:t>Friends of Warwick Pond</a:t>
+            </a:r>
+          </a:p>
+          <a:p>
+            <a:pPr lvl="1"/>
+            <a:r>
+              <a:rPr lang="en-US" sz="1400" dirty="0"/>
+              <a:t>Mashapaug Folks</a:t>
+            </a:r>
+          </a:p>
+          <a:p>
+            <a:pPr lvl="1"/>
+            <a:r>
+              <a:rPr lang="en-US" sz="1400" dirty="0"/>
+              <a:t>???</a:t>
+            </a:r>
+          </a:p>
+          <a:p>
+            <a:pPr marL="457200" lvl="1" indent="0">
+              <a:buNone/>
+            </a:pPr>
+            <a:endParaRPr lang="en-US" sz="1600" dirty="0"/>
+          </a:p>
+        </p:txBody>
+      </p:sp>
+      <p:sp>
+        <p:nvSpPr>
+          <p:cNvPr id="8" name="Content Placeholder 2">
+            <a:extLst>
+              <a:ext uri="{FF2B5EF4-FFF2-40B4-BE49-F238E27FC236}">
+                <a16:creationId xmlns:a16="http://schemas.microsoft.com/office/drawing/2014/main" id="{2D9EB273-96F4-465D-9FE1-0F84CE2FDAA7}"/>
               </a:ext>
             </a:extLst>
           </p:cNvPr>
@@ -4566,917 +4788,8 @@
         </p:nvSpPr>
         <p:spPr>
           <a:xfrm>
-            <a:off x="108358" y="3984785"/>
-            <a:ext cx="3985469" cy="1500596"/>
-          </a:xfrm>
-          <a:prstGeom prst="rect">
-            <a:avLst/>
-          </a:prstGeom>
-        </p:spPr>
-        <p:txBody>
-          <a:bodyPr vert="horz" lIns="91440" tIns="45720" rIns="91440" bIns="45720" rtlCol="0">
-            <a:normAutofit fontScale="92500" lnSpcReduction="20000"/>
-          </a:bodyPr>
-          <a:lstStyle>
-            <a:lvl1pPr marL="228600" indent="-228600" algn="l" defTabSz="914400" rtl="0" eaLnBrk="1" latinLnBrk="0" hangingPunct="1">
-              <a:lnSpc>
-                <a:spcPct val="90000"/>
-              </a:lnSpc>
-              <a:spcBef>
-                <a:spcPts val="1000"/>
-              </a:spcBef>
-              <a:buFont typeface="Arial" panose="020B0604020202020204" pitchFamily="34" charset="0"/>
-              <a:buChar char="•"/>
-              <a:defRPr sz="2800" kern="1200">
-                <a:solidFill>
-                  <a:schemeClr val="tx1"/>
-                </a:solidFill>
-                <a:latin typeface="+mn-lt"/>
-                <a:ea typeface="+mn-ea"/>
-                <a:cs typeface="+mn-cs"/>
-              </a:defRPr>
-            </a:lvl1pPr>
-            <a:lvl2pPr marL="685800" indent="-228600" algn="l" defTabSz="914400" rtl="0" eaLnBrk="1" latinLnBrk="0" hangingPunct="1">
-              <a:lnSpc>
-                <a:spcPct val="90000"/>
-              </a:lnSpc>
-              <a:spcBef>
-                <a:spcPts val="500"/>
-              </a:spcBef>
-              <a:buFont typeface="Arial" panose="020B0604020202020204" pitchFamily="34" charset="0"/>
-              <a:buChar char="•"/>
-              <a:defRPr sz="2400" kern="1200">
-                <a:solidFill>
-                  <a:schemeClr val="tx1"/>
-                </a:solidFill>
-                <a:latin typeface="+mn-lt"/>
-                <a:ea typeface="+mn-ea"/>
-                <a:cs typeface="+mn-cs"/>
-              </a:defRPr>
-            </a:lvl2pPr>
-            <a:lvl3pPr marL="1143000" indent="-228600" algn="l" defTabSz="914400" rtl="0" eaLnBrk="1" latinLnBrk="0" hangingPunct="1">
-              <a:lnSpc>
-                <a:spcPct val="90000"/>
-              </a:lnSpc>
-              <a:spcBef>
-                <a:spcPts val="500"/>
-              </a:spcBef>
-              <a:buFont typeface="Arial" panose="020B0604020202020204" pitchFamily="34" charset="0"/>
-              <a:buChar char="•"/>
-              <a:defRPr sz="2000" kern="1200">
-                <a:solidFill>
-                  <a:schemeClr val="tx1"/>
-                </a:solidFill>
-                <a:latin typeface="+mn-lt"/>
-                <a:ea typeface="+mn-ea"/>
-                <a:cs typeface="+mn-cs"/>
-              </a:defRPr>
-            </a:lvl3pPr>
-            <a:lvl4pPr marL="1600200" indent="-228600" algn="l" defTabSz="914400" rtl="0" eaLnBrk="1" latinLnBrk="0" hangingPunct="1">
-              <a:lnSpc>
-                <a:spcPct val="90000"/>
-              </a:lnSpc>
-              <a:spcBef>
-                <a:spcPts val="500"/>
-              </a:spcBef>
-              <a:buFont typeface="Arial" panose="020B0604020202020204" pitchFamily="34" charset="0"/>
-              <a:buChar char="•"/>
-              <a:defRPr sz="1800" kern="1200">
-                <a:solidFill>
-                  <a:schemeClr val="tx1"/>
-                </a:solidFill>
-                <a:latin typeface="+mn-lt"/>
-                <a:ea typeface="+mn-ea"/>
-                <a:cs typeface="+mn-cs"/>
-              </a:defRPr>
-            </a:lvl4pPr>
-            <a:lvl5pPr marL="2057400" indent="-228600" algn="l" defTabSz="914400" rtl="0" eaLnBrk="1" latinLnBrk="0" hangingPunct="1">
-              <a:lnSpc>
-                <a:spcPct val="90000"/>
-              </a:lnSpc>
-              <a:spcBef>
-                <a:spcPts val="500"/>
-              </a:spcBef>
-              <a:buFont typeface="Arial" panose="020B0604020202020204" pitchFamily="34" charset="0"/>
-              <a:buChar char="•"/>
-              <a:defRPr sz="1800" kern="1200">
-                <a:solidFill>
-                  <a:schemeClr val="tx1"/>
-                </a:solidFill>
-                <a:latin typeface="+mn-lt"/>
-                <a:ea typeface="+mn-ea"/>
-                <a:cs typeface="+mn-cs"/>
-              </a:defRPr>
-            </a:lvl5pPr>
-            <a:lvl6pPr marL="2514600" indent="-228600" algn="l" defTabSz="914400" rtl="0" eaLnBrk="1" latinLnBrk="0" hangingPunct="1">
-              <a:lnSpc>
-                <a:spcPct val="90000"/>
-              </a:lnSpc>
-              <a:spcBef>
-                <a:spcPts val="500"/>
-              </a:spcBef>
-              <a:buFont typeface="Arial" panose="020B0604020202020204" pitchFamily="34" charset="0"/>
-              <a:buChar char="•"/>
-              <a:defRPr sz="1800" kern="1200">
-                <a:solidFill>
-                  <a:schemeClr val="tx1"/>
-                </a:solidFill>
-                <a:latin typeface="+mn-lt"/>
-                <a:ea typeface="+mn-ea"/>
-                <a:cs typeface="+mn-cs"/>
-              </a:defRPr>
-            </a:lvl6pPr>
-            <a:lvl7pPr marL="2971800" indent="-228600" algn="l" defTabSz="914400" rtl="0" eaLnBrk="1" latinLnBrk="0" hangingPunct="1">
-              <a:lnSpc>
-                <a:spcPct val="90000"/>
-              </a:lnSpc>
-              <a:spcBef>
-                <a:spcPts val="500"/>
-              </a:spcBef>
-              <a:buFont typeface="Arial" panose="020B0604020202020204" pitchFamily="34" charset="0"/>
-              <a:buChar char="•"/>
-              <a:defRPr sz="1800" kern="1200">
-                <a:solidFill>
-                  <a:schemeClr val="tx1"/>
-                </a:solidFill>
-                <a:latin typeface="+mn-lt"/>
-                <a:ea typeface="+mn-ea"/>
-                <a:cs typeface="+mn-cs"/>
-              </a:defRPr>
-            </a:lvl7pPr>
-            <a:lvl8pPr marL="3429000" indent="-228600" algn="l" defTabSz="914400" rtl="0" eaLnBrk="1" latinLnBrk="0" hangingPunct="1">
-              <a:lnSpc>
-                <a:spcPct val="90000"/>
-              </a:lnSpc>
-              <a:spcBef>
-                <a:spcPts val="500"/>
-              </a:spcBef>
-              <a:buFont typeface="Arial" panose="020B0604020202020204" pitchFamily="34" charset="0"/>
-              <a:buChar char="•"/>
-              <a:defRPr sz="1800" kern="1200">
-                <a:solidFill>
-                  <a:schemeClr val="tx1"/>
-                </a:solidFill>
-                <a:latin typeface="+mn-lt"/>
-                <a:ea typeface="+mn-ea"/>
-                <a:cs typeface="+mn-cs"/>
-              </a:defRPr>
-            </a:lvl8pPr>
-            <a:lvl9pPr marL="3886200" indent="-228600" algn="l" defTabSz="914400" rtl="0" eaLnBrk="1" latinLnBrk="0" hangingPunct="1">
-              <a:lnSpc>
-                <a:spcPct val="90000"/>
-              </a:lnSpc>
-              <a:spcBef>
-                <a:spcPts val="500"/>
-              </a:spcBef>
-              <a:buFont typeface="Arial" panose="020B0604020202020204" pitchFamily="34" charset="0"/>
-              <a:buChar char="•"/>
-              <a:defRPr sz="1800" kern="1200">
-                <a:solidFill>
-                  <a:schemeClr val="tx1"/>
-                </a:solidFill>
-                <a:latin typeface="+mn-lt"/>
-                <a:ea typeface="+mn-ea"/>
-                <a:cs typeface="+mn-cs"/>
-              </a:defRPr>
-            </a:lvl9pPr>
-          </a:lstStyle>
-          <a:p>
-            <a:r>
-              <a:rPr lang="en-US" sz="1900" b="1" dirty="0"/>
-              <a:t>EPA Region 7</a:t>
-            </a:r>
-          </a:p>
-          <a:p>
-            <a:pPr lvl="1"/>
-            <a:r>
-              <a:rPr lang="en-US" sz="1600" dirty="0"/>
-              <a:t>Steve Krabbe</a:t>
-            </a:r>
-          </a:p>
-          <a:p>
-            <a:pPr lvl="1"/>
-            <a:r>
-              <a:rPr lang="en-US" sz="1600" dirty="0"/>
-              <a:t>Chris Taylor</a:t>
-            </a:r>
-          </a:p>
-          <a:p>
-            <a:pPr lvl="1"/>
-            <a:r>
-              <a:rPr lang="en-US" sz="1600" dirty="0"/>
-              <a:t>Laura Webb</a:t>
-            </a:r>
-          </a:p>
-          <a:p>
-            <a:pPr lvl="1"/>
-            <a:r>
-              <a:rPr lang="en-US" sz="1600" dirty="0"/>
-              <a:t>Steve Baker</a:t>
-            </a:r>
-          </a:p>
-          <a:p>
-            <a:pPr lvl="1"/>
-            <a:r>
-              <a:rPr lang="en-US" sz="1600" dirty="0"/>
-              <a:t>Gary Welker</a:t>
-            </a:r>
-            <a:endParaRPr lang="en-US" sz="1500" dirty="0"/>
-          </a:p>
-        </p:txBody>
-      </p:sp>
-      <p:sp>
-        <p:nvSpPr>
-          <p:cNvPr id="6" name="Content Placeholder 2">
-            <a:extLst>
-              <a:ext uri="{FF2B5EF4-FFF2-40B4-BE49-F238E27FC236}">
-                <a16:creationId xmlns:a16="http://schemas.microsoft.com/office/drawing/2014/main" id="{8E7227F9-2164-4263-B52E-2F8A2EA13908}"/>
-              </a:ext>
-            </a:extLst>
-          </p:cNvPr>
-          <p:cNvSpPr txBox="1">
-            <a:spLocks/>
-          </p:cNvSpPr>
-          <p:nvPr/>
-        </p:nvSpPr>
-        <p:spPr>
-          <a:xfrm>
-            <a:off x="8265257" y="1422953"/>
-            <a:ext cx="3985469" cy="1261524"/>
-          </a:xfrm>
-          <a:prstGeom prst="rect">
-            <a:avLst/>
-          </a:prstGeom>
-        </p:spPr>
-        <p:txBody>
-          <a:bodyPr vert="horz" lIns="91440" tIns="45720" rIns="91440" bIns="45720" rtlCol="0">
-            <a:normAutofit fontScale="92500" lnSpcReduction="20000"/>
-          </a:bodyPr>
-          <a:lstStyle>
-            <a:lvl1pPr marL="228600" indent="-228600" algn="l" defTabSz="914400" rtl="0" eaLnBrk="1" latinLnBrk="0" hangingPunct="1">
-              <a:lnSpc>
-                <a:spcPct val="90000"/>
-              </a:lnSpc>
-              <a:spcBef>
-                <a:spcPts val="1000"/>
-              </a:spcBef>
-              <a:buFont typeface="Arial" panose="020B0604020202020204" pitchFamily="34" charset="0"/>
-              <a:buChar char="•"/>
-              <a:defRPr sz="2800" kern="1200">
-                <a:solidFill>
-                  <a:schemeClr val="tx1"/>
-                </a:solidFill>
-                <a:latin typeface="+mn-lt"/>
-                <a:ea typeface="+mn-ea"/>
-                <a:cs typeface="+mn-cs"/>
-              </a:defRPr>
-            </a:lvl1pPr>
-            <a:lvl2pPr marL="685800" indent="-228600" algn="l" defTabSz="914400" rtl="0" eaLnBrk="1" latinLnBrk="0" hangingPunct="1">
-              <a:lnSpc>
-                <a:spcPct val="90000"/>
-              </a:lnSpc>
-              <a:spcBef>
-                <a:spcPts val="500"/>
-              </a:spcBef>
-              <a:buFont typeface="Arial" panose="020B0604020202020204" pitchFamily="34" charset="0"/>
-              <a:buChar char="•"/>
-              <a:defRPr sz="2400" kern="1200">
-                <a:solidFill>
-                  <a:schemeClr val="tx1"/>
-                </a:solidFill>
-                <a:latin typeface="+mn-lt"/>
-                <a:ea typeface="+mn-ea"/>
-                <a:cs typeface="+mn-cs"/>
-              </a:defRPr>
-            </a:lvl2pPr>
-            <a:lvl3pPr marL="1143000" indent="-228600" algn="l" defTabSz="914400" rtl="0" eaLnBrk="1" latinLnBrk="0" hangingPunct="1">
-              <a:lnSpc>
-                <a:spcPct val="90000"/>
-              </a:lnSpc>
-              <a:spcBef>
-                <a:spcPts val="500"/>
-              </a:spcBef>
-              <a:buFont typeface="Arial" panose="020B0604020202020204" pitchFamily="34" charset="0"/>
-              <a:buChar char="•"/>
-              <a:defRPr sz="2000" kern="1200">
-                <a:solidFill>
-                  <a:schemeClr val="tx1"/>
-                </a:solidFill>
-                <a:latin typeface="+mn-lt"/>
-                <a:ea typeface="+mn-ea"/>
-                <a:cs typeface="+mn-cs"/>
-              </a:defRPr>
-            </a:lvl3pPr>
-            <a:lvl4pPr marL="1600200" indent="-228600" algn="l" defTabSz="914400" rtl="0" eaLnBrk="1" latinLnBrk="0" hangingPunct="1">
-              <a:lnSpc>
-                <a:spcPct val="90000"/>
-              </a:lnSpc>
-              <a:spcBef>
-                <a:spcPts val="500"/>
-              </a:spcBef>
-              <a:buFont typeface="Arial" panose="020B0604020202020204" pitchFamily="34" charset="0"/>
-              <a:buChar char="•"/>
-              <a:defRPr sz="1800" kern="1200">
-                <a:solidFill>
-                  <a:schemeClr val="tx1"/>
-                </a:solidFill>
-                <a:latin typeface="+mn-lt"/>
-                <a:ea typeface="+mn-ea"/>
-                <a:cs typeface="+mn-cs"/>
-              </a:defRPr>
-            </a:lvl4pPr>
-            <a:lvl5pPr marL="2057400" indent="-228600" algn="l" defTabSz="914400" rtl="0" eaLnBrk="1" latinLnBrk="0" hangingPunct="1">
-              <a:lnSpc>
-                <a:spcPct val="90000"/>
-              </a:lnSpc>
-              <a:spcBef>
-                <a:spcPts val="500"/>
-              </a:spcBef>
-              <a:buFont typeface="Arial" panose="020B0604020202020204" pitchFamily="34" charset="0"/>
-              <a:buChar char="•"/>
-              <a:defRPr sz="1800" kern="1200">
-                <a:solidFill>
-                  <a:schemeClr val="tx1"/>
-                </a:solidFill>
-                <a:latin typeface="+mn-lt"/>
-                <a:ea typeface="+mn-ea"/>
-                <a:cs typeface="+mn-cs"/>
-              </a:defRPr>
-            </a:lvl5pPr>
-            <a:lvl6pPr marL="2514600" indent="-228600" algn="l" defTabSz="914400" rtl="0" eaLnBrk="1" latinLnBrk="0" hangingPunct="1">
-              <a:lnSpc>
-                <a:spcPct val="90000"/>
-              </a:lnSpc>
-              <a:spcBef>
-                <a:spcPts val="500"/>
-              </a:spcBef>
-              <a:buFont typeface="Arial" panose="020B0604020202020204" pitchFamily="34" charset="0"/>
-              <a:buChar char="•"/>
-              <a:defRPr sz="1800" kern="1200">
-                <a:solidFill>
-                  <a:schemeClr val="tx1"/>
-                </a:solidFill>
-                <a:latin typeface="+mn-lt"/>
-                <a:ea typeface="+mn-ea"/>
-                <a:cs typeface="+mn-cs"/>
-              </a:defRPr>
-            </a:lvl6pPr>
-            <a:lvl7pPr marL="2971800" indent="-228600" algn="l" defTabSz="914400" rtl="0" eaLnBrk="1" latinLnBrk="0" hangingPunct="1">
-              <a:lnSpc>
-                <a:spcPct val="90000"/>
-              </a:lnSpc>
-              <a:spcBef>
-                <a:spcPts val="500"/>
-              </a:spcBef>
-              <a:buFont typeface="Arial" panose="020B0604020202020204" pitchFamily="34" charset="0"/>
-              <a:buChar char="•"/>
-              <a:defRPr sz="1800" kern="1200">
-                <a:solidFill>
-                  <a:schemeClr val="tx1"/>
-                </a:solidFill>
-                <a:latin typeface="+mn-lt"/>
-                <a:ea typeface="+mn-ea"/>
-                <a:cs typeface="+mn-cs"/>
-              </a:defRPr>
-            </a:lvl7pPr>
-            <a:lvl8pPr marL="3429000" indent="-228600" algn="l" defTabSz="914400" rtl="0" eaLnBrk="1" latinLnBrk="0" hangingPunct="1">
-              <a:lnSpc>
-                <a:spcPct val="90000"/>
-              </a:lnSpc>
-              <a:spcBef>
-                <a:spcPts val="500"/>
-              </a:spcBef>
-              <a:buFont typeface="Arial" panose="020B0604020202020204" pitchFamily="34" charset="0"/>
-              <a:buChar char="•"/>
-              <a:defRPr sz="1800" kern="1200">
-                <a:solidFill>
-                  <a:schemeClr val="tx1"/>
-                </a:solidFill>
-                <a:latin typeface="+mn-lt"/>
-                <a:ea typeface="+mn-ea"/>
-                <a:cs typeface="+mn-cs"/>
-              </a:defRPr>
-            </a:lvl8pPr>
-            <a:lvl9pPr marL="3886200" indent="-228600" algn="l" defTabSz="914400" rtl="0" eaLnBrk="1" latinLnBrk="0" hangingPunct="1">
-              <a:lnSpc>
-                <a:spcPct val="90000"/>
-              </a:lnSpc>
-              <a:spcBef>
-                <a:spcPts val="500"/>
-              </a:spcBef>
-              <a:buFont typeface="Arial" panose="020B0604020202020204" pitchFamily="34" charset="0"/>
-              <a:buChar char="•"/>
-              <a:defRPr sz="1800" kern="1200">
-                <a:solidFill>
-                  <a:schemeClr val="tx1"/>
-                </a:solidFill>
-                <a:latin typeface="+mn-lt"/>
-                <a:ea typeface="+mn-ea"/>
-                <a:cs typeface="+mn-cs"/>
-              </a:defRPr>
-            </a:lvl9pPr>
-          </a:lstStyle>
-          <a:p>
-            <a:r>
-              <a:rPr lang="en-US" sz="1900" b="1" dirty="0"/>
-              <a:t>URI</a:t>
-            </a:r>
-          </a:p>
-          <a:p>
-            <a:pPr lvl="1"/>
-            <a:r>
-              <a:rPr lang="en-US" sz="1600" dirty="0"/>
-              <a:t>Elizabeth Herron</a:t>
-            </a:r>
-          </a:p>
-          <a:p>
-            <a:pPr lvl="1"/>
-            <a:r>
-              <a:rPr lang="en-US" sz="1600" dirty="0"/>
-              <a:t>Linda Green</a:t>
-            </a:r>
-          </a:p>
-          <a:p>
-            <a:pPr lvl="1"/>
-            <a:r>
-              <a:rPr lang="en-US" sz="1600" dirty="0"/>
-              <a:t>Art Gold</a:t>
-            </a:r>
-          </a:p>
-          <a:p>
-            <a:pPr lvl="1"/>
-            <a:r>
-              <a:rPr lang="en-US" sz="1600" dirty="0"/>
-              <a:t>Q Kellogg</a:t>
-            </a:r>
-          </a:p>
-        </p:txBody>
-      </p:sp>
-      <p:sp>
-        <p:nvSpPr>
-          <p:cNvPr id="7" name="Content Placeholder 2">
-            <a:extLst>
-              <a:ext uri="{FF2B5EF4-FFF2-40B4-BE49-F238E27FC236}">
-                <a16:creationId xmlns:a16="http://schemas.microsoft.com/office/drawing/2014/main" id="{00E203AE-6939-4A12-98D3-F6CEC70FDEB4}"/>
-              </a:ext>
-            </a:extLst>
-          </p:cNvPr>
-          <p:cNvSpPr txBox="1">
-            <a:spLocks/>
-          </p:cNvSpPr>
-          <p:nvPr/>
-        </p:nvSpPr>
-        <p:spPr>
-          <a:xfrm>
-            <a:off x="8255816" y="2684477"/>
-            <a:ext cx="3985469" cy="1082194"/>
-          </a:xfrm>
-          <a:prstGeom prst="rect">
-            <a:avLst/>
-          </a:prstGeom>
-        </p:spPr>
-        <p:txBody>
-          <a:bodyPr vert="horz" lIns="91440" tIns="45720" rIns="91440" bIns="45720" rtlCol="0">
-            <a:normAutofit lnSpcReduction="10000"/>
-          </a:bodyPr>
-          <a:lstStyle>
-            <a:lvl1pPr marL="228600" indent="-228600" algn="l" defTabSz="914400" rtl="0" eaLnBrk="1" latinLnBrk="0" hangingPunct="1">
-              <a:lnSpc>
-                <a:spcPct val="90000"/>
-              </a:lnSpc>
-              <a:spcBef>
-                <a:spcPts val="1000"/>
-              </a:spcBef>
-              <a:buFont typeface="Arial" panose="020B0604020202020204" pitchFamily="34" charset="0"/>
-              <a:buChar char="•"/>
-              <a:defRPr sz="2800" kern="1200">
-                <a:solidFill>
-                  <a:schemeClr val="tx1"/>
-                </a:solidFill>
-                <a:latin typeface="+mn-lt"/>
-                <a:ea typeface="+mn-ea"/>
-                <a:cs typeface="+mn-cs"/>
-              </a:defRPr>
-            </a:lvl1pPr>
-            <a:lvl2pPr marL="685800" indent="-228600" algn="l" defTabSz="914400" rtl="0" eaLnBrk="1" latinLnBrk="0" hangingPunct="1">
-              <a:lnSpc>
-                <a:spcPct val="90000"/>
-              </a:lnSpc>
-              <a:spcBef>
-                <a:spcPts val="500"/>
-              </a:spcBef>
-              <a:buFont typeface="Arial" panose="020B0604020202020204" pitchFamily="34" charset="0"/>
-              <a:buChar char="•"/>
-              <a:defRPr sz="2400" kern="1200">
-                <a:solidFill>
-                  <a:schemeClr val="tx1"/>
-                </a:solidFill>
-                <a:latin typeface="+mn-lt"/>
-                <a:ea typeface="+mn-ea"/>
-                <a:cs typeface="+mn-cs"/>
-              </a:defRPr>
-            </a:lvl2pPr>
-            <a:lvl3pPr marL="1143000" indent="-228600" algn="l" defTabSz="914400" rtl="0" eaLnBrk="1" latinLnBrk="0" hangingPunct="1">
-              <a:lnSpc>
-                <a:spcPct val="90000"/>
-              </a:lnSpc>
-              <a:spcBef>
-                <a:spcPts val="500"/>
-              </a:spcBef>
-              <a:buFont typeface="Arial" panose="020B0604020202020204" pitchFamily="34" charset="0"/>
-              <a:buChar char="•"/>
-              <a:defRPr sz="2000" kern="1200">
-                <a:solidFill>
-                  <a:schemeClr val="tx1"/>
-                </a:solidFill>
-                <a:latin typeface="+mn-lt"/>
-                <a:ea typeface="+mn-ea"/>
-                <a:cs typeface="+mn-cs"/>
-              </a:defRPr>
-            </a:lvl3pPr>
-            <a:lvl4pPr marL="1600200" indent="-228600" algn="l" defTabSz="914400" rtl="0" eaLnBrk="1" latinLnBrk="0" hangingPunct="1">
-              <a:lnSpc>
-                <a:spcPct val="90000"/>
-              </a:lnSpc>
-              <a:spcBef>
-                <a:spcPts val="500"/>
-              </a:spcBef>
-              <a:buFont typeface="Arial" panose="020B0604020202020204" pitchFamily="34" charset="0"/>
-              <a:buChar char="•"/>
-              <a:defRPr sz="1800" kern="1200">
-                <a:solidFill>
-                  <a:schemeClr val="tx1"/>
-                </a:solidFill>
-                <a:latin typeface="+mn-lt"/>
-                <a:ea typeface="+mn-ea"/>
-                <a:cs typeface="+mn-cs"/>
-              </a:defRPr>
-            </a:lvl4pPr>
-            <a:lvl5pPr marL="2057400" indent="-228600" algn="l" defTabSz="914400" rtl="0" eaLnBrk="1" latinLnBrk="0" hangingPunct="1">
-              <a:lnSpc>
-                <a:spcPct val="90000"/>
-              </a:lnSpc>
-              <a:spcBef>
-                <a:spcPts val="500"/>
-              </a:spcBef>
-              <a:buFont typeface="Arial" panose="020B0604020202020204" pitchFamily="34" charset="0"/>
-              <a:buChar char="•"/>
-              <a:defRPr sz="1800" kern="1200">
-                <a:solidFill>
-                  <a:schemeClr val="tx1"/>
-                </a:solidFill>
-                <a:latin typeface="+mn-lt"/>
-                <a:ea typeface="+mn-ea"/>
-                <a:cs typeface="+mn-cs"/>
-              </a:defRPr>
-            </a:lvl5pPr>
-            <a:lvl6pPr marL="2514600" indent="-228600" algn="l" defTabSz="914400" rtl="0" eaLnBrk="1" latinLnBrk="0" hangingPunct="1">
-              <a:lnSpc>
-                <a:spcPct val="90000"/>
-              </a:lnSpc>
-              <a:spcBef>
-                <a:spcPts val="500"/>
-              </a:spcBef>
-              <a:buFont typeface="Arial" panose="020B0604020202020204" pitchFamily="34" charset="0"/>
-              <a:buChar char="•"/>
-              <a:defRPr sz="1800" kern="1200">
-                <a:solidFill>
-                  <a:schemeClr val="tx1"/>
-                </a:solidFill>
-                <a:latin typeface="+mn-lt"/>
-                <a:ea typeface="+mn-ea"/>
-                <a:cs typeface="+mn-cs"/>
-              </a:defRPr>
-            </a:lvl6pPr>
-            <a:lvl7pPr marL="2971800" indent="-228600" algn="l" defTabSz="914400" rtl="0" eaLnBrk="1" latinLnBrk="0" hangingPunct="1">
-              <a:lnSpc>
-                <a:spcPct val="90000"/>
-              </a:lnSpc>
-              <a:spcBef>
-                <a:spcPts val="500"/>
-              </a:spcBef>
-              <a:buFont typeface="Arial" panose="020B0604020202020204" pitchFamily="34" charset="0"/>
-              <a:buChar char="•"/>
-              <a:defRPr sz="1800" kern="1200">
-                <a:solidFill>
-                  <a:schemeClr val="tx1"/>
-                </a:solidFill>
-                <a:latin typeface="+mn-lt"/>
-                <a:ea typeface="+mn-ea"/>
-                <a:cs typeface="+mn-cs"/>
-              </a:defRPr>
-            </a:lvl7pPr>
-            <a:lvl8pPr marL="3429000" indent="-228600" algn="l" defTabSz="914400" rtl="0" eaLnBrk="1" latinLnBrk="0" hangingPunct="1">
-              <a:lnSpc>
-                <a:spcPct val="90000"/>
-              </a:lnSpc>
-              <a:spcBef>
-                <a:spcPts val="500"/>
-              </a:spcBef>
-              <a:buFont typeface="Arial" panose="020B0604020202020204" pitchFamily="34" charset="0"/>
-              <a:buChar char="•"/>
-              <a:defRPr sz="1800" kern="1200">
-                <a:solidFill>
-                  <a:schemeClr val="tx1"/>
-                </a:solidFill>
-                <a:latin typeface="+mn-lt"/>
-                <a:ea typeface="+mn-ea"/>
-                <a:cs typeface="+mn-cs"/>
-              </a:defRPr>
-            </a:lvl8pPr>
-            <a:lvl9pPr marL="3886200" indent="-228600" algn="l" defTabSz="914400" rtl="0" eaLnBrk="1" latinLnBrk="0" hangingPunct="1">
-              <a:lnSpc>
-                <a:spcPct val="90000"/>
-              </a:lnSpc>
-              <a:spcBef>
-                <a:spcPts val="500"/>
-              </a:spcBef>
-              <a:buFont typeface="Arial" panose="020B0604020202020204" pitchFamily="34" charset="0"/>
-              <a:buChar char="•"/>
-              <a:defRPr sz="1800" kern="1200">
-                <a:solidFill>
-                  <a:schemeClr val="tx1"/>
-                </a:solidFill>
-                <a:latin typeface="+mn-lt"/>
-                <a:ea typeface="+mn-ea"/>
-                <a:cs typeface="+mn-cs"/>
-              </a:defRPr>
-            </a:lvl9pPr>
-          </a:lstStyle>
-          <a:p>
-            <a:r>
-              <a:rPr lang="en-US" sz="1800" b="1" dirty="0"/>
-              <a:t>RIDEM</a:t>
-            </a:r>
-          </a:p>
-          <a:p>
-            <a:pPr lvl="1"/>
-            <a:r>
-              <a:rPr lang="en-US" sz="1500" dirty="0"/>
-              <a:t>Bryan Zalewsky</a:t>
-            </a:r>
-          </a:p>
-          <a:p>
-            <a:pPr lvl="1"/>
-            <a:r>
-              <a:rPr lang="en-US" sz="1500" dirty="0"/>
-              <a:t>Jane Sawyers</a:t>
-            </a:r>
-          </a:p>
-          <a:p>
-            <a:pPr lvl="1"/>
-            <a:r>
-              <a:rPr lang="en-US" sz="1500" dirty="0"/>
-              <a:t>Sue Kiernan</a:t>
-            </a:r>
-          </a:p>
-        </p:txBody>
-      </p:sp>
-      <p:sp>
-        <p:nvSpPr>
-          <p:cNvPr id="8" name="Content Placeholder 2">
-            <a:extLst>
-              <a:ext uri="{FF2B5EF4-FFF2-40B4-BE49-F238E27FC236}">
-                <a16:creationId xmlns:a16="http://schemas.microsoft.com/office/drawing/2014/main" id="{2D9EB273-96F4-465D-9FE1-0F84CE2FDAA7}"/>
-              </a:ext>
-            </a:extLst>
-          </p:cNvPr>
-          <p:cNvSpPr txBox="1">
-            <a:spLocks/>
-          </p:cNvSpPr>
-          <p:nvPr/>
-        </p:nvSpPr>
-        <p:spPr>
-          <a:xfrm>
-            <a:off x="108357" y="5384917"/>
-            <a:ext cx="3985469" cy="1158496"/>
-          </a:xfrm>
-          <a:prstGeom prst="rect">
-            <a:avLst/>
-          </a:prstGeom>
-        </p:spPr>
-        <p:txBody>
-          <a:bodyPr vert="horz" lIns="91440" tIns="45720" rIns="91440" bIns="45720" rtlCol="0">
-            <a:normAutofit fontScale="92500" lnSpcReduction="20000"/>
-          </a:bodyPr>
-          <a:lstStyle>
-            <a:lvl1pPr marL="228600" indent="-228600" algn="l" defTabSz="914400" rtl="0" eaLnBrk="1" latinLnBrk="0" hangingPunct="1">
-              <a:lnSpc>
-                <a:spcPct val="90000"/>
-              </a:lnSpc>
-              <a:spcBef>
-                <a:spcPts val="1000"/>
-              </a:spcBef>
-              <a:buFont typeface="Arial" panose="020B0604020202020204" pitchFamily="34" charset="0"/>
-              <a:buChar char="•"/>
-              <a:defRPr sz="2800" kern="1200">
-                <a:solidFill>
-                  <a:schemeClr val="tx1"/>
-                </a:solidFill>
-                <a:latin typeface="+mn-lt"/>
-                <a:ea typeface="+mn-ea"/>
-                <a:cs typeface="+mn-cs"/>
-              </a:defRPr>
-            </a:lvl1pPr>
-            <a:lvl2pPr marL="685800" indent="-228600" algn="l" defTabSz="914400" rtl="0" eaLnBrk="1" latinLnBrk="0" hangingPunct="1">
-              <a:lnSpc>
-                <a:spcPct val="90000"/>
-              </a:lnSpc>
-              <a:spcBef>
-                <a:spcPts val="500"/>
-              </a:spcBef>
-              <a:buFont typeface="Arial" panose="020B0604020202020204" pitchFamily="34" charset="0"/>
-              <a:buChar char="•"/>
-              <a:defRPr sz="2400" kern="1200">
-                <a:solidFill>
-                  <a:schemeClr val="tx1"/>
-                </a:solidFill>
-                <a:latin typeface="+mn-lt"/>
-                <a:ea typeface="+mn-ea"/>
-                <a:cs typeface="+mn-cs"/>
-              </a:defRPr>
-            </a:lvl2pPr>
-            <a:lvl3pPr marL="1143000" indent="-228600" algn="l" defTabSz="914400" rtl="0" eaLnBrk="1" latinLnBrk="0" hangingPunct="1">
-              <a:lnSpc>
-                <a:spcPct val="90000"/>
-              </a:lnSpc>
-              <a:spcBef>
-                <a:spcPts val="500"/>
-              </a:spcBef>
-              <a:buFont typeface="Arial" panose="020B0604020202020204" pitchFamily="34" charset="0"/>
-              <a:buChar char="•"/>
-              <a:defRPr sz="2000" kern="1200">
-                <a:solidFill>
-                  <a:schemeClr val="tx1"/>
-                </a:solidFill>
-                <a:latin typeface="+mn-lt"/>
-                <a:ea typeface="+mn-ea"/>
-                <a:cs typeface="+mn-cs"/>
-              </a:defRPr>
-            </a:lvl3pPr>
-            <a:lvl4pPr marL="1600200" indent="-228600" algn="l" defTabSz="914400" rtl="0" eaLnBrk="1" latinLnBrk="0" hangingPunct="1">
-              <a:lnSpc>
-                <a:spcPct val="90000"/>
-              </a:lnSpc>
-              <a:spcBef>
-                <a:spcPts val="500"/>
-              </a:spcBef>
-              <a:buFont typeface="Arial" panose="020B0604020202020204" pitchFamily="34" charset="0"/>
-              <a:buChar char="•"/>
-              <a:defRPr sz="1800" kern="1200">
-                <a:solidFill>
-                  <a:schemeClr val="tx1"/>
-                </a:solidFill>
-                <a:latin typeface="+mn-lt"/>
-                <a:ea typeface="+mn-ea"/>
-                <a:cs typeface="+mn-cs"/>
-              </a:defRPr>
-            </a:lvl4pPr>
-            <a:lvl5pPr marL="2057400" indent="-228600" algn="l" defTabSz="914400" rtl="0" eaLnBrk="1" latinLnBrk="0" hangingPunct="1">
-              <a:lnSpc>
-                <a:spcPct val="90000"/>
-              </a:lnSpc>
-              <a:spcBef>
-                <a:spcPts val="500"/>
-              </a:spcBef>
-              <a:buFont typeface="Arial" panose="020B0604020202020204" pitchFamily="34" charset="0"/>
-              <a:buChar char="•"/>
-              <a:defRPr sz="1800" kern="1200">
-                <a:solidFill>
-                  <a:schemeClr val="tx1"/>
-                </a:solidFill>
-                <a:latin typeface="+mn-lt"/>
-                <a:ea typeface="+mn-ea"/>
-                <a:cs typeface="+mn-cs"/>
-              </a:defRPr>
-            </a:lvl5pPr>
-            <a:lvl6pPr marL="2514600" indent="-228600" algn="l" defTabSz="914400" rtl="0" eaLnBrk="1" latinLnBrk="0" hangingPunct="1">
-              <a:lnSpc>
-                <a:spcPct val="90000"/>
-              </a:lnSpc>
-              <a:spcBef>
-                <a:spcPts val="500"/>
-              </a:spcBef>
-              <a:buFont typeface="Arial" panose="020B0604020202020204" pitchFamily="34" charset="0"/>
-              <a:buChar char="•"/>
-              <a:defRPr sz="1800" kern="1200">
-                <a:solidFill>
-                  <a:schemeClr val="tx1"/>
-                </a:solidFill>
-                <a:latin typeface="+mn-lt"/>
-                <a:ea typeface="+mn-ea"/>
-                <a:cs typeface="+mn-cs"/>
-              </a:defRPr>
-            </a:lvl6pPr>
-            <a:lvl7pPr marL="2971800" indent="-228600" algn="l" defTabSz="914400" rtl="0" eaLnBrk="1" latinLnBrk="0" hangingPunct="1">
-              <a:lnSpc>
-                <a:spcPct val="90000"/>
-              </a:lnSpc>
-              <a:spcBef>
-                <a:spcPts val="500"/>
-              </a:spcBef>
-              <a:buFont typeface="Arial" panose="020B0604020202020204" pitchFamily="34" charset="0"/>
-              <a:buChar char="•"/>
-              <a:defRPr sz="1800" kern="1200">
-                <a:solidFill>
-                  <a:schemeClr val="tx1"/>
-                </a:solidFill>
-                <a:latin typeface="+mn-lt"/>
-                <a:ea typeface="+mn-ea"/>
-                <a:cs typeface="+mn-cs"/>
-              </a:defRPr>
-            </a:lvl7pPr>
-            <a:lvl8pPr marL="3429000" indent="-228600" algn="l" defTabSz="914400" rtl="0" eaLnBrk="1" latinLnBrk="0" hangingPunct="1">
-              <a:lnSpc>
-                <a:spcPct val="90000"/>
-              </a:lnSpc>
-              <a:spcBef>
-                <a:spcPts val="500"/>
-              </a:spcBef>
-              <a:buFont typeface="Arial" panose="020B0604020202020204" pitchFamily="34" charset="0"/>
-              <a:buChar char="•"/>
-              <a:defRPr sz="1800" kern="1200">
-                <a:solidFill>
-                  <a:schemeClr val="tx1"/>
-                </a:solidFill>
-                <a:latin typeface="+mn-lt"/>
-                <a:ea typeface="+mn-ea"/>
-                <a:cs typeface="+mn-cs"/>
-              </a:defRPr>
-            </a:lvl8pPr>
-            <a:lvl9pPr marL="3886200" indent="-228600" algn="l" defTabSz="914400" rtl="0" eaLnBrk="1" latinLnBrk="0" hangingPunct="1">
-              <a:lnSpc>
-                <a:spcPct val="90000"/>
-              </a:lnSpc>
-              <a:spcBef>
-                <a:spcPts val="500"/>
-              </a:spcBef>
-              <a:buFont typeface="Arial" panose="020B0604020202020204" pitchFamily="34" charset="0"/>
-              <a:buChar char="•"/>
-              <a:defRPr sz="1800" kern="1200">
-                <a:solidFill>
-                  <a:schemeClr val="tx1"/>
-                </a:solidFill>
-                <a:latin typeface="+mn-lt"/>
-                <a:ea typeface="+mn-ea"/>
-                <a:cs typeface="+mn-cs"/>
-              </a:defRPr>
-            </a:lvl9pPr>
-          </a:lstStyle>
-          <a:p>
-            <a:r>
-              <a:rPr lang="en-US" sz="1800" b="1" dirty="0"/>
-              <a:t>Elsewhere in ORD</a:t>
-            </a:r>
-          </a:p>
-          <a:p>
-            <a:pPr lvl="1"/>
-            <a:r>
-              <a:rPr lang="en-US" sz="1500" dirty="0"/>
-              <a:t>Ann Vega</a:t>
-            </a:r>
-          </a:p>
-          <a:p>
-            <a:pPr lvl="1"/>
-            <a:r>
-              <a:rPr lang="en-US" sz="1500" dirty="0"/>
-              <a:t>Jake Beaulieu</a:t>
-            </a:r>
-          </a:p>
-          <a:p>
-            <a:pPr lvl="1"/>
-            <a:r>
-              <a:rPr lang="en-US" sz="1500" dirty="0"/>
-              <a:t>Blake Schaeffer</a:t>
-            </a:r>
-          </a:p>
-          <a:p>
-            <a:pPr lvl="1"/>
-            <a:r>
-              <a:rPr lang="en-US" sz="1500" dirty="0"/>
-              <a:t>Jay Christensen</a:t>
-            </a:r>
-          </a:p>
-        </p:txBody>
-      </p:sp>
-      <p:sp>
-        <p:nvSpPr>
-          <p:cNvPr id="9" name="Content Placeholder 2">
-            <a:extLst>
-              <a:ext uri="{FF2B5EF4-FFF2-40B4-BE49-F238E27FC236}">
-                <a16:creationId xmlns:a16="http://schemas.microsoft.com/office/drawing/2014/main" id="{873F3ABB-EE54-422B-849C-5F667D215151}"/>
-              </a:ext>
-            </a:extLst>
-          </p:cNvPr>
-          <p:cNvSpPr txBox="1">
-            <a:spLocks/>
-          </p:cNvSpPr>
-          <p:nvPr/>
-        </p:nvSpPr>
-        <p:spPr>
-          <a:xfrm>
-            <a:off x="3993858" y="1506843"/>
-            <a:ext cx="3985469" cy="1158496"/>
+            <a:off x="4093827" y="1316691"/>
+            <a:ext cx="3985469" cy="5383534"/>
           </a:xfrm>
           <a:prstGeom prst="rect">
             <a:avLst/>
@@ -5652,470 +4965,110 @@
           </a:lstStyle>
           <a:p>
             <a:r>
-              <a:rPr lang="en-US" sz="1800" b="1" dirty="0"/>
+              <a:rPr lang="en-US" sz="1600" b="1" dirty="0"/>
+              <a:t>Elsewhere in ORD</a:t>
+            </a:r>
+          </a:p>
+          <a:p>
+            <a:pPr lvl="1"/>
+            <a:r>
+              <a:rPr lang="en-US" sz="1400" dirty="0"/>
+              <a:t>Ann Vega</a:t>
+            </a:r>
+          </a:p>
+          <a:p>
+            <a:pPr lvl="1"/>
+            <a:r>
+              <a:rPr lang="en-US" sz="1400" dirty="0"/>
+              <a:t>Jake Beaulieu</a:t>
+            </a:r>
+          </a:p>
+          <a:p>
+            <a:pPr lvl="1"/>
+            <a:r>
+              <a:rPr lang="en-US" sz="1400" dirty="0"/>
+              <a:t>Blake Schaeffer</a:t>
+            </a:r>
+          </a:p>
+          <a:p>
+            <a:pPr lvl="1"/>
+            <a:r>
+              <a:rPr lang="en-US" sz="1400" dirty="0"/>
+              <a:t>Jay Christensen</a:t>
+            </a:r>
+          </a:p>
+          <a:p>
+            <a:pPr lvl="1"/>
+            <a:r>
+              <a:rPr lang="en-US" sz="1400" dirty="0"/>
+              <a:t>Betsy Hilborn</a:t>
+            </a:r>
+          </a:p>
+          <a:p>
+            <a:r>
+              <a:rPr lang="en-US" sz="1600" b="1" dirty="0"/>
               <a:t>Elsewhere in EPA</a:t>
             </a:r>
           </a:p>
           <a:p>
             <a:pPr lvl="1"/>
             <a:r>
-              <a:rPr lang="en-US" sz="1500" dirty="0"/>
+              <a:rPr lang="en-US" sz="1400" dirty="0"/>
               <a:t>Shelly Thawley</a:t>
             </a:r>
           </a:p>
           <a:p>
             <a:pPr lvl="1"/>
             <a:r>
-              <a:rPr lang="en-US" sz="1500" dirty="0"/>
+              <a:rPr lang="en-US" sz="1400" dirty="0"/>
               <a:t>David Smith</a:t>
             </a:r>
           </a:p>
           <a:p>
             <a:pPr lvl="1"/>
             <a:r>
-              <a:rPr lang="en-US" sz="1500" dirty="0"/>
+              <a:rPr lang="en-US" sz="1400" dirty="0"/>
               <a:t>???</a:t>
             </a:r>
           </a:p>
-        </p:txBody>
-      </p:sp>
-      <p:sp>
-        <p:nvSpPr>
-          <p:cNvPr id="11" name="Content Placeholder 2">
-            <a:extLst>
-              <a:ext uri="{FF2B5EF4-FFF2-40B4-BE49-F238E27FC236}">
-                <a16:creationId xmlns:a16="http://schemas.microsoft.com/office/drawing/2014/main" id="{07E63171-18FB-43F6-8498-076152C17EC6}"/>
-              </a:ext>
-            </a:extLst>
-          </p:cNvPr>
-          <p:cNvSpPr txBox="1">
-            <a:spLocks/>
-          </p:cNvSpPr>
-          <p:nvPr/>
-        </p:nvSpPr>
-        <p:spPr>
-          <a:xfrm>
-            <a:off x="3936185" y="2684477"/>
-            <a:ext cx="3985469" cy="1158496"/>
-          </a:xfrm>
-          <a:prstGeom prst="rect">
-            <a:avLst/>
-          </a:prstGeom>
-        </p:spPr>
-        <p:txBody>
-          <a:bodyPr vert="horz" lIns="91440" tIns="45720" rIns="91440" bIns="45720" rtlCol="0">
-            <a:normAutofit/>
-          </a:bodyPr>
-          <a:lstStyle>
-            <a:lvl1pPr marL="228600" indent="-228600" algn="l" defTabSz="914400" rtl="0" eaLnBrk="1" latinLnBrk="0" hangingPunct="1">
-              <a:lnSpc>
-                <a:spcPct val="90000"/>
-              </a:lnSpc>
-              <a:spcBef>
-                <a:spcPts val="1000"/>
-              </a:spcBef>
-              <a:buFont typeface="Arial" panose="020B0604020202020204" pitchFamily="34" charset="0"/>
-              <a:buChar char="•"/>
-              <a:defRPr sz="2800" kern="1200">
-                <a:solidFill>
-                  <a:schemeClr val="tx1"/>
-                </a:solidFill>
-                <a:latin typeface="+mn-lt"/>
-                <a:ea typeface="+mn-ea"/>
-                <a:cs typeface="+mn-cs"/>
-              </a:defRPr>
-            </a:lvl1pPr>
-            <a:lvl2pPr marL="685800" indent="-228600" algn="l" defTabSz="914400" rtl="0" eaLnBrk="1" latinLnBrk="0" hangingPunct="1">
-              <a:lnSpc>
-                <a:spcPct val="90000"/>
-              </a:lnSpc>
-              <a:spcBef>
-                <a:spcPts val="500"/>
-              </a:spcBef>
-              <a:buFont typeface="Arial" panose="020B0604020202020204" pitchFamily="34" charset="0"/>
-              <a:buChar char="•"/>
-              <a:defRPr sz="2400" kern="1200">
-                <a:solidFill>
-                  <a:schemeClr val="tx1"/>
-                </a:solidFill>
-                <a:latin typeface="+mn-lt"/>
-                <a:ea typeface="+mn-ea"/>
-                <a:cs typeface="+mn-cs"/>
-              </a:defRPr>
-            </a:lvl2pPr>
-            <a:lvl3pPr marL="1143000" indent="-228600" algn="l" defTabSz="914400" rtl="0" eaLnBrk="1" latinLnBrk="0" hangingPunct="1">
-              <a:lnSpc>
-                <a:spcPct val="90000"/>
-              </a:lnSpc>
-              <a:spcBef>
-                <a:spcPts val="500"/>
-              </a:spcBef>
-              <a:buFont typeface="Arial" panose="020B0604020202020204" pitchFamily="34" charset="0"/>
-              <a:buChar char="•"/>
-              <a:defRPr sz="2000" kern="1200">
-                <a:solidFill>
-                  <a:schemeClr val="tx1"/>
-                </a:solidFill>
-                <a:latin typeface="+mn-lt"/>
-                <a:ea typeface="+mn-ea"/>
-                <a:cs typeface="+mn-cs"/>
-              </a:defRPr>
-            </a:lvl3pPr>
-            <a:lvl4pPr marL="1600200" indent="-228600" algn="l" defTabSz="914400" rtl="0" eaLnBrk="1" latinLnBrk="0" hangingPunct="1">
-              <a:lnSpc>
-                <a:spcPct val="90000"/>
-              </a:lnSpc>
-              <a:spcBef>
-                <a:spcPts val="500"/>
-              </a:spcBef>
-              <a:buFont typeface="Arial" panose="020B0604020202020204" pitchFamily="34" charset="0"/>
-              <a:buChar char="•"/>
-              <a:defRPr sz="1800" kern="1200">
-                <a:solidFill>
-                  <a:schemeClr val="tx1"/>
-                </a:solidFill>
-                <a:latin typeface="+mn-lt"/>
-                <a:ea typeface="+mn-ea"/>
-                <a:cs typeface="+mn-cs"/>
-              </a:defRPr>
-            </a:lvl4pPr>
-            <a:lvl5pPr marL="2057400" indent="-228600" algn="l" defTabSz="914400" rtl="0" eaLnBrk="1" latinLnBrk="0" hangingPunct="1">
-              <a:lnSpc>
-                <a:spcPct val="90000"/>
-              </a:lnSpc>
-              <a:spcBef>
-                <a:spcPts val="500"/>
-              </a:spcBef>
-              <a:buFont typeface="Arial" panose="020B0604020202020204" pitchFamily="34" charset="0"/>
-              <a:buChar char="•"/>
-              <a:defRPr sz="1800" kern="1200">
-                <a:solidFill>
-                  <a:schemeClr val="tx1"/>
-                </a:solidFill>
-                <a:latin typeface="+mn-lt"/>
-                <a:ea typeface="+mn-ea"/>
-                <a:cs typeface="+mn-cs"/>
-              </a:defRPr>
-            </a:lvl5pPr>
-            <a:lvl6pPr marL="2514600" indent="-228600" algn="l" defTabSz="914400" rtl="0" eaLnBrk="1" latinLnBrk="0" hangingPunct="1">
-              <a:lnSpc>
-                <a:spcPct val="90000"/>
-              </a:lnSpc>
-              <a:spcBef>
-                <a:spcPts val="500"/>
-              </a:spcBef>
-              <a:buFont typeface="Arial" panose="020B0604020202020204" pitchFamily="34" charset="0"/>
-              <a:buChar char="•"/>
-              <a:defRPr sz="1800" kern="1200">
-                <a:solidFill>
-                  <a:schemeClr val="tx1"/>
-                </a:solidFill>
-                <a:latin typeface="+mn-lt"/>
-                <a:ea typeface="+mn-ea"/>
-                <a:cs typeface="+mn-cs"/>
-              </a:defRPr>
-            </a:lvl6pPr>
-            <a:lvl7pPr marL="2971800" indent="-228600" algn="l" defTabSz="914400" rtl="0" eaLnBrk="1" latinLnBrk="0" hangingPunct="1">
-              <a:lnSpc>
-                <a:spcPct val="90000"/>
-              </a:lnSpc>
-              <a:spcBef>
-                <a:spcPts val="500"/>
-              </a:spcBef>
-              <a:buFont typeface="Arial" panose="020B0604020202020204" pitchFamily="34" charset="0"/>
-              <a:buChar char="•"/>
-              <a:defRPr sz="1800" kern="1200">
-                <a:solidFill>
-                  <a:schemeClr val="tx1"/>
-                </a:solidFill>
-                <a:latin typeface="+mn-lt"/>
-                <a:ea typeface="+mn-ea"/>
-                <a:cs typeface="+mn-cs"/>
-              </a:defRPr>
-            </a:lvl7pPr>
-            <a:lvl8pPr marL="3429000" indent="-228600" algn="l" defTabSz="914400" rtl="0" eaLnBrk="1" latinLnBrk="0" hangingPunct="1">
-              <a:lnSpc>
-                <a:spcPct val="90000"/>
-              </a:lnSpc>
-              <a:spcBef>
-                <a:spcPts val="500"/>
-              </a:spcBef>
-              <a:buFont typeface="Arial" panose="020B0604020202020204" pitchFamily="34" charset="0"/>
-              <a:buChar char="•"/>
-              <a:defRPr sz="1800" kern="1200">
-                <a:solidFill>
-                  <a:schemeClr val="tx1"/>
-                </a:solidFill>
-                <a:latin typeface="+mn-lt"/>
-                <a:ea typeface="+mn-ea"/>
-                <a:cs typeface="+mn-cs"/>
-              </a:defRPr>
-            </a:lvl8pPr>
-            <a:lvl9pPr marL="3886200" indent="-228600" algn="l" defTabSz="914400" rtl="0" eaLnBrk="1" latinLnBrk="0" hangingPunct="1">
-              <a:lnSpc>
-                <a:spcPct val="90000"/>
-              </a:lnSpc>
-              <a:spcBef>
-                <a:spcPts val="500"/>
-              </a:spcBef>
-              <a:buFont typeface="Arial" panose="020B0604020202020204" pitchFamily="34" charset="0"/>
-              <a:buChar char="•"/>
-              <a:defRPr sz="1800" kern="1200">
-                <a:solidFill>
-                  <a:schemeClr val="tx1"/>
-                </a:solidFill>
-                <a:latin typeface="+mn-lt"/>
-                <a:ea typeface="+mn-ea"/>
-                <a:cs typeface="+mn-cs"/>
-              </a:defRPr>
-            </a:lvl9pPr>
-          </a:lstStyle>
-          <a:p>
-            <a:r>
-              <a:rPr lang="en-US" sz="1800" b="1" dirty="0"/>
+          <a:p>
+            <a:r>
+              <a:rPr lang="en-US" sz="1600" b="1" dirty="0"/>
               <a:t>USGS</a:t>
             </a:r>
           </a:p>
           <a:p>
             <a:pPr lvl="1"/>
             <a:r>
-              <a:rPr lang="en-US" sz="1500" dirty="0"/>
+              <a:rPr lang="en-US" sz="1400" dirty="0"/>
               <a:t>Keith Loftin</a:t>
             </a:r>
           </a:p>
           <a:p>
             <a:pPr lvl="1"/>
             <a:r>
-              <a:rPr lang="en-US" sz="1500" dirty="0"/>
+              <a:rPr lang="en-US" sz="1400" dirty="0"/>
               <a:t>Jennifer Graham</a:t>
             </a:r>
           </a:p>
           <a:p>
             <a:pPr lvl="1"/>
             <a:r>
-              <a:rPr lang="en-US" sz="1500" dirty="0"/>
+              <a:rPr lang="en-US" sz="1400" dirty="0"/>
               <a:t>???</a:t>
             </a:r>
           </a:p>
-        </p:txBody>
-      </p:sp>
-      <p:sp>
-        <p:nvSpPr>
-          <p:cNvPr id="12" name="Content Placeholder 2">
-            <a:extLst>
-              <a:ext uri="{FF2B5EF4-FFF2-40B4-BE49-F238E27FC236}">
-                <a16:creationId xmlns:a16="http://schemas.microsoft.com/office/drawing/2014/main" id="{611A1480-B94C-44F3-BAFA-983D6ECE9E82}"/>
-              </a:ext>
-            </a:extLst>
-          </p:cNvPr>
-          <p:cNvSpPr txBox="1">
-            <a:spLocks/>
-          </p:cNvSpPr>
-          <p:nvPr/>
-        </p:nvSpPr>
-        <p:spPr>
-          <a:xfrm>
-            <a:off x="8265257" y="3842973"/>
-            <a:ext cx="3985469" cy="1158496"/>
-          </a:xfrm>
-          <a:prstGeom prst="rect">
-            <a:avLst/>
-          </a:prstGeom>
-        </p:spPr>
-        <p:txBody>
-          <a:bodyPr vert="horz" lIns="91440" tIns="45720" rIns="91440" bIns="45720" rtlCol="0">
-            <a:normAutofit/>
-          </a:bodyPr>
-          <a:lstStyle>
-            <a:lvl1pPr marL="228600" indent="-228600" algn="l" defTabSz="914400" rtl="0" eaLnBrk="1" latinLnBrk="0" hangingPunct="1">
-              <a:lnSpc>
-                <a:spcPct val="90000"/>
-              </a:lnSpc>
-              <a:spcBef>
-                <a:spcPts val="1000"/>
-              </a:spcBef>
-              <a:buFont typeface="Arial" panose="020B0604020202020204" pitchFamily="34" charset="0"/>
-              <a:buChar char="•"/>
-              <a:defRPr sz="2800" kern="1200">
-                <a:solidFill>
-                  <a:schemeClr val="tx1"/>
-                </a:solidFill>
-                <a:latin typeface="+mn-lt"/>
-                <a:ea typeface="+mn-ea"/>
-                <a:cs typeface="+mn-cs"/>
-              </a:defRPr>
-            </a:lvl1pPr>
-            <a:lvl2pPr marL="685800" indent="-228600" algn="l" defTabSz="914400" rtl="0" eaLnBrk="1" latinLnBrk="0" hangingPunct="1">
-              <a:lnSpc>
-                <a:spcPct val="90000"/>
-              </a:lnSpc>
-              <a:spcBef>
-                <a:spcPts val="500"/>
-              </a:spcBef>
-              <a:buFont typeface="Arial" panose="020B0604020202020204" pitchFamily="34" charset="0"/>
-              <a:buChar char="•"/>
-              <a:defRPr sz="2400" kern="1200">
-                <a:solidFill>
-                  <a:schemeClr val="tx1"/>
-                </a:solidFill>
-                <a:latin typeface="+mn-lt"/>
-                <a:ea typeface="+mn-ea"/>
-                <a:cs typeface="+mn-cs"/>
-              </a:defRPr>
-            </a:lvl2pPr>
-            <a:lvl3pPr marL="1143000" indent="-228600" algn="l" defTabSz="914400" rtl="0" eaLnBrk="1" latinLnBrk="0" hangingPunct="1">
-              <a:lnSpc>
-                <a:spcPct val="90000"/>
-              </a:lnSpc>
-              <a:spcBef>
-                <a:spcPts val="500"/>
-              </a:spcBef>
-              <a:buFont typeface="Arial" panose="020B0604020202020204" pitchFamily="34" charset="0"/>
-              <a:buChar char="•"/>
-              <a:defRPr sz="2000" kern="1200">
-                <a:solidFill>
-                  <a:schemeClr val="tx1"/>
-                </a:solidFill>
-                <a:latin typeface="+mn-lt"/>
-                <a:ea typeface="+mn-ea"/>
-                <a:cs typeface="+mn-cs"/>
-              </a:defRPr>
-            </a:lvl3pPr>
-            <a:lvl4pPr marL="1600200" indent="-228600" algn="l" defTabSz="914400" rtl="0" eaLnBrk="1" latinLnBrk="0" hangingPunct="1">
-              <a:lnSpc>
-                <a:spcPct val="90000"/>
-              </a:lnSpc>
-              <a:spcBef>
-                <a:spcPts val="500"/>
-              </a:spcBef>
-              <a:buFont typeface="Arial" panose="020B0604020202020204" pitchFamily="34" charset="0"/>
-              <a:buChar char="•"/>
-              <a:defRPr sz="1800" kern="1200">
-                <a:solidFill>
-                  <a:schemeClr val="tx1"/>
-                </a:solidFill>
-                <a:latin typeface="+mn-lt"/>
-                <a:ea typeface="+mn-ea"/>
-                <a:cs typeface="+mn-cs"/>
-              </a:defRPr>
-            </a:lvl4pPr>
-            <a:lvl5pPr marL="2057400" indent="-228600" algn="l" defTabSz="914400" rtl="0" eaLnBrk="1" latinLnBrk="0" hangingPunct="1">
-              <a:lnSpc>
-                <a:spcPct val="90000"/>
-              </a:lnSpc>
-              <a:spcBef>
-                <a:spcPts val="500"/>
-              </a:spcBef>
-              <a:buFont typeface="Arial" panose="020B0604020202020204" pitchFamily="34" charset="0"/>
-              <a:buChar char="•"/>
-              <a:defRPr sz="1800" kern="1200">
-                <a:solidFill>
-                  <a:schemeClr val="tx1"/>
-                </a:solidFill>
-                <a:latin typeface="+mn-lt"/>
-                <a:ea typeface="+mn-ea"/>
-                <a:cs typeface="+mn-cs"/>
-              </a:defRPr>
-            </a:lvl5pPr>
-            <a:lvl6pPr marL="2514600" indent="-228600" algn="l" defTabSz="914400" rtl="0" eaLnBrk="1" latinLnBrk="0" hangingPunct="1">
-              <a:lnSpc>
-                <a:spcPct val="90000"/>
-              </a:lnSpc>
-              <a:spcBef>
-                <a:spcPts val="500"/>
-              </a:spcBef>
-              <a:buFont typeface="Arial" panose="020B0604020202020204" pitchFamily="34" charset="0"/>
-              <a:buChar char="•"/>
-              <a:defRPr sz="1800" kern="1200">
-                <a:solidFill>
-                  <a:schemeClr val="tx1"/>
-                </a:solidFill>
-                <a:latin typeface="+mn-lt"/>
-                <a:ea typeface="+mn-ea"/>
-                <a:cs typeface="+mn-cs"/>
-              </a:defRPr>
-            </a:lvl6pPr>
-            <a:lvl7pPr marL="2971800" indent="-228600" algn="l" defTabSz="914400" rtl="0" eaLnBrk="1" latinLnBrk="0" hangingPunct="1">
-              <a:lnSpc>
-                <a:spcPct val="90000"/>
-              </a:lnSpc>
-              <a:spcBef>
-                <a:spcPts val="500"/>
-              </a:spcBef>
-              <a:buFont typeface="Arial" panose="020B0604020202020204" pitchFamily="34" charset="0"/>
-              <a:buChar char="•"/>
-              <a:defRPr sz="1800" kern="1200">
-                <a:solidFill>
-                  <a:schemeClr val="tx1"/>
-                </a:solidFill>
-                <a:latin typeface="+mn-lt"/>
-                <a:ea typeface="+mn-ea"/>
-                <a:cs typeface="+mn-cs"/>
-              </a:defRPr>
-            </a:lvl7pPr>
-            <a:lvl8pPr marL="3429000" indent="-228600" algn="l" defTabSz="914400" rtl="0" eaLnBrk="1" latinLnBrk="0" hangingPunct="1">
-              <a:lnSpc>
-                <a:spcPct val="90000"/>
-              </a:lnSpc>
-              <a:spcBef>
-                <a:spcPts val="500"/>
-              </a:spcBef>
-              <a:buFont typeface="Arial" panose="020B0604020202020204" pitchFamily="34" charset="0"/>
-              <a:buChar char="•"/>
-              <a:defRPr sz="1800" kern="1200">
-                <a:solidFill>
-                  <a:schemeClr val="tx1"/>
-                </a:solidFill>
-                <a:latin typeface="+mn-lt"/>
-                <a:ea typeface="+mn-ea"/>
-                <a:cs typeface="+mn-cs"/>
-              </a:defRPr>
-            </a:lvl8pPr>
-            <a:lvl9pPr marL="3886200" indent="-228600" algn="l" defTabSz="914400" rtl="0" eaLnBrk="1" latinLnBrk="0" hangingPunct="1">
-              <a:lnSpc>
-                <a:spcPct val="90000"/>
-              </a:lnSpc>
-              <a:spcBef>
-                <a:spcPts val="500"/>
-              </a:spcBef>
-              <a:buFont typeface="Arial" panose="020B0604020202020204" pitchFamily="34" charset="0"/>
-              <a:buChar char="•"/>
-              <a:defRPr sz="1800" kern="1200">
-                <a:solidFill>
-                  <a:schemeClr val="tx1"/>
-                </a:solidFill>
-                <a:latin typeface="+mn-lt"/>
-                <a:ea typeface="+mn-ea"/>
-                <a:cs typeface="+mn-cs"/>
-              </a:defRPr>
-            </a:lvl9pPr>
-          </a:lstStyle>
-          <a:p>
-            <a:r>
-              <a:rPr lang="en-US" sz="1800" b="1" dirty="0"/>
-              <a:t>Rhode Island</a:t>
-            </a:r>
-          </a:p>
-          <a:p>
-            <a:pPr lvl="1"/>
-            <a:r>
-              <a:rPr lang="en-US" sz="1500" dirty="0"/>
-              <a:t>Friends of Warwick Pond</a:t>
-            </a:r>
-          </a:p>
-          <a:p>
-            <a:pPr lvl="1"/>
-            <a:r>
-              <a:rPr lang="en-US" sz="1500" dirty="0"/>
-              <a:t>Mashapaug Folks</a:t>
-            </a:r>
-          </a:p>
-          <a:p>
-            <a:pPr lvl="1"/>
-            <a:r>
-              <a:rPr lang="en-US" sz="1500" dirty="0"/>
-              <a:t>???</a:t>
-            </a:r>
+          <a:p>
+            <a:pPr marL="457200" lvl="1" indent="0">
+              <a:buNone/>
+            </a:pPr>
+            <a:endParaRPr lang="en-US" sz="1500" dirty="0"/>
+          </a:p>
+          <a:p>
+            <a:pPr marL="457200" lvl="1" indent="0">
+              <a:buNone/>
+            </a:pPr>
+            <a:endParaRPr lang="en-US" sz="1500" dirty="0"/>
           </a:p>
         </p:txBody>
       </p:sp>
@@ -6282,6 +5235,51 @@
           </a:prstGeom>
         </p:spPr>
       </p:pic>
+      <p:sp>
+        <p:nvSpPr>
+          <p:cNvPr id="3" name="TextBox 2">
+            <a:extLst>
+              <a:ext uri="{FF2B5EF4-FFF2-40B4-BE49-F238E27FC236}">
+                <a16:creationId xmlns:a16="http://schemas.microsoft.com/office/drawing/2014/main" id="{BDEBE704-B4AF-4F73-94A8-BA246DC81373}"/>
+              </a:ext>
+            </a:extLst>
+          </p:cNvPr>
+          <p:cNvSpPr txBox="1"/>
+          <p:nvPr/>
+        </p:nvSpPr>
+        <p:spPr>
+          <a:xfrm>
+            <a:off x="6450731" y="6492875"/>
+            <a:ext cx="5665177" cy="230832"/>
+          </a:xfrm>
+          <a:prstGeom prst="rect">
+            <a:avLst/>
+          </a:prstGeom>
+          <a:noFill/>
+        </p:spPr>
+        <p:txBody>
+          <a:bodyPr wrap="square" rtlCol="0">
+            <a:spAutoFit/>
+          </a:bodyPr>
+          <a:lstStyle/>
+          <a:p>
+            <a:r>
+              <a:rPr lang="en-US" sz="900" dirty="0"/>
+              <a:t>Drew Conway’s Data Science Venn Diagram: </a:t>
+            </a:r>
+            <a:r>
+              <a:rPr lang="en-US" sz="900" dirty="0">
+                <a:hlinkClick r:id="rId3"/>
+              </a:rPr>
+              <a:t>http://drewconway.com/zia/2013/3/26/the-data-science-venn-diagram</a:t>
+            </a:r>
+            <a:r>
+              <a:rPr lang="en-US" sz="900" dirty="0"/>
+              <a:t> </a:t>
+            </a:r>
+          </a:p>
+        </p:txBody>
+      </p:sp>
     </p:spTree>
     <p:extLst>
       <p:ext uri="{BB962C8B-B14F-4D97-AF65-F5344CB8AC3E}">
@@ -6335,7 +5333,7 @@
           <a:p>
             <a:r>
               <a:rPr lang="en-US" dirty="0"/>
-              <a:t>How we do computational ecology: ACESD Approach</a:t>
+              <a:t>What are we doing to support computation ecology research?</a:t>
             </a:r>
           </a:p>
         </p:txBody>
@@ -6358,8 +5356,8 @@
         </p:nvSpPr>
         <p:spPr>
           <a:xfrm>
-            <a:off x="325315" y="1825625"/>
-            <a:ext cx="11535507" cy="4351338"/>
+            <a:off x="350483" y="2010183"/>
+            <a:ext cx="5370810" cy="4351338"/>
           </a:xfrm>
         </p:spPr>
         <p:txBody>
@@ -6370,34 +5368,43 @@
           <a:p>
             <a:r>
               <a:rPr lang="en-US" dirty="0"/>
-              <a:t>Advance ACESD and EPA research with the use of computational and data intensive approaches</a:t>
-            </a:r>
-          </a:p>
-          <a:p>
+              <a:t>Advocate</a:t>
+            </a:r>
+          </a:p>
+          <a:p>
+            <a:pPr lvl="1"/>
             <a:r>
               <a:rPr lang="en-US" dirty="0"/>
-              <a:t>Build expertise in data science, modelling, and informatics</a:t>
-            </a:r>
-          </a:p>
-          <a:p>
+              <a:t>Computational/Data Intensive Research</a:t>
+            </a:r>
+          </a:p>
+          <a:p>
+            <a:pPr lvl="1"/>
             <a:r>
               <a:rPr lang="en-US" dirty="0"/>
-              <a:t>Integrate lab, field, and existing data to answer EPA relevant questions</a:t>
+              <a:t>Agency data science initiatives</a:t>
             </a:r>
           </a:p>
           <a:p>
             <a:r>
               <a:rPr lang="en-US" dirty="0"/>
-              <a:t>Provide training for both ORD and the Agency</a:t>
+              <a:t>Build expertise</a:t>
             </a:r>
           </a:p>
           <a:p>
             <a:r>
               <a:rPr lang="en-US" dirty="0"/>
-              <a:t>Support and advocate for Agency-wide data science initiatives </a:t>
-            </a:r>
-          </a:p>
-          <a:p>
+              <a:t>Support other research efforts</a:t>
+            </a:r>
+          </a:p>
+          <a:p>
+            <a:r>
+              <a:rPr lang="en-US" dirty="0"/>
+              <a:t>Apply to our own research</a:t>
+            </a:r>
+          </a:p>
+          <a:p>
+            <a:pPr lvl="1"/>
             <a:r>
               <a:rPr lang="en-US" dirty="0"/>
               <a:t>Current focus: Freshwater ecology and HABs</a:t>
@@ -6541,7 +5548,7 @@
           <a:p>
             <a:r>
               <a:rPr lang="en-US" dirty="0"/>
-              <a:t>How we do computational ecology: Cyanobacteria</a:t>
+              <a:t>How we do computational ecology: Why Cyanobacteria</a:t>
             </a:r>
           </a:p>
         </p:txBody>
@@ -6569,16 +5576,48 @@
           <a:p>
             <a:r>
               <a:rPr lang="en-US" dirty="0"/>
-              <a:t>Why </a:t>
-            </a:r>
-            <a:r>
-              <a:rPr lang="en-US" dirty="0" err="1"/>
-              <a:t>cyanos</a:t>
-            </a:r>
+              <a:t>Primordial ooze</a:t>
+            </a:r>
+          </a:p>
+          <a:p>
             <a:r>
               <a:rPr lang="en-US" dirty="0"/>
-              <a:t>?</a:t>
-            </a:r>
+              <a:t>They are everywhere</a:t>
+            </a:r>
+          </a:p>
+          <a:p>
+            <a:r>
+              <a:rPr lang="en-US" dirty="0"/>
+              <a:t>Problems with excess nutrients</a:t>
+            </a:r>
+          </a:p>
+          <a:p>
+            <a:r>
+              <a:rPr lang="en-US" dirty="0"/>
+              <a:t>Toxins</a:t>
+            </a:r>
+          </a:p>
+          <a:p>
+            <a:r>
+              <a:rPr lang="en-US" dirty="0"/>
+              <a:t>Hypoxia</a:t>
+            </a:r>
+          </a:p>
+          <a:p>
+            <a:r>
+              <a:rPr lang="en-US" dirty="0"/>
+              <a:t>Agency Priority</a:t>
+            </a:r>
+          </a:p>
+          <a:p>
+            <a:r>
+              <a:rPr lang="en-US" dirty="0"/>
+              <a:t>Lots we don’t know</a:t>
+            </a:r>
+          </a:p>
+          <a:p>
+            <a:pPr lvl="1"/>
+            <a:endParaRPr lang="en-US" dirty="0"/>
           </a:p>
         </p:txBody>
       </p:sp>
@@ -7142,6 +6181,47 @@
 </file>
 
 <file path=customXml/item1.xml><?xml version="1.0" encoding="utf-8"?>
+<p:properties xmlns:p="http://schemas.microsoft.com/office/2006/metadata/properties" xmlns:xsi="http://www.w3.org/2001/XMLSchema-instance" xmlns:pc="http://schemas.microsoft.com/office/infopath/2007/PartnerControls">
+  <documentManagement>
+    <_Source xmlns="http://schemas.microsoft.com/sharepoint/v3/fields" xsi:nil="true"/>
+    <Language xmlns="http://schemas.microsoft.com/sharepoint/v3">English</Language>
+    <j747ac98061d40f0aa7bd47e1db5675d xmlns="4ffa91fb-a0ff-4ac5-b2db-65c790d184a4">
+      <Terms xmlns="http://schemas.microsoft.com/office/infopath/2007/PartnerControls"/>
+    </j747ac98061d40f0aa7bd47e1db5675d>
+    <Records_x0020_Status xmlns="d66f6b78-8d1c-4239-941e-6434ee9815fa">Pending</Records_x0020_Status>
+    <External_x0020_Contributor xmlns="4ffa91fb-a0ff-4ac5-b2db-65c790d184a4" xsi:nil="true"/>
+    <TaxKeywordTaxHTField xmlns="4ffa91fb-a0ff-4ac5-b2db-65c790d184a4">
+      <Terms xmlns="http://schemas.microsoft.com/office/infopath/2007/PartnerControls"/>
+    </TaxKeywordTaxHTField>
+    <Record xmlns="4ffa91fb-a0ff-4ac5-b2db-65c790d184a4">Shared</Record>
+    <Rights xmlns="4ffa91fb-a0ff-4ac5-b2db-65c790d184a4" xsi:nil="true"/>
+    <Document_x0020_Creation_x0020_Date xmlns="4ffa91fb-a0ff-4ac5-b2db-65c790d184a4">2020-03-23T15:47:59+00:00</Document_x0020_Creation_x0020_Date>
+    <EPA_x0020_Office xmlns="4ffa91fb-a0ff-4ac5-b2db-65c790d184a4" xsi:nil="true"/>
+    <CategoryDescription xmlns="http://schemas.microsoft.com/sharepoint.v3" xsi:nil="true"/>
+    <Identifier xmlns="4ffa91fb-a0ff-4ac5-b2db-65c790d184a4" xsi:nil="true"/>
+    <_Coverage xmlns="http://schemas.microsoft.com/sharepoint/v3/fields" xsi:nil="true"/>
+    <Creator xmlns="4ffa91fb-a0ff-4ac5-b2db-65c790d184a4">
+      <UserInfo>
+        <DisplayName/>
+        <AccountId xsi:nil="true"/>
+        <AccountType/>
+      </UserInfo>
+    </Creator>
+    <EPA_x0020_Related_x0020_Documents xmlns="4ffa91fb-a0ff-4ac5-b2db-65c790d184a4" xsi:nil="true"/>
+    <EPA_x0020_Contributor xmlns="4ffa91fb-a0ff-4ac5-b2db-65c790d184a4">
+      <UserInfo>
+        <DisplayName/>
+        <AccountId xsi:nil="true"/>
+        <AccountType/>
+      </UserInfo>
+    </EPA_x0020_Contributor>
+    <TaxCatchAll xmlns="4ffa91fb-a0ff-4ac5-b2db-65c790d184a4"/>
+    <Records_x0020_Date xmlns="d66f6b78-8d1c-4239-941e-6434ee9815fa" xsi:nil="true"/>
+  </documentManagement>
+</p:properties>
+</file>
+
+<file path=customXml/item2.xml><?xml version="1.0" encoding="utf-8"?>
 <ct:contentTypeSchema xmlns:ct="http://schemas.microsoft.com/office/2006/metadata/contentType" xmlns:ma="http://schemas.microsoft.com/office/2006/metadata/properties/metaAttributes" ct:_="" ma:_="" ma:contentTypeName="Document" ma:contentTypeID="0x010100B7E83DA08AE9B94892D71BD73E6C1D31" ma:contentTypeVersion="34" ma:contentTypeDescription="Create a new document." ma:contentTypeScope="" ma:versionID="26ca887627fce61900918bb13611a3c1">
   <xsd:schema xmlns:xsd="http://www.w3.org/2001/XMLSchema" xmlns:xs="http://www.w3.org/2001/XMLSchema" xmlns:p="http://schemas.microsoft.com/office/2006/metadata/properties" xmlns:ns1="http://schemas.microsoft.com/sharepoint/v3" xmlns:ns3="4ffa91fb-a0ff-4ac5-b2db-65c790d184a4" xmlns:ns4="http://schemas.microsoft.com/sharepoint.v3" xmlns:ns5="http://schemas.microsoft.com/sharepoint/v3/fields" xmlns:ns6="d66f6b78-8d1c-4239-941e-6434ee9815fa" xmlns:ns7="1802dde1-0cf1-4443-9db9-865b1e57eedd" targetNamespace="http://schemas.microsoft.com/office/2006/metadata/properties" ma:root="true" ma:fieldsID="c93c56a2e981212d88409f8500a8442f" ns1:_="" ns3:_="" ns4:_="" ns5:_="" ns6:_="" ns7:_="">
     <xsd:import namespace="http://schemas.microsoft.com/sharepoint/v3"/>
@@ -7604,48 +6684,12 @@
 </ct:contentTypeSchema>
 </file>
 
-<file path=customXml/item2.xml><?xml version="1.0" encoding="utf-8"?>
-<p:properties xmlns:p="http://schemas.microsoft.com/office/2006/metadata/properties" xmlns:xsi="http://www.w3.org/2001/XMLSchema-instance" xmlns:pc="http://schemas.microsoft.com/office/infopath/2007/PartnerControls">
-  <documentManagement>
-    <_Source xmlns="http://schemas.microsoft.com/sharepoint/v3/fields" xsi:nil="true"/>
-    <Language xmlns="http://schemas.microsoft.com/sharepoint/v3">English</Language>
-    <j747ac98061d40f0aa7bd47e1db5675d xmlns="4ffa91fb-a0ff-4ac5-b2db-65c790d184a4">
-      <Terms xmlns="http://schemas.microsoft.com/office/infopath/2007/PartnerControls"/>
-    </j747ac98061d40f0aa7bd47e1db5675d>
-    <Records_x0020_Status xmlns="d66f6b78-8d1c-4239-941e-6434ee9815fa">Pending</Records_x0020_Status>
-    <External_x0020_Contributor xmlns="4ffa91fb-a0ff-4ac5-b2db-65c790d184a4" xsi:nil="true"/>
-    <TaxKeywordTaxHTField xmlns="4ffa91fb-a0ff-4ac5-b2db-65c790d184a4">
-      <Terms xmlns="http://schemas.microsoft.com/office/infopath/2007/PartnerControls"/>
-    </TaxKeywordTaxHTField>
-    <Record xmlns="4ffa91fb-a0ff-4ac5-b2db-65c790d184a4">Shared</Record>
-    <Rights xmlns="4ffa91fb-a0ff-4ac5-b2db-65c790d184a4" xsi:nil="true"/>
-    <Document_x0020_Creation_x0020_Date xmlns="4ffa91fb-a0ff-4ac5-b2db-65c790d184a4">2020-03-23T15:47:59+00:00</Document_x0020_Creation_x0020_Date>
-    <EPA_x0020_Office xmlns="4ffa91fb-a0ff-4ac5-b2db-65c790d184a4" xsi:nil="true"/>
-    <CategoryDescription xmlns="http://schemas.microsoft.com/sharepoint.v3" xsi:nil="true"/>
-    <Identifier xmlns="4ffa91fb-a0ff-4ac5-b2db-65c790d184a4" xsi:nil="true"/>
-    <_Coverage xmlns="http://schemas.microsoft.com/sharepoint/v3/fields" xsi:nil="true"/>
-    <Creator xmlns="4ffa91fb-a0ff-4ac5-b2db-65c790d184a4">
-      <UserInfo>
-        <DisplayName/>
-        <AccountId xsi:nil="true"/>
-        <AccountType/>
-      </UserInfo>
-    </Creator>
-    <EPA_x0020_Related_x0020_Documents xmlns="4ffa91fb-a0ff-4ac5-b2db-65c790d184a4" xsi:nil="true"/>
-    <EPA_x0020_Contributor xmlns="4ffa91fb-a0ff-4ac5-b2db-65c790d184a4">
-      <UserInfo>
-        <DisplayName/>
-        <AccountId xsi:nil="true"/>
-        <AccountType/>
-      </UserInfo>
-    </EPA_x0020_Contributor>
-    <TaxCatchAll xmlns="4ffa91fb-a0ff-4ac5-b2db-65c790d184a4"/>
-    <Records_x0020_Date xmlns="d66f6b78-8d1c-4239-941e-6434ee9815fa" xsi:nil="true"/>
-  </documentManagement>
-</p:properties>
+<file path=customXml/item3.xml><?xml version="1.0" encoding="utf-8"?>
+<?mso-contentType ?>
+<SharedContentType xmlns="Microsoft.SharePoint.Taxonomy.ContentTypeSync" SourceId="29f62856-1543-49d4-a736-4569d363f533" ContentTypeId="0x0101" PreviousValue="false"/>
 </file>
 
-<file path=customXml/item3.xml><?xml version="1.0" encoding="utf-8"?>
+<file path=customXml/item4.xml><?xml version="1.0" encoding="utf-8"?>
 <?mso-contentType ?>
 <FormTemplates xmlns="http://schemas.microsoft.com/sharepoint/v3/contenttype/forms">
   <Display>DocumentLibraryForm</Display>
@@ -7654,12 +6698,28 @@
 </FormTemplates>
 </file>
 
-<file path=customXml/item4.xml><?xml version="1.0" encoding="utf-8"?>
-<?mso-contentType ?>
-<SharedContentType xmlns="Microsoft.SharePoint.Taxonomy.ContentTypeSync" SourceId="29f62856-1543-49d4-a736-4569d363f533" ContentTypeId="0x0101" PreviousValue="false"/>
+<file path=customXml/itemProps1.xml><?xml version="1.0" encoding="utf-8"?>
+<ds:datastoreItem xmlns:ds="http://schemas.openxmlformats.org/officeDocument/2006/customXml" ds:itemID="{6A20F876-B455-44A6-A342-1945678DA8AF}">
+  <ds:schemaRefs>
+    <ds:schemaRef ds:uri="http://schemas.microsoft.com/sharepoint.v3"/>
+    <ds:schemaRef ds:uri="http://schemas.microsoft.com/sharepoint/v3"/>
+    <ds:schemaRef ds:uri="http://purl.org/dc/terms/"/>
+    <ds:schemaRef ds:uri="d66f6b78-8d1c-4239-941e-6434ee9815fa"/>
+    <ds:schemaRef ds:uri="http://schemas.microsoft.com/sharepoint/v3/fields"/>
+    <ds:schemaRef ds:uri="http://purl.org/dc/dcmitype/"/>
+    <ds:schemaRef ds:uri="http://schemas.microsoft.com/office/infopath/2007/PartnerControls"/>
+    <ds:schemaRef ds:uri="http://schemas.openxmlformats.org/package/2006/metadata/core-properties"/>
+    <ds:schemaRef ds:uri="http://purl.org/dc/elements/1.1/"/>
+    <ds:schemaRef ds:uri="http://schemas.microsoft.com/office/2006/metadata/properties"/>
+    <ds:schemaRef ds:uri="http://schemas.microsoft.com/office/2006/documentManagement/types"/>
+    <ds:schemaRef ds:uri="1802dde1-0cf1-4443-9db9-865b1e57eedd"/>
+    <ds:schemaRef ds:uri="4ffa91fb-a0ff-4ac5-b2db-65c790d184a4"/>
+    <ds:schemaRef ds:uri="http://www.w3.org/XML/1998/namespace"/>
+  </ds:schemaRefs>
+</ds:datastoreItem>
 </file>
 
-<file path=customXml/itemProps1.xml><?xml version="1.0" encoding="utf-8"?>
+<file path=customXml/itemProps2.xml><?xml version="1.0" encoding="utf-8"?>
 <ds:datastoreItem xmlns:ds="http://schemas.openxmlformats.org/officeDocument/2006/customXml" ds:itemID="{D2C8B0A6-4F21-4369-861C-126941874F27}">
   <ds:schemaRefs>
     <ds:schemaRef ds:uri="http://schemas.microsoft.com/office/2006/metadata/contentType"/>
@@ -7682,39 +6742,18 @@
 </ds:datastoreItem>
 </file>
 
-<file path=customXml/itemProps2.xml><?xml version="1.0" encoding="utf-8"?>
-<ds:datastoreItem xmlns:ds="http://schemas.openxmlformats.org/officeDocument/2006/customXml" ds:itemID="{6A20F876-B455-44A6-A342-1945678DA8AF}">
+<file path=customXml/itemProps3.xml><?xml version="1.0" encoding="utf-8"?>
+<ds:datastoreItem xmlns:ds="http://schemas.openxmlformats.org/officeDocument/2006/customXml" ds:itemID="{47DB1DBB-8C1F-464F-9E94-E38760128386}">
   <ds:schemaRefs>
-    <ds:schemaRef ds:uri="http://purl.org/dc/dcmitype/"/>
-    <ds:schemaRef ds:uri="1802dde1-0cf1-4443-9db9-865b1e57eedd"/>
-    <ds:schemaRef ds:uri="d66f6b78-8d1c-4239-941e-6434ee9815fa"/>
-    <ds:schemaRef ds:uri="http://purl.org/dc/elements/1.1/"/>
-    <ds:schemaRef ds:uri="http://schemas.microsoft.com/office/2006/metadata/properties"/>
-    <ds:schemaRef ds:uri="http://schemas.microsoft.com/office/2006/documentManagement/types"/>
-    <ds:schemaRef ds:uri="http://schemas.microsoft.com/sharepoint/v3"/>
-    <ds:schemaRef ds:uri="http://schemas.microsoft.com/office/infopath/2007/PartnerControls"/>
-    <ds:schemaRef ds:uri="http://purl.org/dc/terms/"/>
-    <ds:schemaRef ds:uri="4ffa91fb-a0ff-4ac5-b2db-65c790d184a4"/>
-    <ds:schemaRef ds:uri="http://schemas.microsoft.com/sharepoint.v3"/>
-    <ds:schemaRef ds:uri="http://schemas.openxmlformats.org/package/2006/metadata/core-properties"/>
-    <ds:schemaRef ds:uri="http://schemas.microsoft.com/sharepoint/v3/fields"/>
-    <ds:schemaRef ds:uri="http://www.w3.org/XML/1998/namespace"/>
+    <ds:schemaRef ds:uri="Microsoft.SharePoint.Taxonomy.ContentTypeSync"/>
   </ds:schemaRefs>
 </ds:datastoreItem>
 </file>
 
-<file path=customXml/itemProps3.xml><?xml version="1.0" encoding="utf-8"?>
+<file path=customXml/itemProps4.xml><?xml version="1.0" encoding="utf-8"?>
 <ds:datastoreItem xmlns:ds="http://schemas.openxmlformats.org/officeDocument/2006/customXml" ds:itemID="{6B0B7F2F-2A95-4919-81B4-828FEA425F0C}">
   <ds:schemaRefs>
     <ds:schemaRef ds:uri="http://schemas.microsoft.com/sharepoint/v3/contenttype/forms"/>
   </ds:schemaRefs>
 </ds:datastoreItem>
-</file>
-
-<file path=customXml/itemProps4.xml><?xml version="1.0" encoding="utf-8"?>
-<ds:datastoreItem xmlns:ds="http://schemas.openxmlformats.org/officeDocument/2006/customXml" ds:itemID="{47DB1DBB-8C1F-464F-9E94-E38760128386}">
-  <ds:schemaRefs>
-    <ds:schemaRef ds:uri="Microsoft.SharePoint.Taxonomy.ContentTypeSync"/>
-  </ds:schemaRefs>
-</ds:datastoreItem>
 </file>
--- a/hollister_eco_with_computers.pptx
+++ b/hollister_eco_with_computers.pptx
@@ -12,15 +12,16 @@
     <p:sldId id="260" r:id="rId10"/>
     <p:sldId id="261" r:id="rId11"/>
     <p:sldId id="262" r:id="rId12"/>
-    <p:sldId id="263" r:id="rId13"/>
-    <p:sldId id="264" r:id="rId14"/>
-    <p:sldId id="265" r:id="rId15"/>
-    <p:sldId id="266" r:id="rId16"/>
-    <p:sldId id="267" r:id="rId17"/>
-    <p:sldId id="268" r:id="rId18"/>
-    <p:sldId id="269" r:id="rId19"/>
-    <p:sldId id="270" r:id="rId20"/>
-    <p:sldId id="271" r:id="rId21"/>
+    <p:sldId id="306" r:id="rId13"/>
+    <p:sldId id="263" r:id="rId14"/>
+    <p:sldId id="264" r:id="rId15"/>
+    <p:sldId id="265" r:id="rId16"/>
+    <p:sldId id="266" r:id="rId17"/>
+    <p:sldId id="267" r:id="rId18"/>
+    <p:sldId id="268" r:id="rId19"/>
+    <p:sldId id="269" r:id="rId20"/>
+    <p:sldId id="270" r:id="rId21"/>
+    <p:sldId id="271" r:id="rId22"/>
   </p:sldIdLst>
   <p:sldSz cx="12192000" cy="6858000"/>
   <p:notesSz cx="6858000" cy="9144000"/>
@@ -131,8 +132,8 @@
 <pc:chgInfo xmlns:a="http://schemas.openxmlformats.org/drawingml/2006/main" xmlns:r="http://schemas.openxmlformats.org/officeDocument/2006/relationships" xmlns:ac="http://schemas.microsoft.com/office/drawing/2013/main/command" xmlns:pc="http://schemas.microsoft.com/office/powerpoint/2013/main/command">
   <pc:docChgLst>
     <pc:chgData name="Hollister, Jeff" userId="90904e2a-aa82-465e-9922-afce4bc6d524" providerId="ADAL" clId="{50169585-C60B-4062-B98A-C08FA872BD4F}"/>
-    <pc:docChg chg="undo custSel modSld">
-      <pc:chgData name="Hollister, Jeff" userId="90904e2a-aa82-465e-9922-afce4bc6d524" providerId="ADAL" clId="{50169585-C60B-4062-B98A-C08FA872BD4F}" dt="2020-03-24T20:29:38.584" v="1739" actId="20577"/>
+    <pc:docChg chg="undo custSel addSld delSld modSld">
+      <pc:chgData name="Hollister, Jeff" userId="90904e2a-aa82-465e-9922-afce4bc6d524" providerId="ADAL" clId="{50169585-C60B-4062-B98A-C08FA872BD4F}" dt="2020-03-25T15:04:20.372" v="2153" actId="404"/>
       <pc:docMkLst>
         <pc:docMk/>
       </pc:docMkLst>
@@ -340,6 +341,264 @@
           </ac:spMkLst>
         </pc:spChg>
       </pc:sldChg>
+      <pc:sldChg chg="addSp delSp modSp">
+        <pc:chgData name="Hollister, Jeff" userId="90904e2a-aa82-465e-9922-afce4bc6d524" providerId="ADAL" clId="{50169585-C60B-4062-B98A-C08FA872BD4F}" dt="2020-03-25T14:51:46.257" v="2143" actId="403"/>
+        <pc:sldMkLst>
+          <pc:docMk/>
+          <pc:sldMk cId="159333852" sldId="262"/>
+        </pc:sldMkLst>
+        <pc:spChg chg="del mod">
+          <ac:chgData name="Hollister, Jeff" userId="90904e2a-aa82-465e-9922-afce4bc6d524" providerId="ADAL" clId="{50169585-C60B-4062-B98A-C08FA872BD4F}" dt="2020-03-25T13:37:24.650" v="1814" actId="478"/>
+          <ac:spMkLst>
+            <pc:docMk/>
+            <pc:sldMk cId="159333852" sldId="262"/>
+            <ac:spMk id="3" creationId="{6DB5F458-C7EA-4AEE-BC8A-3A775F466A14}"/>
+          </ac:spMkLst>
+        </pc:spChg>
+        <pc:spChg chg="add del mod">
+          <ac:chgData name="Hollister, Jeff" userId="90904e2a-aa82-465e-9922-afce4bc6d524" providerId="ADAL" clId="{50169585-C60B-4062-B98A-C08FA872BD4F}" dt="2020-03-25T13:38:22.176" v="1818" actId="478"/>
+          <ac:spMkLst>
+            <pc:docMk/>
+            <pc:sldMk cId="159333852" sldId="262"/>
+            <ac:spMk id="6" creationId="{2921867F-1322-4F10-A2BE-D85DA0A07744}"/>
+          </ac:spMkLst>
+        </pc:spChg>
+        <pc:spChg chg="add mod">
+          <ac:chgData name="Hollister, Jeff" userId="90904e2a-aa82-465e-9922-afce4bc6d524" providerId="ADAL" clId="{50169585-C60B-4062-B98A-C08FA872BD4F}" dt="2020-03-25T14:51:46.257" v="2143" actId="403"/>
+          <ac:spMkLst>
+            <pc:docMk/>
+            <pc:sldMk cId="159333852" sldId="262"/>
+            <ac:spMk id="7" creationId="{A39C3385-D7E9-45B1-8DC2-C10C766652CF}"/>
+          </ac:spMkLst>
+        </pc:spChg>
+        <pc:picChg chg="add del mod">
+          <ac:chgData name="Hollister, Jeff" userId="90904e2a-aa82-465e-9922-afce4bc6d524" providerId="ADAL" clId="{50169585-C60B-4062-B98A-C08FA872BD4F}" dt="2020-03-25T13:37:24.650" v="1814" actId="478"/>
+          <ac:picMkLst>
+            <pc:docMk/>
+            <pc:sldMk cId="159333852" sldId="262"/>
+            <ac:picMk id="4" creationId="{A448B39C-329A-46A3-8236-EEA2007A7102}"/>
+          </ac:picMkLst>
+        </pc:picChg>
+        <pc:picChg chg="add mod">
+          <ac:chgData name="Hollister, Jeff" userId="90904e2a-aa82-465e-9922-afce4bc6d524" providerId="ADAL" clId="{50169585-C60B-4062-B98A-C08FA872BD4F}" dt="2020-03-25T13:38:45.524" v="1822" actId="1076"/>
+          <ac:picMkLst>
+            <pc:docMk/>
+            <pc:sldMk cId="159333852" sldId="262"/>
+            <ac:picMk id="8" creationId="{7C1C4313-F8BB-4E76-A620-28E2C3147A4C}"/>
+          </ac:picMkLst>
+        </pc:picChg>
+        <pc:picChg chg="add mod">
+          <ac:chgData name="Hollister, Jeff" userId="90904e2a-aa82-465e-9922-afce4bc6d524" providerId="ADAL" clId="{50169585-C60B-4062-B98A-C08FA872BD4F}" dt="2020-03-25T13:38:49.105" v="1823" actId="1076"/>
+          <ac:picMkLst>
+            <pc:docMk/>
+            <pc:sldMk cId="159333852" sldId="262"/>
+            <ac:picMk id="9" creationId="{F67D2AC0-F22F-4B26-B7E5-4E2E7122F049}"/>
+          </ac:picMkLst>
+        </pc:picChg>
+        <pc:picChg chg="add mod">
+          <ac:chgData name="Hollister, Jeff" userId="90904e2a-aa82-465e-9922-afce4bc6d524" providerId="ADAL" clId="{50169585-C60B-4062-B98A-C08FA872BD4F}" dt="2020-03-25T13:38:52.344" v="1824" actId="1076"/>
+          <ac:picMkLst>
+            <pc:docMk/>
+            <pc:sldMk cId="159333852" sldId="262"/>
+            <ac:picMk id="10" creationId="{1787FED5-2B71-45C1-A04D-F809EC3E44E1}"/>
+          </ac:picMkLst>
+        </pc:picChg>
+        <pc:picChg chg="add mod">
+          <ac:chgData name="Hollister, Jeff" userId="90904e2a-aa82-465e-9922-afce4bc6d524" providerId="ADAL" clId="{50169585-C60B-4062-B98A-C08FA872BD4F}" dt="2020-03-25T13:38:57.482" v="1825" actId="1076"/>
+          <ac:picMkLst>
+            <pc:docMk/>
+            <pc:sldMk cId="159333852" sldId="262"/>
+            <ac:picMk id="11" creationId="{7FCE01C4-081B-4E31-ADDC-654920F7F997}"/>
+          </ac:picMkLst>
+        </pc:picChg>
+      </pc:sldChg>
+      <pc:sldChg chg="addSp delSp modSp">
+        <pc:chgData name="Hollister, Jeff" userId="90904e2a-aa82-465e-9922-afce4bc6d524" providerId="ADAL" clId="{50169585-C60B-4062-B98A-C08FA872BD4F}" dt="2020-03-25T14:57:09.177" v="2151" actId="14100"/>
+        <pc:sldMkLst>
+          <pc:docMk/>
+          <pc:sldMk cId="3649898395" sldId="263"/>
+        </pc:sldMkLst>
+        <pc:spChg chg="del">
+          <ac:chgData name="Hollister, Jeff" userId="90904e2a-aa82-465e-9922-afce4bc6d524" providerId="ADAL" clId="{50169585-C60B-4062-B98A-C08FA872BD4F}" dt="2020-03-25T13:36:40.289" v="1806" actId="478"/>
+          <ac:spMkLst>
+            <pc:docMk/>
+            <pc:sldMk cId="3649898395" sldId="263"/>
+            <ac:spMk id="3" creationId="{6DB5F458-C7EA-4AEE-BC8A-3A775F466A14}"/>
+          </ac:spMkLst>
+        </pc:spChg>
+        <pc:spChg chg="add mod">
+          <ac:chgData name="Hollister, Jeff" userId="90904e2a-aa82-465e-9922-afce4bc6d524" providerId="ADAL" clId="{50169585-C60B-4062-B98A-C08FA872BD4F}" dt="2020-03-25T14:57:00.188" v="2149" actId="14100"/>
+          <ac:spMkLst>
+            <pc:docMk/>
+            <pc:sldMk cId="3649898395" sldId="263"/>
+            <ac:spMk id="4" creationId="{4350E6FF-355A-4043-9386-5B03A1A111F0}"/>
+          </ac:spMkLst>
+        </pc:spChg>
+        <pc:picChg chg="add mod">
+          <ac:chgData name="Hollister, Jeff" userId="90904e2a-aa82-465e-9922-afce4bc6d524" providerId="ADAL" clId="{50169585-C60B-4062-B98A-C08FA872BD4F}" dt="2020-03-25T14:57:09.177" v="2151" actId="14100"/>
+          <ac:picMkLst>
+            <pc:docMk/>
+            <pc:sldMk cId="3649898395" sldId="263"/>
+            <ac:picMk id="5" creationId="{0DA5DB8A-C27C-4FE3-9D7D-5034B990D4ED}"/>
+          </ac:picMkLst>
+        </pc:picChg>
+      </pc:sldChg>
+      <pc:sldChg chg="addSp delSp modSp">
+        <pc:chgData name="Hollister, Jeff" userId="90904e2a-aa82-465e-9922-afce4bc6d524" providerId="ADAL" clId="{50169585-C60B-4062-B98A-C08FA872BD4F}" dt="2020-03-25T15:04:20.372" v="2153" actId="404"/>
+        <pc:sldMkLst>
+          <pc:docMk/>
+          <pc:sldMk cId="514024385" sldId="264"/>
+        </pc:sldMkLst>
+        <pc:spChg chg="mod">
+          <ac:chgData name="Hollister, Jeff" userId="90904e2a-aa82-465e-9922-afce4bc6d524" providerId="ADAL" clId="{50169585-C60B-4062-B98A-C08FA872BD4F}" dt="2020-03-25T15:04:20.372" v="2153" actId="404"/>
+          <ac:spMkLst>
+            <pc:docMk/>
+            <pc:sldMk cId="514024385" sldId="264"/>
+            <ac:spMk id="3" creationId="{6DB5F458-C7EA-4AEE-BC8A-3A775F466A14}"/>
+          </ac:spMkLst>
+        </pc:spChg>
+        <pc:picChg chg="add mod ord">
+          <ac:chgData name="Hollister, Jeff" userId="90904e2a-aa82-465e-9922-afce4bc6d524" providerId="ADAL" clId="{50169585-C60B-4062-B98A-C08FA872BD4F}" dt="2020-03-25T14:47:26.382" v="2104" actId="166"/>
+          <ac:picMkLst>
+            <pc:docMk/>
+            <pc:sldMk cId="514024385" sldId="264"/>
+            <ac:picMk id="5" creationId="{E17F7EB2-6BC6-4781-923E-F391104FB881}"/>
+          </ac:picMkLst>
+        </pc:picChg>
+        <pc:picChg chg="add mod">
+          <ac:chgData name="Hollister, Jeff" userId="90904e2a-aa82-465e-9922-afce4bc6d524" providerId="ADAL" clId="{50169585-C60B-4062-B98A-C08FA872BD4F}" dt="2020-03-25T14:47:12.132" v="2102" actId="1076"/>
+          <ac:picMkLst>
+            <pc:docMk/>
+            <pc:sldMk cId="514024385" sldId="264"/>
+            <ac:picMk id="7" creationId="{708EB372-D41D-495D-9D4B-CDB1BF824F78}"/>
+          </ac:picMkLst>
+        </pc:picChg>
+        <pc:picChg chg="add del mod">
+          <ac:chgData name="Hollister, Jeff" userId="90904e2a-aa82-465e-9922-afce4bc6d524" providerId="ADAL" clId="{50169585-C60B-4062-B98A-C08FA872BD4F}" dt="2020-03-25T14:46:51.162" v="2097" actId="478"/>
+          <ac:picMkLst>
+            <pc:docMk/>
+            <pc:sldMk cId="514024385" sldId="264"/>
+            <ac:picMk id="9" creationId="{FCB09763-DF25-4DB3-B93F-A5CFD28BD679}"/>
+          </ac:picMkLst>
+        </pc:picChg>
+        <pc:picChg chg="add del mod">
+          <ac:chgData name="Hollister, Jeff" userId="90904e2a-aa82-465e-9922-afce4bc6d524" providerId="ADAL" clId="{50169585-C60B-4062-B98A-C08FA872BD4F}" dt="2020-03-25T14:46:50.058" v="2096" actId="478"/>
+          <ac:picMkLst>
+            <pc:docMk/>
+            <pc:sldMk cId="514024385" sldId="264"/>
+            <ac:picMk id="11" creationId="{9EB93AF9-DAB3-4058-A0FC-A0034955AFE1}"/>
+          </ac:picMkLst>
+        </pc:picChg>
+      </pc:sldChg>
+      <pc:sldChg chg="modSp add del">
+        <pc:chgData name="Hollister, Jeff" userId="90904e2a-aa82-465e-9922-afce4bc6d524" providerId="ADAL" clId="{50169585-C60B-4062-B98A-C08FA872BD4F}" dt="2020-03-25T13:39:15.359" v="1827" actId="2696"/>
+        <pc:sldMkLst>
+          <pc:docMk/>
+          <pc:sldMk cId="0" sldId="273"/>
+        </pc:sldMkLst>
+        <pc:spChg chg="mod">
+          <ac:chgData name="Hollister, Jeff" userId="90904e2a-aa82-465e-9922-afce4bc6d524" providerId="ADAL" clId="{50169585-C60B-4062-B98A-C08FA872BD4F}" dt="2020-03-25T13:38:02.492" v="1816"/>
+          <ac:spMkLst>
+            <pc:docMk/>
+            <pc:sldMk cId="0" sldId="273"/>
+            <ac:spMk id="2" creationId="{00000000-0000-0000-0000-000000000000}"/>
+          </ac:spMkLst>
+        </pc:spChg>
+        <pc:spChg chg="mod">
+          <ac:chgData name="Hollister, Jeff" userId="90904e2a-aa82-465e-9922-afce4bc6d524" providerId="ADAL" clId="{50169585-C60B-4062-B98A-C08FA872BD4F}" dt="2020-03-25T13:37:47.699" v="1815"/>
+          <ac:spMkLst>
+            <pc:docMk/>
+            <pc:sldMk cId="0" sldId="273"/>
+            <ac:spMk id="8" creationId="{4EB7F9CA-B2AF-4478-A0B9-4DB9E0B8EB9F}"/>
+          </ac:spMkLst>
+        </pc:spChg>
+      </pc:sldChg>
+      <pc:sldChg chg="modSp add del">
+        <pc:chgData name="Hollister, Jeff" userId="90904e2a-aa82-465e-9922-afce4bc6d524" providerId="ADAL" clId="{50169585-C60B-4062-B98A-C08FA872BD4F}" dt="2020-03-25T14:18:42.205" v="1838" actId="2696"/>
+        <pc:sldMkLst>
+          <pc:docMk/>
+          <pc:sldMk cId="3331988254" sldId="305"/>
+        </pc:sldMkLst>
+        <pc:spChg chg="mod">
+          <ac:chgData name="Hollister, Jeff" userId="90904e2a-aa82-465e-9922-afce4bc6d524" providerId="ADAL" clId="{50169585-C60B-4062-B98A-C08FA872BD4F}" dt="2020-03-25T13:37:47.699" v="1815"/>
+          <ac:spMkLst>
+            <pc:docMk/>
+            <pc:sldMk cId="3331988254" sldId="305"/>
+            <ac:spMk id="12" creationId="{D6D06D07-AEED-4DFB-AE5A-63897BD14EDD}"/>
+          </ac:spMkLst>
+        </pc:spChg>
+      </pc:sldChg>
+      <pc:sldChg chg="addSp delSp modSp add">
+        <pc:chgData name="Hollister, Jeff" userId="90904e2a-aa82-465e-9922-afce4bc6d524" providerId="ADAL" clId="{50169585-C60B-4062-B98A-C08FA872BD4F}" dt="2020-03-25T14:53:41.158" v="2146" actId="403"/>
+        <pc:sldMkLst>
+          <pc:docMk/>
+          <pc:sldMk cId="1747816665" sldId="306"/>
+        </pc:sldMkLst>
+        <pc:spChg chg="del mod">
+          <ac:chgData name="Hollister, Jeff" userId="90904e2a-aa82-465e-9922-afce4bc6d524" providerId="ADAL" clId="{50169585-C60B-4062-B98A-C08FA872BD4F}" dt="2020-03-25T13:39:28.401" v="1829" actId="478"/>
+          <ac:spMkLst>
+            <pc:docMk/>
+            <pc:sldMk cId="1747816665" sldId="306"/>
+            <ac:spMk id="7" creationId="{A39C3385-D7E9-45B1-8DC2-C10C766652CF}"/>
+          </ac:spMkLst>
+        </pc:spChg>
+        <pc:spChg chg="add mod">
+          <ac:chgData name="Hollister, Jeff" userId="90904e2a-aa82-465e-9922-afce4bc6d524" providerId="ADAL" clId="{50169585-C60B-4062-B98A-C08FA872BD4F}" dt="2020-03-25T14:53:41.158" v="2146" actId="403"/>
+          <ac:spMkLst>
+            <pc:docMk/>
+            <pc:sldMk cId="1747816665" sldId="306"/>
+            <ac:spMk id="12" creationId="{D91C49F8-A3EA-4190-972D-FDA00AD14A33}"/>
+          </ac:spMkLst>
+        </pc:spChg>
+        <pc:picChg chg="del">
+          <ac:chgData name="Hollister, Jeff" userId="90904e2a-aa82-465e-9922-afce4bc6d524" providerId="ADAL" clId="{50169585-C60B-4062-B98A-C08FA872BD4F}" dt="2020-03-25T13:39:29.102" v="1830" actId="478"/>
+          <ac:picMkLst>
+            <pc:docMk/>
+            <pc:sldMk cId="1747816665" sldId="306"/>
+            <ac:picMk id="8" creationId="{7C1C4313-F8BB-4E76-A620-28E2C3147A4C}"/>
+          </ac:picMkLst>
+        </pc:picChg>
+        <pc:picChg chg="del">
+          <ac:chgData name="Hollister, Jeff" userId="90904e2a-aa82-465e-9922-afce4bc6d524" providerId="ADAL" clId="{50169585-C60B-4062-B98A-C08FA872BD4F}" dt="2020-03-25T13:39:29.766" v="1831" actId="478"/>
+          <ac:picMkLst>
+            <pc:docMk/>
+            <pc:sldMk cId="1747816665" sldId="306"/>
+            <ac:picMk id="9" creationId="{F67D2AC0-F22F-4B26-B7E5-4E2E7122F049}"/>
+          </ac:picMkLst>
+        </pc:picChg>
+        <pc:picChg chg="del">
+          <ac:chgData name="Hollister, Jeff" userId="90904e2a-aa82-465e-9922-afce4bc6d524" providerId="ADAL" clId="{50169585-C60B-4062-B98A-C08FA872BD4F}" dt="2020-03-25T13:39:30.503" v="1832" actId="478"/>
+          <ac:picMkLst>
+            <pc:docMk/>
+            <pc:sldMk cId="1747816665" sldId="306"/>
+            <ac:picMk id="10" creationId="{1787FED5-2B71-45C1-A04D-F809EC3E44E1}"/>
+          </ac:picMkLst>
+        </pc:picChg>
+        <pc:picChg chg="del">
+          <ac:chgData name="Hollister, Jeff" userId="90904e2a-aa82-465e-9922-afce4bc6d524" providerId="ADAL" clId="{50169585-C60B-4062-B98A-C08FA872BD4F}" dt="2020-03-25T13:39:31.136" v="1833" actId="478"/>
+          <ac:picMkLst>
+            <pc:docMk/>
+            <pc:sldMk cId="1747816665" sldId="306"/>
+            <ac:picMk id="11" creationId="{7FCE01C4-081B-4E31-ADDC-654920F7F997}"/>
+          </ac:picMkLst>
+        </pc:picChg>
+        <pc:picChg chg="add mod">
+          <ac:chgData name="Hollister, Jeff" userId="90904e2a-aa82-465e-9922-afce4bc6d524" providerId="ADAL" clId="{50169585-C60B-4062-B98A-C08FA872BD4F}" dt="2020-03-25T13:39:39.780" v="1836" actId="1076"/>
+          <ac:picMkLst>
+            <pc:docMk/>
+            <pc:sldMk cId="1747816665" sldId="306"/>
+            <ac:picMk id="13" creationId="{3840B732-11BD-43D2-8229-A3C087BEBCEA}"/>
+          </ac:picMkLst>
+        </pc:picChg>
+        <pc:picChg chg="add mod">
+          <ac:chgData name="Hollister, Jeff" userId="90904e2a-aa82-465e-9922-afce4bc6d524" providerId="ADAL" clId="{50169585-C60B-4062-B98A-C08FA872BD4F}" dt="2020-03-25T13:39:43.047" v="1837" actId="1076"/>
+          <ac:picMkLst>
+            <pc:docMk/>
+            <pc:sldMk cId="1747816665" sldId="306"/>
+            <ac:picMk id="14" creationId="{4DDCAD1D-7CD1-4788-A498-14671D2C5D8A}"/>
+          </ac:picMkLst>
+        </pc:picChg>
+      </pc:sldChg>
     </pc:docChg>
   </pc:docChgLst>
 </pc:chgInfo>
@@ -492,7 +751,7 @@
           <a:p>
             <a:fld id="{858D8BF1-2A4F-41B1-BD95-BB42ACACE39D}" type="datetimeFigureOut">
               <a:rPr lang="en-US" smtClean="0"/>
-              <a:t>3/24/2020</a:t>
+              <a:t>3/25/2020</a:t>
             </a:fld>
             <a:endParaRPr lang="en-US"/>
           </a:p>
@@ -690,7 +949,7 @@
           <a:p>
             <a:fld id="{858D8BF1-2A4F-41B1-BD95-BB42ACACE39D}" type="datetimeFigureOut">
               <a:rPr lang="en-US" smtClean="0"/>
-              <a:t>3/24/2020</a:t>
+              <a:t>3/25/2020</a:t>
             </a:fld>
             <a:endParaRPr lang="en-US"/>
           </a:p>
@@ -898,7 +1157,7 @@
           <a:p>
             <a:fld id="{858D8BF1-2A4F-41B1-BD95-BB42ACACE39D}" type="datetimeFigureOut">
               <a:rPr lang="en-US" smtClean="0"/>
-              <a:t>3/24/2020</a:t>
+              <a:t>3/25/2020</a:t>
             </a:fld>
             <a:endParaRPr lang="en-US"/>
           </a:p>
@@ -1096,7 +1355,7 @@
           <a:p>
             <a:fld id="{858D8BF1-2A4F-41B1-BD95-BB42ACACE39D}" type="datetimeFigureOut">
               <a:rPr lang="en-US" smtClean="0"/>
-              <a:t>3/24/2020</a:t>
+              <a:t>3/25/2020</a:t>
             </a:fld>
             <a:endParaRPr lang="en-US"/>
           </a:p>
@@ -1371,7 +1630,7 @@
           <a:p>
             <a:fld id="{858D8BF1-2A4F-41B1-BD95-BB42ACACE39D}" type="datetimeFigureOut">
               <a:rPr lang="en-US" smtClean="0"/>
-              <a:t>3/24/2020</a:t>
+              <a:t>3/25/2020</a:t>
             </a:fld>
             <a:endParaRPr lang="en-US"/>
           </a:p>
@@ -1636,7 +1895,7 @@
           <a:p>
             <a:fld id="{858D8BF1-2A4F-41B1-BD95-BB42ACACE39D}" type="datetimeFigureOut">
               <a:rPr lang="en-US" smtClean="0"/>
-              <a:t>3/24/2020</a:t>
+              <a:t>3/25/2020</a:t>
             </a:fld>
             <a:endParaRPr lang="en-US"/>
           </a:p>
@@ -2048,7 +2307,7 @@
           <a:p>
             <a:fld id="{858D8BF1-2A4F-41B1-BD95-BB42ACACE39D}" type="datetimeFigureOut">
               <a:rPr lang="en-US" smtClean="0"/>
-              <a:t>3/24/2020</a:t>
+              <a:t>3/25/2020</a:t>
             </a:fld>
             <a:endParaRPr lang="en-US"/>
           </a:p>
@@ -2189,7 +2448,7 @@
           <a:p>
             <a:fld id="{858D8BF1-2A4F-41B1-BD95-BB42ACACE39D}" type="datetimeFigureOut">
               <a:rPr lang="en-US" smtClean="0"/>
-              <a:t>3/24/2020</a:t>
+              <a:t>3/25/2020</a:t>
             </a:fld>
             <a:endParaRPr lang="en-US"/>
           </a:p>
@@ -2302,7 +2561,7 @@
           <a:p>
             <a:fld id="{858D8BF1-2A4F-41B1-BD95-BB42ACACE39D}" type="datetimeFigureOut">
               <a:rPr lang="en-US" smtClean="0"/>
-              <a:t>3/24/2020</a:t>
+              <a:t>3/25/2020</a:t>
             </a:fld>
             <a:endParaRPr lang="en-US"/>
           </a:p>
@@ -2613,7 +2872,7 @@
           <a:p>
             <a:fld id="{858D8BF1-2A4F-41B1-BD95-BB42ACACE39D}" type="datetimeFigureOut">
               <a:rPr lang="en-US" smtClean="0"/>
-              <a:t>3/24/2020</a:t>
+              <a:t>3/25/2020</a:t>
             </a:fld>
             <a:endParaRPr lang="en-US"/>
           </a:p>
@@ -2901,7 +3160,7 @@
           <a:p>
             <a:fld id="{858D8BF1-2A4F-41B1-BD95-BB42ACACE39D}" type="datetimeFigureOut">
               <a:rPr lang="en-US" smtClean="0"/>
-              <a:t>3/24/2020</a:t>
+              <a:t>3/25/2020</a:t>
             </a:fld>
             <a:endParaRPr lang="en-US"/>
           </a:p>
@@ -3142,7 +3401,7 @@
           <a:p>
             <a:fld id="{858D8BF1-2A4F-41B1-BD95-BB42ACACE39D}" type="datetimeFigureOut">
               <a:rPr lang="en-US" smtClean="0"/>
-              <a:t>3/24/2020</a:t>
+              <a:t>3/25/2020</a:t>
             </a:fld>
             <a:endParaRPr lang="en-US"/>
           </a:p>
@@ -3683,6 +3942,224 @@
           <a:p>
             <a:r>
               <a:rPr lang="en-US" dirty="0"/>
+              <a:t>How we do computational ecology: Rhode Island water quality trends</a:t>
+            </a:r>
+          </a:p>
+        </p:txBody>
+      </p:sp>
+      <p:sp>
+        <p:nvSpPr>
+          <p:cNvPr id="3" name="Content Placeholder 2">
+            <a:extLst>
+              <a:ext uri="{FF2B5EF4-FFF2-40B4-BE49-F238E27FC236}">
+                <a16:creationId xmlns:a16="http://schemas.microsoft.com/office/drawing/2014/main" id="{6DB5F458-C7EA-4AEE-BC8A-3A775F466A14}"/>
+              </a:ext>
+            </a:extLst>
+          </p:cNvPr>
+          <p:cNvSpPr>
+            <a:spLocks noGrp="1"/>
+          </p:cNvSpPr>
+          <p:nvPr>
+            <p:ph idx="1"/>
+          </p:nvPr>
+        </p:nvSpPr>
+        <p:spPr>
+          <a:xfrm>
+            <a:off x="265546" y="1690688"/>
+            <a:ext cx="5257800" cy="4916920"/>
+          </a:xfrm>
+        </p:spPr>
+        <p:txBody>
+          <a:bodyPr>
+            <a:normAutofit/>
+          </a:bodyPr>
+          <a:lstStyle/>
+          <a:p>
+            <a:r>
+              <a:rPr lang="en-US" sz="2000" dirty="0">
+                <a:hlinkClick r:id="rId2"/>
+              </a:rPr>
+              <a:t>Hollister et al. (In Review) Increasing Chlorophyll a Amid Stable Nutrient Concentrations in Rhode Island Lakes and Reservoirs. Ecosphere</a:t>
+            </a:r>
+            <a:endParaRPr lang="en-US" sz="2000" dirty="0"/>
+          </a:p>
+          <a:p>
+            <a:pPr lvl="1"/>
+            <a:r>
+              <a:rPr lang="en-US" sz="1800" dirty="0"/>
+              <a:t>What are the long term water quality trends in RI lakes and reservoirs </a:t>
+            </a:r>
+          </a:p>
+          <a:p>
+            <a:pPr lvl="1"/>
+            <a:r>
+              <a:rPr lang="en-US" sz="1800" dirty="0"/>
+              <a:t>URI Watershed Watch and LAGOSNE</a:t>
+            </a:r>
+          </a:p>
+          <a:p>
+            <a:pPr lvl="1"/>
+            <a:r>
+              <a:rPr lang="en-US" sz="1800" dirty="0"/>
+              <a:t>Why computational?</a:t>
+            </a:r>
+          </a:p>
+          <a:p>
+            <a:pPr lvl="2"/>
+            <a:r>
+              <a:rPr lang="en-US" sz="1800" dirty="0"/>
+              <a:t>Big(</a:t>
+            </a:r>
+            <a:r>
+              <a:rPr lang="en-US" sz="1800" dirty="0" err="1"/>
+              <a:t>ish</a:t>
+            </a:r>
+            <a:r>
+              <a:rPr lang="en-US" sz="1800" dirty="0"/>
+              <a:t>) data</a:t>
+            </a:r>
+          </a:p>
+          <a:p>
+            <a:pPr lvl="2"/>
+            <a:r>
+              <a:rPr lang="en-US" sz="1800" dirty="0"/>
+              <a:t>Develop/modified analytical methods</a:t>
+            </a:r>
+          </a:p>
+          <a:p>
+            <a:pPr lvl="2"/>
+            <a:r>
+              <a:rPr lang="en-US" sz="1800" dirty="0"/>
+              <a:t>Open science</a:t>
+            </a:r>
+          </a:p>
+        </p:txBody>
+      </p:sp>
+      <p:pic>
+        <p:nvPicPr>
+          <p:cNvPr id="7" name="Picture 6">
+            <a:extLst>
+              <a:ext uri="{FF2B5EF4-FFF2-40B4-BE49-F238E27FC236}">
+                <a16:creationId xmlns:a16="http://schemas.microsoft.com/office/drawing/2014/main" id="{708EB372-D41D-495D-9D4B-CDB1BF824F78}"/>
+              </a:ext>
+            </a:extLst>
+          </p:cNvPr>
+          <p:cNvPicPr>
+            <a:picLocks noChangeAspect="1"/>
+          </p:cNvPicPr>
+          <p:nvPr/>
+        </p:nvPicPr>
+        <p:blipFill>
+          <a:blip r:embed="rId3">
+            <a:extLst>
+              <a:ext uri="{28A0092B-C50C-407E-A947-70E740481C1C}">
+                <a14:useLocalDpi xmlns:a14="http://schemas.microsoft.com/office/drawing/2010/main" val="0"/>
+              </a:ext>
+            </a:extLst>
+          </a:blip>
+          <a:stretch>
+            <a:fillRect/>
+          </a:stretch>
+        </p:blipFill>
+        <p:spPr>
+          <a:xfrm>
+            <a:off x="5523346" y="1552199"/>
+            <a:ext cx="3687618" cy="2765714"/>
+          </a:xfrm>
+          <a:prstGeom prst="rect">
+            <a:avLst/>
+          </a:prstGeom>
+        </p:spPr>
+      </p:pic>
+      <p:pic>
+        <p:nvPicPr>
+          <p:cNvPr id="5" name="Picture 4">
+            <a:extLst>
+              <a:ext uri="{FF2B5EF4-FFF2-40B4-BE49-F238E27FC236}">
+                <a16:creationId xmlns:a16="http://schemas.microsoft.com/office/drawing/2014/main" id="{E17F7EB2-6BC6-4781-923E-F391104FB881}"/>
+              </a:ext>
+            </a:extLst>
+          </p:cNvPr>
+          <p:cNvPicPr>
+            <a:picLocks noChangeAspect="1"/>
+          </p:cNvPicPr>
+          <p:nvPr/>
+        </p:nvPicPr>
+        <p:blipFill>
+          <a:blip r:embed="rId4">
+            <a:extLst>
+              <a:ext uri="{28A0092B-C50C-407E-A947-70E740481C1C}">
+                <a14:useLocalDpi xmlns:a14="http://schemas.microsoft.com/office/drawing/2010/main" val="0"/>
+              </a:ext>
+            </a:extLst>
+          </a:blip>
+          <a:stretch>
+            <a:fillRect/>
+          </a:stretch>
+        </p:blipFill>
+        <p:spPr>
+          <a:xfrm>
+            <a:off x="8238836" y="4042943"/>
+            <a:ext cx="3687618" cy="2765714"/>
+          </a:xfrm>
+          <a:prstGeom prst="rect">
+            <a:avLst/>
+          </a:prstGeom>
+        </p:spPr>
+      </p:pic>
+    </p:spTree>
+    <p:extLst>
+      <p:ext uri="{BB962C8B-B14F-4D97-AF65-F5344CB8AC3E}">
+        <p14:creationId xmlns:p14="http://schemas.microsoft.com/office/powerpoint/2010/main" val="514024385"/>
+      </p:ext>
+    </p:extLst>
+  </p:cSld>
+  <p:clrMapOvr>
+    <a:masterClrMapping/>
+  </p:clrMapOvr>
+</p:sld>
+</file>
+
+<file path=ppt/slides/slide11.xml><?xml version="1.0" encoding="utf-8"?>
+<p:sld xmlns:a="http://schemas.openxmlformats.org/drawingml/2006/main" xmlns:r="http://schemas.openxmlformats.org/officeDocument/2006/relationships" xmlns:p="http://schemas.openxmlformats.org/presentationml/2006/main">
+  <p:cSld>
+    <p:spTree>
+      <p:nvGrpSpPr>
+        <p:cNvPr id="1" name=""/>
+        <p:cNvGrpSpPr/>
+        <p:nvPr/>
+      </p:nvGrpSpPr>
+      <p:grpSpPr>
+        <a:xfrm>
+          <a:off x="0" y="0"/>
+          <a:ext cx="0" cy="0"/>
+          <a:chOff x="0" y="0"/>
+          <a:chExt cx="0" cy="0"/>
+        </a:xfrm>
+      </p:grpSpPr>
+      <p:sp>
+        <p:nvSpPr>
+          <p:cNvPr id="2" name="Title 1">
+            <a:extLst>
+              <a:ext uri="{FF2B5EF4-FFF2-40B4-BE49-F238E27FC236}">
+                <a16:creationId xmlns:a16="http://schemas.microsoft.com/office/drawing/2014/main" id="{BAEFA46A-1C38-413A-9A14-788A055CCD3A}"/>
+              </a:ext>
+            </a:extLst>
+          </p:cNvPr>
+          <p:cNvSpPr>
+            <a:spLocks noGrp="1"/>
+          </p:cNvSpPr>
+          <p:nvPr>
+            <p:ph type="title"/>
+          </p:nvPr>
+        </p:nvSpPr>
+        <p:spPr/>
+        <p:txBody>
+          <a:bodyPr/>
+          <a:lstStyle/>
+          <a:p>
+            <a:r>
+              <a:rPr lang="en-US" dirty="0"/>
               <a:t>What are the limits to using existing data?</a:t>
             </a:r>
           </a:p>
@@ -3709,7 +4186,7 @@
           <a:bodyPr/>
           <a:lstStyle/>
           <a:p>
-            <a:endParaRPr lang="en-US"/>
+            <a:endParaRPr lang="en-US" dirty="0"/>
           </a:p>
         </p:txBody>
       </p:sp>
@@ -3726,7 +4203,7 @@
 </p:sld>
 </file>
 
-<file path=ppt/slides/slide11.xml><?xml version="1.0" encoding="utf-8"?>
+<file path=ppt/slides/slide12.xml><?xml version="1.0" encoding="utf-8"?>
 <p:sld xmlns:a="http://schemas.openxmlformats.org/drawingml/2006/main" xmlns:r="http://schemas.openxmlformats.org/officeDocument/2006/relationships" xmlns:p="http://schemas.openxmlformats.org/presentationml/2006/main">
   <p:cSld>
     <p:spTree>
@@ -3831,89 +4308,6 @@
 </p:sld>
 </file>
 
-<file path=ppt/slides/slide12.xml><?xml version="1.0" encoding="utf-8"?>
-<p:sld xmlns:a="http://schemas.openxmlformats.org/drawingml/2006/main" xmlns:r="http://schemas.openxmlformats.org/officeDocument/2006/relationships" xmlns:p="http://schemas.openxmlformats.org/presentationml/2006/main">
-  <p:cSld>
-    <p:spTree>
-      <p:nvGrpSpPr>
-        <p:cNvPr id="1" name=""/>
-        <p:cNvGrpSpPr/>
-        <p:nvPr/>
-      </p:nvGrpSpPr>
-      <p:grpSpPr>
-        <a:xfrm>
-          <a:off x="0" y="0"/>
-          <a:ext cx="0" cy="0"/>
-          <a:chOff x="0" y="0"/>
-          <a:chExt cx="0" cy="0"/>
-        </a:xfrm>
-      </p:grpSpPr>
-      <p:sp>
-        <p:nvSpPr>
-          <p:cNvPr id="2" name="Title 1">
-            <a:extLst>
-              <a:ext uri="{FF2B5EF4-FFF2-40B4-BE49-F238E27FC236}">
-                <a16:creationId xmlns:a16="http://schemas.microsoft.com/office/drawing/2014/main" id="{59C2B755-5527-470D-AE67-BB1A081E466E}"/>
-              </a:ext>
-            </a:extLst>
-          </p:cNvPr>
-          <p:cNvSpPr>
-            <a:spLocks noGrp="1"/>
-          </p:cNvSpPr>
-          <p:nvPr>
-            <p:ph type="title"/>
-          </p:nvPr>
-        </p:nvSpPr>
-        <p:spPr/>
-        <p:txBody>
-          <a:bodyPr/>
-          <a:lstStyle/>
-          <a:p>
-            <a:r>
-              <a:rPr lang="en-US" dirty="0"/>
-              <a:t>Why is our Rhode Island work, computational?</a:t>
-            </a:r>
-          </a:p>
-        </p:txBody>
-      </p:sp>
-      <p:sp>
-        <p:nvSpPr>
-          <p:cNvPr id="3" name="Content Placeholder 2">
-            <a:extLst>
-              <a:ext uri="{FF2B5EF4-FFF2-40B4-BE49-F238E27FC236}">
-                <a16:creationId xmlns:a16="http://schemas.microsoft.com/office/drawing/2014/main" id="{112474E8-C886-4DF4-9283-3A33E06E4E72}"/>
-              </a:ext>
-            </a:extLst>
-          </p:cNvPr>
-          <p:cNvSpPr>
-            <a:spLocks noGrp="1"/>
-          </p:cNvSpPr>
-          <p:nvPr>
-            <p:ph idx="1"/>
-          </p:nvPr>
-        </p:nvSpPr>
-        <p:spPr/>
-        <p:txBody>
-          <a:bodyPr/>
-          <a:lstStyle/>
-          <a:p>
-            <a:endParaRPr lang="en-US"/>
-          </a:p>
-        </p:txBody>
-      </p:sp>
-    </p:spTree>
-    <p:extLst>
-      <p:ext uri="{BB962C8B-B14F-4D97-AF65-F5344CB8AC3E}">
-        <p14:creationId xmlns:p14="http://schemas.microsoft.com/office/powerpoint/2010/main" val="3033176238"/>
-      </p:ext>
-    </p:extLst>
-  </p:cSld>
-  <p:clrMapOvr>
-    <a:masterClrMapping/>
-  </p:clrMapOvr>
-</p:sld>
-</file>
-
 <file path=ppt/slides/slide13.xml><?xml version="1.0" encoding="utf-8"?>
 <p:sld xmlns:a="http://schemas.openxmlformats.org/drawingml/2006/main" xmlns:r="http://schemas.openxmlformats.org/officeDocument/2006/relationships" xmlns:p="http://schemas.openxmlformats.org/presentationml/2006/main">
   <p:cSld>
@@ -3936,7 +4330,7 @@
           <p:cNvPr id="2" name="Title 1">
             <a:extLst>
               <a:ext uri="{FF2B5EF4-FFF2-40B4-BE49-F238E27FC236}">
-                <a16:creationId xmlns:a16="http://schemas.microsoft.com/office/drawing/2014/main" id="{E5CF60F7-B65C-432E-8F0F-5B500DEE8895}"/>
+                <a16:creationId xmlns:a16="http://schemas.microsoft.com/office/drawing/2014/main" id="{59C2B755-5527-470D-AE67-BB1A081E466E}"/>
               </a:ext>
             </a:extLst>
           </p:cNvPr>
@@ -3954,15 +4348,7 @@
           <a:p>
             <a:r>
               <a:rPr lang="en-US" dirty="0"/>
-              <a:t>What’s next: </a:t>
-            </a:r>
-            <a:r>
-              <a:rPr lang="en-US" dirty="0" err="1"/>
-              <a:t>FLAMe</a:t>
-            </a:r>
-            <a:r>
-              <a:rPr lang="en-US" dirty="0"/>
-              <a:t> and buoys</a:t>
+              <a:t>Why is our Rhode Island work, computational?</a:t>
             </a:r>
           </a:p>
         </p:txBody>
@@ -3972,7 +4358,7 @@
           <p:cNvPr id="3" name="Content Placeholder 2">
             <a:extLst>
               <a:ext uri="{FF2B5EF4-FFF2-40B4-BE49-F238E27FC236}">
-                <a16:creationId xmlns:a16="http://schemas.microsoft.com/office/drawing/2014/main" id="{8B1A8E34-1D59-48A7-BB47-DFFFF5AB6CF2}"/>
+                <a16:creationId xmlns:a16="http://schemas.microsoft.com/office/drawing/2014/main" id="{112474E8-C886-4DF4-9283-3A33E06E4E72}"/>
               </a:ext>
             </a:extLst>
           </p:cNvPr>
@@ -3995,7 +4381,7 @@
     </p:spTree>
     <p:extLst>
       <p:ext uri="{BB962C8B-B14F-4D97-AF65-F5344CB8AC3E}">
-        <p14:creationId xmlns:p14="http://schemas.microsoft.com/office/powerpoint/2010/main" val="2223932924"/>
+        <p14:creationId xmlns:p14="http://schemas.microsoft.com/office/powerpoint/2010/main" val="3033176238"/>
       </p:ext>
     </p:extLst>
   </p:cSld>
@@ -4045,7 +4431,15 @@
           <a:p>
             <a:r>
               <a:rPr lang="en-US" dirty="0"/>
-              <a:t>What’s next: CHEAP</a:t>
+              <a:t>What’s next: </a:t>
+            </a:r>
+            <a:r>
+              <a:rPr lang="en-US" dirty="0" err="1"/>
+              <a:t>FLAMe</a:t>
+            </a:r>
+            <a:r>
+              <a:rPr lang="en-US" dirty="0"/>
+              <a:t> and buoys</a:t>
             </a:r>
           </a:p>
         </p:txBody>
@@ -4078,7 +4472,7 @@
     </p:spTree>
     <p:extLst>
       <p:ext uri="{BB962C8B-B14F-4D97-AF65-F5344CB8AC3E}">
-        <p14:creationId xmlns:p14="http://schemas.microsoft.com/office/powerpoint/2010/main" val="1086258877"/>
+        <p14:creationId xmlns:p14="http://schemas.microsoft.com/office/powerpoint/2010/main" val="2223932924"/>
       </p:ext>
     </p:extLst>
   </p:cSld>
@@ -4128,6 +4522,89 @@
           <a:p>
             <a:r>
               <a:rPr lang="en-US" dirty="0"/>
+              <a:t>What’s next: CHEAP</a:t>
+            </a:r>
+          </a:p>
+        </p:txBody>
+      </p:sp>
+      <p:sp>
+        <p:nvSpPr>
+          <p:cNvPr id="3" name="Content Placeholder 2">
+            <a:extLst>
+              <a:ext uri="{FF2B5EF4-FFF2-40B4-BE49-F238E27FC236}">
+                <a16:creationId xmlns:a16="http://schemas.microsoft.com/office/drawing/2014/main" id="{8B1A8E34-1D59-48A7-BB47-DFFFF5AB6CF2}"/>
+              </a:ext>
+            </a:extLst>
+          </p:cNvPr>
+          <p:cNvSpPr>
+            <a:spLocks noGrp="1"/>
+          </p:cNvSpPr>
+          <p:nvPr>
+            <p:ph idx="1"/>
+          </p:nvPr>
+        </p:nvSpPr>
+        <p:spPr/>
+        <p:txBody>
+          <a:bodyPr/>
+          <a:lstStyle/>
+          <a:p>
+            <a:endParaRPr lang="en-US"/>
+          </a:p>
+        </p:txBody>
+      </p:sp>
+    </p:spTree>
+    <p:extLst>
+      <p:ext uri="{BB962C8B-B14F-4D97-AF65-F5344CB8AC3E}">
+        <p14:creationId xmlns:p14="http://schemas.microsoft.com/office/powerpoint/2010/main" val="1086258877"/>
+      </p:ext>
+    </p:extLst>
+  </p:cSld>
+  <p:clrMapOvr>
+    <a:masterClrMapping/>
+  </p:clrMapOvr>
+</p:sld>
+</file>
+
+<file path=ppt/slides/slide16.xml><?xml version="1.0" encoding="utf-8"?>
+<p:sld xmlns:a="http://schemas.openxmlformats.org/drawingml/2006/main" xmlns:r="http://schemas.openxmlformats.org/officeDocument/2006/relationships" xmlns:p="http://schemas.openxmlformats.org/presentationml/2006/main">
+  <p:cSld>
+    <p:spTree>
+      <p:nvGrpSpPr>
+        <p:cNvPr id="1" name=""/>
+        <p:cNvGrpSpPr/>
+        <p:nvPr/>
+      </p:nvGrpSpPr>
+      <p:grpSpPr>
+        <a:xfrm>
+          <a:off x="0" y="0"/>
+          <a:ext cx="0" cy="0"/>
+          <a:chOff x="0" y="0"/>
+          <a:chExt cx="0" cy="0"/>
+        </a:xfrm>
+      </p:grpSpPr>
+      <p:sp>
+        <p:nvSpPr>
+          <p:cNvPr id="2" name="Title 1">
+            <a:extLst>
+              <a:ext uri="{FF2B5EF4-FFF2-40B4-BE49-F238E27FC236}">
+                <a16:creationId xmlns:a16="http://schemas.microsoft.com/office/drawing/2014/main" id="{E5CF60F7-B65C-432E-8F0F-5B500DEE8895}"/>
+              </a:ext>
+            </a:extLst>
+          </p:cNvPr>
+          <p:cNvSpPr>
+            <a:spLocks noGrp="1"/>
+          </p:cNvSpPr>
+          <p:nvPr>
+            <p:ph type="title"/>
+          </p:nvPr>
+        </p:nvSpPr>
+        <p:spPr/>
+        <p:txBody>
+          <a:bodyPr/>
+          <a:lstStyle/>
+          <a:p>
+            <a:r>
+              <a:rPr lang="en-US" dirty="0"/>
               <a:t>What’s next: Cape Cod and </a:t>
             </a:r>
             <a:r>
@@ -4179,7 +4656,7 @@
 </p:sld>
 </file>
 
-<file path=ppt/slides/slide16.xml><?xml version="1.0" encoding="utf-8"?>
+<file path=ppt/slides/slide17.xml><?xml version="1.0" encoding="utf-8"?>
 <p:sld xmlns:a="http://schemas.openxmlformats.org/drawingml/2006/main" xmlns:r="http://schemas.openxmlformats.org/officeDocument/2006/relationships" xmlns:p="http://schemas.openxmlformats.org/presentationml/2006/main">
   <p:cSld>
     <p:spTree>
@@ -5683,29 +6160,371 @@
       </p:sp>
       <p:sp>
         <p:nvSpPr>
-          <p:cNvPr id="3" name="Content Placeholder 2">
-            <a:extLst>
-              <a:ext uri="{FF2B5EF4-FFF2-40B4-BE49-F238E27FC236}">
-                <a16:creationId xmlns:a16="http://schemas.microsoft.com/office/drawing/2014/main" id="{6DB5F458-C7EA-4AEE-BC8A-3A775F466A14}"/>
-              </a:ext>
-            </a:extLst>
-          </p:cNvPr>
-          <p:cNvSpPr>
-            <a:spLocks noGrp="1"/>
-          </p:cNvSpPr>
-          <p:nvPr>
-            <p:ph idx="1"/>
-          </p:nvPr>
-        </p:nvSpPr>
-        <p:spPr/>
-        <p:txBody>
-          <a:bodyPr/>
-          <a:lstStyle/>
-          <a:p>
-            <a:endParaRPr lang="en-US"/>
-          </a:p>
-        </p:txBody>
-      </p:sp>
+          <p:cNvPr id="7" name="Content Placeholder 2">
+            <a:extLst>
+              <a:ext uri="{FF2B5EF4-FFF2-40B4-BE49-F238E27FC236}">
+                <a16:creationId xmlns:a16="http://schemas.microsoft.com/office/drawing/2014/main" id="{A39C3385-D7E9-45B1-8DC2-C10C766652CF}"/>
+              </a:ext>
+            </a:extLst>
+          </p:cNvPr>
+          <p:cNvSpPr txBox="1">
+            <a:spLocks/>
+          </p:cNvSpPr>
+          <p:nvPr/>
+        </p:nvSpPr>
+        <p:spPr>
+          <a:xfrm>
+            <a:off x="137037" y="1873070"/>
+            <a:ext cx="4823597" cy="4412442"/>
+          </a:xfrm>
+          <a:prstGeom prst="rect">
+            <a:avLst/>
+          </a:prstGeom>
+        </p:spPr>
+        <p:txBody>
+          <a:bodyPr vert="horz" lIns="91440" tIns="45720" rIns="91440" bIns="45720" rtlCol="0">
+            <a:normAutofit/>
+          </a:bodyPr>
+          <a:lstStyle>
+            <a:lvl1pPr marL="228600" indent="-228600" algn="l" defTabSz="914400" rtl="0" eaLnBrk="1" latinLnBrk="0" hangingPunct="1">
+              <a:lnSpc>
+                <a:spcPct val="90000"/>
+              </a:lnSpc>
+              <a:spcBef>
+                <a:spcPts val="1000"/>
+              </a:spcBef>
+              <a:buFont typeface="Arial" panose="020B0604020202020204" pitchFamily="34" charset="0"/>
+              <a:buChar char="•"/>
+              <a:defRPr sz="2800" kern="1200">
+                <a:solidFill>
+                  <a:schemeClr val="tx1"/>
+                </a:solidFill>
+                <a:latin typeface="+mn-lt"/>
+                <a:ea typeface="+mn-ea"/>
+                <a:cs typeface="+mn-cs"/>
+              </a:defRPr>
+            </a:lvl1pPr>
+            <a:lvl2pPr marL="685800" indent="-228600" algn="l" defTabSz="914400" rtl="0" eaLnBrk="1" latinLnBrk="0" hangingPunct="1">
+              <a:lnSpc>
+                <a:spcPct val="90000"/>
+              </a:lnSpc>
+              <a:spcBef>
+                <a:spcPts val="500"/>
+              </a:spcBef>
+              <a:buFont typeface="Arial" panose="020B0604020202020204" pitchFamily="34" charset="0"/>
+              <a:buChar char="•"/>
+              <a:defRPr sz="2400" kern="1200">
+                <a:solidFill>
+                  <a:schemeClr val="tx1"/>
+                </a:solidFill>
+                <a:latin typeface="+mn-lt"/>
+                <a:ea typeface="+mn-ea"/>
+                <a:cs typeface="+mn-cs"/>
+              </a:defRPr>
+            </a:lvl2pPr>
+            <a:lvl3pPr marL="1143000" indent="-228600" algn="l" defTabSz="914400" rtl="0" eaLnBrk="1" latinLnBrk="0" hangingPunct="1">
+              <a:lnSpc>
+                <a:spcPct val="90000"/>
+              </a:lnSpc>
+              <a:spcBef>
+                <a:spcPts val="500"/>
+              </a:spcBef>
+              <a:buFont typeface="Arial" panose="020B0604020202020204" pitchFamily="34" charset="0"/>
+              <a:buChar char="•"/>
+              <a:defRPr sz="2000" kern="1200">
+                <a:solidFill>
+                  <a:schemeClr val="tx1"/>
+                </a:solidFill>
+                <a:latin typeface="+mn-lt"/>
+                <a:ea typeface="+mn-ea"/>
+                <a:cs typeface="+mn-cs"/>
+              </a:defRPr>
+            </a:lvl3pPr>
+            <a:lvl4pPr marL="1600200" indent="-228600" algn="l" defTabSz="914400" rtl="0" eaLnBrk="1" latinLnBrk="0" hangingPunct="1">
+              <a:lnSpc>
+                <a:spcPct val="90000"/>
+              </a:lnSpc>
+              <a:spcBef>
+                <a:spcPts val="500"/>
+              </a:spcBef>
+              <a:buFont typeface="Arial" panose="020B0604020202020204" pitchFamily="34" charset="0"/>
+              <a:buChar char="•"/>
+              <a:defRPr sz="1800" kern="1200">
+                <a:solidFill>
+                  <a:schemeClr val="tx1"/>
+                </a:solidFill>
+                <a:latin typeface="+mn-lt"/>
+                <a:ea typeface="+mn-ea"/>
+                <a:cs typeface="+mn-cs"/>
+              </a:defRPr>
+            </a:lvl4pPr>
+            <a:lvl5pPr marL="2057400" indent="-228600" algn="l" defTabSz="914400" rtl="0" eaLnBrk="1" latinLnBrk="0" hangingPunct="1">
+              <a:lnSpc>
+                <a:spcPct val="90000"/>
+              </a:lnSpc>
+              <a:spcBef>
+                <a:spcPts val="500"/>
+              </a:spcBef>
+              <a:buFont typeface="Arial" panose="020B0604020202020204" pitchFamily="34" charset="0"/>
+              <a:buChar char="•"/>
+              <a:defRPr sz="1800" kern="1200">
+                <a:solidFill>
+                  <a:schemeClr val="tx1"/>
+                </a:solidFill>
+                <a:latin typeface="+mn-lt"/>
+                <a:ea typeface="+mn-ea"/>
+                <a:cs typeface="+mn-cs"/>
+              </a:defRPr>
+            </a:lvl5pPr>
+            <a:lvl6pPr marL="2514600" indent="-228600" algn="l" defTabSz="914400" rtl="0" eaLnBrk="1" latinLnBrk="0" hangingPunct="1">
+              <a:lnSpc>
+                <a:spcPct val="90000"/>
+              </a:lnSpc>
+              <a:spcBef>
+                <a:spcPts val="500"/>
+              </a:spcBef>
+              <a:buFont typeface="Arial" panose="020B0604020202020204" pitchFamily="34" charset="0"/>
+              <a:buChar char="•"/>
+              <a:defRPr sz="1800" kern="1200">
+                <a:solidFill>
+                  <a:schemeClr val="tx1"/>
+                </a:solidFill>
+                <a:latin typeface="+mn-lt"/>
+                <a:ea typeface="+mn-ea"/>
+                <a:cs typeface="+mn-cs"/>
+              </a:defRPr>
+            </a:lvl6pPr>
+            <a:lvl7pPr marL="2971800" indent="-228600" algn="l" defTabSz="914400" rtl="0" eaLnBrk="1" latinLnBrk="0" hangingPunct="1">
+              <a:lnSpc>
+                <a:spcPct val="90000"/>
+              </a:lnSpc>
+              <a:spcBef>
+                <a:spcPts val="500"/>
+              </a:spcBef>
+              <a:buFont typeface="Arial" panose="020B0604020202020204" pitchFamily="34" charset="0"/>
+              <a:buChar char="•"/>
+              <a:defRPr sz="1800" kern="1200">
+                <a:solidFill>
+                  <a:schemeClr val="tx1"/>
+                </a:solidFill>
+                <a:latin typeface="+mn-lt"/>
+                <a:ea typeface="+mn-ea"/>
+                <a:cs typeface="+mn-cs"/>
+              </a:defRPr>
+            </a:lvl7pPr>
+            <a:lvl8pPr marL="3429000" indent="-228600" algn="l" defTabSz="914400" rtl="0" eaLnBrk="1" latinLnBrk="0" hangingPunct="1">
+              <a:lnSpc>
+                <a:spcPct val="90000"/>
+              </a:lnSpc>
+              <a:spcBef>
+                <a:spcPts val="500"/>
+              </a:spcBef>
+              <a:buFont typeface="Arial" panose="020B0604020202020204" pitchFamily="34" charset="0"/>
+              <a:buChar char="•"/>
+              <a:defRPr sz="1800" kern="1200">
+                <a:solidFill>
+                  <a:schemeClr val="tx1"/>
+                </a:solidFill>
+                <a:latin typeface="+mn-lt"/>
+                <a:ea typeface="+mn-ea"/>
+                <a:cs typeface="+mn-cs"/>
+              </a:defRPr>
+            </a:lvl8pPr>
+            <a:lvl9pPr marL="3886200" indent="-228600" algn="l" defTabSz="914400" rtl="0" eaLnBrk="1" latinLnBrk="0" hangingPunct="1">
+              <a:lnSpc>
+                <a:spcPct val="90000"/>
+              </a:lnSpc>
+              <a:spcBef>
+                <a:spcPts val="500"/>
+              </a:spcBef>
+              <a:buFont typeface="Arial" panose="020B0604020202020204" pitchFamily="34" charset="0"/>
+              <a:buChar char="•"/>
+              <a:defRPr sz="1800" kern="1200">
+                <a:solidFill>
+                  <a:schemeClr val="tx1"/>
+                </a:solidFill>
+                <a:latin typeface="+mn-lt"/>
+                <a:ea typeface="+mn-ea"/>
+                <a:cs typeface="+mn-cs"/>
+              </a:defRPr>
+            </a:lvl9pPr>
+          </a:lstStyle>
+          <a:p>
+            <a:pPr lvl="1"/>
+            <a:r>
+              <a:rPr lang="en-US" sz="2000" dirty="0">
+                <a:hlinkClick r:id="rId2"/>
+              </a:rPr>
+              <a:t>Hollister and Kreakie. (2016). Associations between Chlorophyll a and various Microcystin-LR Health Advisory Concentrations. F1000Research</a:t>
+            </a:r>
+          </a:p>
+          <a:p>
+            <a:pPr lvl="2"/>
+            <a:r>
+              <a:rPr lang="en-US" sz="1800" dirty="0"/>
+              <a:t>Uses NLA 2007</a:t>
+            </a:r>
+          </a:p>
+          <a:p>
+            <a:pPr lvl="2"/>
+            <a:r>
+              <a:rPr lang="en-US" sz="1800" dirty="0"/>
+              <a:t>Empirical method to answer, “What is a bloom?”</a:t>
+            </a:r>
+          </a:p>
+          <a:p>
+            <a:pPr lvl="2"/>
+            <a:r>
+              <a:rPr lang="en-US" sz="1800" dirty="0"/>
+              <a:t>Published at F1000Research immediately after clearance</a:t>
+            </a:r>
+          </a:p>
+        </p:txBody>
+      </p:sp>
+      <p:pic>
+        <p:nvPicPr>
+          <p:cNvPr id="8" name="Picture 7" descr="figure/tweet1.jpg">
+            <a:extLst>
+              <a:ext uri="{FF2B5EF4-FFF2-40B4-BE49-F238E27FC236}">
+                <a16:creationId xmlns:a16="http://schemas.microsoft.com/office/drawing/2014/main" id="{7C1C4313-F8BB-4E76-A620-28E2C3147A4C}"/>
+              </a:ext>
+            </a:extLst>
+          </p:cNvPr>
+          <p:cNvPicPr>
+            <a:picLocks noGrp="1" noChangeAspect="1"/>
+          </p:cNvPicPr>
+          <p:nvPr/>
+        </p:nvPicPr>
+        <p:blipFill>
+          <a:blip r:embed="rId3"/>
+          <a:stretch>
+            <a:fillRect/>
+          </a:stretch>
+        </p:blipFill>
+        <p:spPr bwMode="auto">
+          <a:xfrm>
+            <a:off x="4765258" y="1623370"/>
+            <a:ext cx="3657600" cy="1507060"/>
+          </a:xfrm>
+          <a:prstGeom prst="rect">
+            <a:avLst/>
+          </a:prstGeom>
+          <a:noFill/>
+          <a:ln w="9525">
+            <a:noFill/>
+            <a:headEnd/>
+            <a:tailEnd/>
+          </a:ln>
+        </p:spPr>
+      </p:pic>
+      <p:pic>
+        <p:nvPicPr>
+          <p:cNvPr id="9" name="Picture 8" descr="figure/tweet2.jpg">
+            <a:extLst>
+              <a:ext uri="{FF2B5EF4-FFF2-40B4-BE49-F238E27FC236}">
+                <a16:creationId xmlns:a16="http://schemas.microsoft.com/office/drawing/2014/main" id="{F67D2AC0-F22F-4B26-B7E5-4E2E7122F049}"/>
+              </a:ext>
+            </a:extLst>
+          </p:cNvPr>
+          <p:cNvPicPr>
+            <a:picLocks noGrp="1" noChangeAspect="1"/>
+          </p:cNvPicPr>
+          <p:nvPr/>
+        </p:nvPicPr>
+        <p:blipFill>
+          <a:blip r:embed="rId4"/>
+          <a:stretch>
+            <a:fillRect/>
+          </a:stretch>
+        </p:blipFill>
+        <p:spPr bwMode="auto">
+          <a:xfrm>
+            <a:off x="5882858" y="2877029"/>
+            <a:ext cx="3657600" cy="1371600"/>
+          </a:xfrm>
+          <a:prstGeom prst="rect">
+            <a:avLst/>
+          </a:prstGeom>
+          <a:noFill/>
+          <a:ln w="9525">
+            <a:noFill/>
+            <a:headEnd/>
+            <a:tailEnd/>
+          </a:ln>
+        </p:spPr>
+      </p:pic>
+      <p:pic>
+        <p:nvPicPr>
+          <p:cNvPr id="10" name="Picture 9" descr="figure/tweet5.jpg">
+            <a:extLst>
+              <a:ext uri="{FF2B5EF4-FFF2-40B4-BE49-F238E27FC236}">
+                <a16:creationId xmlns:a16="http://schemas.microsoft.com/office/drawing/2014/main" id="{1787FED5-2B71-45C1-A04D-F809EC3E44E1}"/>
+              </a:ext>
+            </a:extLst>
+          </p:cNvPr>
+          <p:cNvPicPr>
+            <a:picLocks noGrp="1" noChangeAspect="1"/>
+          </p:cNvPicPr>
+          <p:nvPr/>
+        </p:nvPicPr>
+        <p:blipFill>
+          <a:blip r:embed="rId5"/>
+          <a:stretch>
+            <a:fillRect/>
+          </a:stretch>
+        </p:blipFill>
+        <p:spPr bwMode="auto">
+          <a:xfrm>
+            <a:off x="7231367" y="3727571"/>
+            <a:ext cx="3657600" cy="1444980"/>
+          </a:xfrm>
+          <a:prstGeom prst="rect">
+            <a:avLst/>
+          </a:prstGeom>
+          <a:noFill/>
+          <a:ln w="9525">
+            <a:noFill/>
+            <a:headEnd/>
+            <a:tailEnd/>
+          </a:ln>
+        </p:spPr>
+      </p:pic>
+      <p:pic>
+        <p:nvPicPr>
+          <p:cNvPr id="11" name="Picture 10" descr="figure/tweet6.jpg">
+            <a:extLst>
+              <a:ext uri="{FF2B5EF4-FFF2-40B4-BE49-F238E27FC236}">
+                <a16:creationId xmlns:a16="http://schemas.microsoft.com/office/drawing/2014/main" id="{7FCE01C4-081B-4E31-ADDC-654920F7F997}"/>
+              </a:ext>
+            </a:extLst>
+          </p:cNvPr>
+          <p:cNvPicPr>
+            <a:picLocks noGrp="1" noChangeAspect="1"/>
+          </p:cNvPicPr>
+          <p:nvPr/>
+        </p:nvPicPr>
+        <p:blipFill>
+          <a:blip r:embed="rId6"/>
+          <a:stretch>
+            <a:fillRect/>
+          </a:stretch>
+        </p:blipFill>
+        <p:spPr bwMode="auto">
+          <a:xfrm>
+            <a:off x="8534400" y="4970362"/>
+            <a:ext cx="3657600" cy="1315150"/>
+          </a:xfrm>
+          <a:prstGeom prst="rect">
+            <a:avLst/>
+          </a:prstGeom>
+          <a:noFill/>
+          <a:ln w="9525">
+            <a:noFill/>
+            <a:headEnd/>
+            <a:tailEnd/>
+          </a:ln>
+        </p:spPr>
+      </p:pic>
     </p:spTree>
     <p:extLst>
       <p:ext uri="{BB962C8B-B14F-4D97-AF65-F5344CB8AC3E}">
@@ -5754,45 +6573,139 @@
         </p:nvSpPr>
         <p:spPr/>
         <p:txBody>
+          <a:bodyPr>
+            <a:normAutofit fontScale="90000"/>
+          </a:bodyPr>
+          <a:lstStyle/>
+          <a:p>
+            <a:r>
+              <a:rPr lang="en-US" dirty="0"/>
+              <a:t>How we do computational ecology: Associations between microcystin and chlorophyll</a:t>
+            </a:r>
+          </a:p>
+        </p:txBody>
+      </p:sp>
+      <p:sp>
+        <p:nvSpPr>
+          <p:cNvPr id="12" name="Content Placeholder 2">
+            <a:extLst>
+              <a:ext uri="{FF2B5EF4-FFF2-40B4-BE49-F238E27FC236}">
+                <a16:creationId xmlns:a16="http://schemas.microsoft.com/office/drawing/2014/main" id="{D91C49F8-A3EA-4190-972D-FDA00AD14A33}"/>
+              </a:ext>
+            </a:extLst>
+          </p:cNvPr>
+          <p:cNvSpPr>
+            <a:spLocks noGrp="1"/>
+          </p:cNvSpPr>
+          <p:nvPr>
+            <p:ph idx="1"/>
+          </p:nvPr>
+        </p:nvSpPr>
+        <p:spPr>
+          <a:xfrm>
+            <a:off x="261119" y="2241932"/>
+            <a:ext cx="4471106" cy="4250943"/>
+          </a:xfrm>
+        </p:spPr>
+        <p:txBody>
           <a:bodyPr/>
           <a:lstStyle/>
           <a:p>
-            <a:r>
-              <a:rPr lang="en-US" dirty="0"/>
-              <a:t>How we do computational ecology: Lake trophic state and random forests </a:t>
-            </a:r>
-          </a:p>
-        </p:txBody>
-      </p:sp>
-      <p:sp>
-        <p:nvSpPr>
-          <p:cNvPr id="3" name="Content Placeholder 2">
-            <a:extLst>
-              <a:ext uri="{FF2B5EF4-FFF2-40B4-BE49-F238E27FC236}">
-                <a16:creationId xmlns:a16="http://schemas.microsoft.com/office/drawing/2014/main" id="{6DB5F458-C7EA-4AEE-BC8A-3A775F466A14}"/>
-              </a:ext>
-            </a:extLst>
-          </p:cNvPr>
-          <p:cNvSpPr>
-            <a:spLocks noGrp="1"/>
-          </p:cNvSpPr>
-          <p:nvPr>
-            <p:ph idx="1"/>
-          </p:nvPr>
-        </p:nvSpPr>
-        <p:spPr/>
-        <p:txBody>
-          <a:bodyPr/>
-          <a:lstStyle/>
-          <a:p>
-            <a:endParaRPr lang="en-US"/>
-          </a:p>
-        </p:txBody>
-      </p:sp>
+            <a:pPr lvl="1"/>
+            <a:r>
+              <a:rPr sz="2000" dirty="0">
+                <a:hlinkClick r:id="rId2"/>
+              </a:rPr>
+              <a:t>Hollister and Kreakie. (2016). Associations between Chlorophyll a and various Microcystin-LR Health Advisory Concentrations. F1000Research</a:t>
+            </a:r>
+          </a:p>
+          <a:p>
+            <a:pPr lvl="2"/>
+            <a:r>
+              <a:rPr sz="1800" dirty="0"/>
+              <a:t>Uses NLA 2007</a:t>
+            </a:r>
+          </a:p>
+          <a:p>
+            <a:pPr lvl="2"/>
+            <a:r>
+              <a:rPr sz="1800" dirty="0"/>
+              <a:t>Empirical method to answer, “What is a bloom?”</a:t>
+            </a:r>
+          </a:p>
+          <a:p>
+            <a:pPr lvl="2"/>
+            <a:r>
+              <a:rPr sz="1800" dirty="0"/>
+              <a:t>Published at F1000Research immediately after clearance</a:t>
+            </a:r>
+          </a:p>
+        </p:txBody>
+      </p:sp>
+      <p:pic>
+        <p:nvPicPr>
+          <p:cNvPr id="13" name="Picture 12">
+            <a:extLst>
+              <a:ext uri="{FF2B5EF4-FFF2-40B4-BE49-F238E27FC236}">
+                <a16:creationId xmlns:a16="http://schemas.microsoft.com/office/drawing/2014/main" id="{3840B732-11BD-43D2-8229-A3C087BEBCEA}"/>
+              </a:ext>
+            </a:extLst>
+          </p:cNvPr>
+          <p:cNvPicPr>
+            <a:picLocks noChangeAspect="1"/>
+          </p:cNvPicPr>
+          <p:nvPr/>
+        </p:nvPicPr>
+        <p:blipFill>
+          <a:blip r:embed="rId3"/>
+          <a:stretch>
+            <a:fillRect/>
+          </a:stretch>
+        </p:blipFill>
+        <p:spPr>
+          <a:xfrm>
+            <a:off x="4818179" y="1559359"/>
+            <a:ext cx="3697111" cy="3237807"/>
+          </a:xfrm>
+          <a:prstGeom prst="rect">
+            <a:avLst/>
+          </a:prstGeom>
+        </p:spPr>
+      </p:pic>
+      <p:pic>
+        <p:nvPicPr>
+          <p:cNvPr id="14" name="Picture 13">
+            <a:extLst>
+              <a:ext uri="{FF2B5EF4-FFF2-40B4-BE49-F238E27FC236}">
+                <a16:creationId xmlns:a16="http://schemas.microsoft.com/office/drawing/2014/main" id="{4DDCAD1D-7CD1-4788-A498-14671D2C5D8A}"/>
+              </a:ext>
+            </a:extLst>
+          </p:cNvPr>
+          <p:cNvPicPr>
+            <a:picLocks noChangeAspect="1"/>
+          </p:cNvPicPr>
+          <p:nvPr/>
+        </p:nvPicPr>
+        <p:blipFill>
+          <a:blip r:embed="rId4"/>
+          <a:stretch>
+            <a:fillRect/>
+          </a:stretch>
+        </p:blipFill>
+        <p:spPr>
+          <a:xfrm>
+            <a:off x="7459777" y="3797861"/>
+            <a:ext cx="4507954" cy="2566882"/>
+          </a:xfrm>
+          <a:prstGeom prst="rect">
+            <a:avLst/>
+          </a:prstGeom>
+        </p:spPr>
+      </p:pic>
     </p:spTree>
     <p:extLst>
       <p:ext uri="{BB962C8B-B14F-4D97-AF65-F5344CB8AC3E}">
-        <p14:creationId xmlns:p14="http://schemas.microsoft.com/office/powerpoint/2010/main" val="3649898395"/>
+        <p14:creationId xmlns:p14="http://schemas.microsoft.com/office/powerpoint/2010/main" val="1747816665"/>
       </p:ext>
     </p:extLst>
   </p:cSld>
@@ -5842,17 +6755,17 @@
           <a:p>
             <a:r>
               <a:rPr lang="en-US" dirty="0"/>
-              <a:t>How we do computational ecology: Rhode Island water quality trends</a:t>
-            </a:r>
-          </a:p>
-        </p:txBody>
-      </p:sp>
-      <p:sp>
-        <p:nvSpPr>
-          <p:cNvPr id="3" name="Content Placeholder 2">
-            <a:extLst>
-              <a:ext uri="{FF2B5EF4-FFF2-40B4-BE49-F238E27FC236}">
-                <a16:creationId xmlns:a16="http://schemas.microsoft.com/office/drawing/2014/main" id="{6DB5F458-C7EA-4AEE-BC8A-3A775F466A14}"/>
+              <a:t>How we do computational ecology: Lake trophic state and random forests </a:t>
+            </a:r>
+          </a:p>
+        </p:txBody>
+      </p:sp>
+      <p:sp>
+        <p:nvSpPr>
+          <p:cNvPr id="4" name="Content Placeholder 2">
+            <a:extLst>
+              <a:ext uri="{FF2B5EF4-FFF2-40B4-BE49-F238E27FC236}">
+                <a16:creationId xmlns:a16="http://schemas.microsoft.com/office/drawing/2014/main" id="{4350E6FF-355A-4043-9386-5B03A1A111F0}"/>
               </a:ext>
             </a:extLst>
           </p:cNvPr>
@@ -5863,19 +6776,101 @@
             <p:ph idx="1"/>
           </p:nvPr>
         </p:nvSpPr>
-        <p:spPr/>
+        <p:spPr>
+          <a:xfrm>
+            <a:off x="324812" y="1844387"/>
+            <a:ext cx="5771188" cy="3097067"/>
+          </a:xfrm>
+        </p:spPr>
         <p:txBody>
           <a:bodyPr/>
           <a:lstStyle/>
           <a:p>
-            <a:endParaRPr lang="en-US"/>
-          </a:p>
-        </p:txBody>
-      </p:sp>
+            <a:pPr lvl="1"/>
+            <a:r>
+              <a:rPr sz="2000" dirty="0">
+                <a:hlinkClick r:id="rId2"/>
+              </a:rPr>
+              <a:t>Hollister et al. (2016). Modelling lake trophic state: a random forest approach. Ecosphere</a:t>
+            </a:r>
+          </a:p>
+          <a:p>
+            <a:pPr lvl="2"/>
+            <a:r>
+              <a:rPr sz="1800" dirty="0"/>
+              <a:t>Uses NLA 2007</a:t>
+            </a:r>
+          </a:p>
+          <a:p>
+            <a:pPr lvl="2"/>
+            <a:r>
+              <a:rPr sz="1800" dirty="0"/>
+              <a:t>Random forests to predict chlorophyll </a:t>
+            </a:r>
+            <a:r>
+              <a:rPr sz="1800" i="1" dirty="0"/>
+              <a:t>a</a:t>
+            </a:r>
+            <a:r>
+              <a:rPr sz="1800" dirty="0"/>
+              <a:t> based trophic state</a:t>
+            </a:r>
+          </a:p>
+          <a:p>
+            <a:pPr lvl="2"/>
+            <a:r>
+              <a:rPr sz="1800" dirty="0"/>
+              <a:t>After clearance, before peer-review published as a </a:t>
+            </a:r>
+            <a:r>
+              <a:rPr sz="1800" dirty="0">
+                <a:hlinkClick r:id="rId3"/>
+              </a:rPr>
+              <a:t>PeerJ Preprint</a:t>
+            </a:r>
+          </a:p>
+        </p:txBody>
+      </p:sp>
+      <p:pic>
+        <p:nvPicPr>
+          <p:cNvPr id="5" name="Picture 4" descr="figure/hollister_rf_trophicstate.jpg">
+            <a:extLst>
+              <a:ext uri="{FF2B5EF4-FFF2-40B4-BE49-F238E27FC236}">
+                <a16:creationId xmlns:a16="http://schemas.microsoft.com/office/drawing/2014/main" id="{0DA5DB8A-C27C-4FE3-9D7D-5034B990D4ED}"/>
+              </a:ext>
+            </a:extLst>
+          </p:cNvPr>
+          <p:cNvPicPr>
+            <a:picLocks noGrp="1" noChangeAspect="1"/>
+          </p:cNvPicPr>
+          <p:nvPr/>
+        </p:nvPicPr>
+        <p:blipFill>
+          <a:blip r:embed="rId4"/>
+          <a:stretch>
+            <a:fillRect/>
+          </a:stretch>
+        </p:blipFill>
+        <p:spPr bwMode="auto">
+          <a:xfrm>
+            <a:off x="6427037" y="1690688"/>
+            <a:ext cx="5183071" cy="4885876"/>
+          </a:xfrm>
+          <a:prstGeom prst="rect">
+            <a:avLst/>
+          </a:prstGeom>
+          <a:noFill/>
+          <a:ln w="9525">
+            <a:noFill/>
+            <a:headEnd/>
+            <a:tailEnd/>
+          </a:ln>
+        </p:spPr>
+      </p:pic>
     </p:spTree>
     <p:extLst>
       <p:ext uri="{BB962C8B-B14F-4D97-AF65-F5344CB8AC3E}">
-        <p14:creationId xmlns:p14="http://schemas.microsoft.com/office/powerpoint/2010/main" val="514024385"/>
+        <p14:creationId xmlns:p14="http://schemas.microsoft.com/office/powerpoint/2010/main" val="3649898395"/>
       </p:ext>
     </p:extLst>
   </p:cSld>
@@ -6181,47 +7176,6 @@
 </file>
 
 <file path=customXml/item1.xml><?xml version="1.0" encoding="utf-8"?>
-<p:properties xmlns:p="http://schemas.microsoft.com/office/2006/metadata/properties" xmlns:xsi="http://www.w3.org/2001/XMLSchema-instance" xmlns:pc="http://schemas.microsoft.com/office/infopath/2007/PartnerControls">
-  <documentManagement>
-    <_Source xmlns="http://schemas.microsoft.com/sharepoint/v3/fields" xsi:nil="true"/>
-    <Language xmlns="http://schemas.microsoft.com/sharepoint/v3">English</Language>
-    <j747ac98061d40f0aa7bd47e1db5675d xmlns="4ffa91fb-a0ff-4ac5-b2db-65c790d184a4">
-      <Terms xmlns="http://schemas.microsoft.com/office/infopath/2007/PartnerControls"/>
-    </j747ac98061d40f0aa7bd47e1db5675d>
-    <Records_x0020_Status xmlns="d66f6b78-8d1c-4239-941e-6434ee9815fa">Pending</Records_x0020_Status>
-    <External_x0020_Contributor xmlns="4ffa91fb-a0ff-4ac5-b2db-65c790d184a4" xsi:nil="true"/>
-    <TaxKeywordTaxHTField xmlns="4ffa91fb-a0ff-4ac5-b2db-65c790d184a4">
-      <Terms xmlns="http://schemas.microsoft.com/office/infopath/2007/PartnerControls"/>
-    </TaxKeywordTaxHTField>
-    <Record xmlns="4ffa91fb-a0ff-4ac5-b2db-65c790d184a4">Shared</Record>
-    <Rights xmlns="4ffa91fb-a0ff-4ac5-b2db-65c790d184a4" xsi:nil="true"/>
-    <Document_x0020_Creation_x0020_Date xmlns="4ffa91fb-a0ff-4ac5-b2db-65c790d184a4">2020-03-23T15:47:59+00:00</Document_x0020_Creation_x0020_Date>
-    <EPA_x0020_Office xmlns="4ffa91fb-a0ff-4ac5-b2db-65c790d184a4" xsi:nil="true"/>
-    <CategoryDescription xmlns="http://schemas.microsoft.com/sharepoint.v3" xsi:nil="true"/>
-    <Identifier xmlns="4ffa91fb-a0ff-4ac5-b2db-65c790d184a4" xsi:nil="true"/>
-    <_Coverage xmlns="http://schemas.microsoft.com/sharepoint/v3/fields" xsi:nil="true"/>
-    <Creator xmlns="4ffa91fb-a0ff-4ac5-b2db-65c790d184a4">
-      <UserInfo>
-        <DisplayName/>
-        <AccountId xsi:nil="true"/>
-        <AccountType/>
-      </UserInfo>
-    </Creator>
-    <EPA_x0020_Related_x0020_Documents xmlns="4ffa91fb-a0ff-4ac5-b2db-65c790d184a4" xsi:nil="true"/>
-    <EPA_x0020_Contributor xmlns="4ffa91fb-a0ff-4ac5-b2db-65c790d184a4">
-      <UserInfo>
-        <DisplayName/>
-        <AccountId xsi:nil="true"/>
-        <AccountType/>
-      </UserInfo>
-    </EPA_x0020_Contributor>
-    <TaxCatchAll xmlns="4ffa91fb-a0ff-4ac5-b2db-65c790d184a4"/>
-    <Records_x0020_Date xmlns="d66f6b78-8d1c-4239-941e-6434ee9815fa" xsi:nil="true"/>
-  </documentManagement>
-</p:properties>
-</file>
-
-<file path=customXml/item2.xml><?xml version="1.0" encoding="utf-8"?>
 <ct:contentTypeSchema xmlns:ct="http://schemas.microsoft.com/office/2006/metadata/contentType" xmlns:ma="http://schemas.microsoft.com/office/2006/metadata/properties/metaAttributes" ct:_="" ma:_="" ma:contentTypeName="Document" ma:contentTypeID="0x010100B7E83DA08AE9B94892D71BD73E6C1D31" ma:contentTypeVersion="34" ma:contentTypeDescription="Create a new document." ma:contentTypeScope="" ma:versionID="26ca887627fce61900918bb13611a3c1">
   <xsd:schema xmlns:xsd="http://www.w3.org/2001/XMLSchema" xmlns:xs="http://www.w3.org/2001/XMLSchema" xmlns:p="http://schemas.microsoft.com/office/2006/metadata/properties" xmlns:ns1="http://schemas.microsoft.com/sharepoint/v3" xmlns:ns3="4ffa91fb-a0ff-4ac5-b2db-65c790d184a4" xmlns:ns4="http://schemas.microsoft.com/sharepoint.v3" xmlns:ns5="http://schemas.microsoft.com/sharepoint/v3/fields" xmlns:ns6="d66f6b78-8d1c-4239-941e-6434ee9815fa" xmlns:ns7="1802dde1-0cf1-4443-9db9-865b1e57eedd" targetNamespace="http://schemas.microsoft.com/office/2006/metadata/properties" ma:root="true" ma:fieldsID="c93c56a2e981212d88409f8500a8442f" ns1:_="" ns3:_="" ns4:_="" ns5:_="" ns6:_="" ns7:_="">
     <xsd:import namespace="http://schemas.microsoft.com/sharepoint/v3"/>
@@ -6684,12 +7638,48 @@
 </ct:contentTypeSchema>
 </file>
 
-<file path=customXml/item3.xml><?xml version="1.0" encoding="utf-8"?>
-<?mso-contentType ?>
-<SharedContentType xmlns="Microsoft.SharePoint.Taxonomy.ContentTypeSync" SourceId="29f62856-1543-49d4-a736-4569d363f533" ContentTypeId="0x0101" PreviousValue="false"/>
+<file path=customXml/item2.xml><?xml version="1.0" encoding="utf-8"?>
+<p:properties xmlns:p="http://schemas.microsoft.com/office/2006/metadata/properties" xmlns:xsi="http://www.w3.org/2001/XMLSchema-instance" xmlns:pc="http://schemas.microsoft.com/office/infopath/2007/PartnerControls">
+  <documentManagement>
+    <_Source xmlns="http://schemas.microsoft.com/sharepoint/v3/fields" xsi:nil="true"/>
+    <Language xmlns="http://schemas.microsoft.com/sharepoint/v3">English</Language>
+    <j747ac98061d40f0aa7bd47e1db5675d xmlns="4ffa91fb-a0ff-4ac5-b2db-65c790d184a4">
+      <Terms xmlns="http://schemas.microsoft.com/office/infopath/2007/PartnerControls"/>
+    </j747ac98061d40f0aa7bd47e1db5675d>
+    <Records_x0020_Status xmlns="d66f6b78-8d1c-4239-941e-6434ee9815fa">Pending</Records_x0020_Status>
+    <External_x0020_Contributor xmlns="4ffa91fb-a0ff-4ac5-b2db-65c790d184a4" xsi:nil="true"/>
+    <TaxKeywordTaxHTField xmlns="4ffa91fb-a0ff-4ac5-b2db-65c790d184a4">
+      <Terms xmlns="http://schemas.microsoft.com/office/infopath/2007/PartnerControls"/>
+    </TaxKeywordTaxHTField>
+    <Record xmlns="4ffa91fb-a0ff-4ac5-b2db-65c790d184a4">Shared</Record>
+    <Rights xmlns="4ffa91fb-a0ff-4ac5-b2db-65c790d184a4" xsi:nil="true"/>
+    <Document_x0020_Creation_x0020_Date xmlns="4ffa91fb-a0ff-4ac5-b2db-65c790d184a4">2020-03-23T15:47:59+00:00</Document_x0020_Creation_x0020_Date>
+    <EPA_x0020_Office xmlns="4ffa91fb-a0ff-4ac5-b2db-65c790d184a4" xsi:nil="true"/>
+    <CategoryDescription xmlns="http://schemas.microsoft.com/sharepoint.v3" xsi:nil="true"/>
+    <Identifier xmlns="4ffa91fb-a0ff-4ac5-b2db-65c790d184a4" xsi:nil="true"/>
+    <_Coverage xmlns="http://schemas.microsoft.com/sharepoint/v3/fields" xsi:nil="true"/>
+    <Creator xmlns="4ffa91fb-a0ff-4ac5-b2db-65c790d184a4">
+      <UserInfo>
+        <DisplayName/>
+        <AccountId xsi:nil="true"/>
+        <AccountType/>
+      </UserInfo>
+    </Creator>
+    <EPA_x0020_Related_x0020_Documents xmlns="4ffa91fb-a0ff-4ac5-b2db-65c790d184a4" xsi:nil="true"/>
+    <EPA_x0020_Contributor xmlns="4ffa91fb-a0ff-4ac5-b2db-65c790d184a4">
+      <UserInfo>
+        <DisplayName/>
+        <AccountId xsi:nil="true"/>
+        <AccountType/>
+      </UserInfo>
+    </EPA_x0020_Contributor>
+    <TaxCatchAll xmlns="4ffa91fb-a0ff-4ac5-b2db-65c790d184a4"/>
+    <Records_x0020_Date xmlns="d66f6b78-8d1c-4239-941e-6434ee9815fa" xsi:nil="true"/>
+  </documentManagement>
+</p:properties>
 </file>
 
-<file path=customXml/item4.xml><?xml version="1.0" encoding="utf-8"?>
+<file path=customXml/item3.xml><?xml version="1.0" encoding="utf-8"?>
 <?mso-contentType ?>
 <FormTemplates xmlns="http://schemas.microsoft.com/sharepoint/v3/contenttype/forms">
   <Display>DocumentLibraryForm</Display>
@@ -6698,28 +7688,12 @@
 </FormTemplates>
 </file>
 
-<file path=customXml/itemProps1.xml><?xml version="1.0" encoding="utf-8"?>
-<ds:datastoreItem xmlns:ds="http://schemas.openxmlformats.org/officeDocument/2006/customXml" ds:itemID="{6A20F876-B455-44A6-A342-1945678DA8AF}">
-  <ds:schemaRefs>
-    <ds:schemaRef ds:uri="http://schemas.microsoft.com/sharepoint.v3"/>
-    <ds:schemaRef ds:uri="http://schemas.microsoft.com/sharepoint/v3"/>
-    <ds:schemaRef ds:uri="http://purl.org/dc/terms/"/>
-    <ds:schemaRef ds:uri="d66f6b78-8d1c-4239-941e-6434ee9815fa"/>
-    <ds:schemaRef ds:uri="http://schemas.microsoft.com/sharepoint/v3/fields"/>
-    <ds:schemaRef ds:uri="http://purl.org/dc/dcmitype/"/>
-    <ds:schemaRef ds:uri="http://schemas.microsoft.com/office/infopath/2007/PartnerControls"/>
-    <ds:schemaRef ds:uri="http://schemas.openxmlformats.org/package/2006/metadata/core-properties"/>
-    <ds:schemaRef ds:uri="http://purl.org/dc/elements/1.1/"/>
-    <ds:schemaRef ds:uri="http://schemas.microsoft.com/office/2006/metadata/properties"/>
-    <ds:schemaRef ds:uri="http://schemas.microsoft.com/office/2006/documentManagement/types"/>
-    <ds:schemaRef ds:uri="1802dde1-0cf1-4443-9db9-865b1e57eedd"/>
-    <ds:schemaRef ds:uri="4ffa91fb-a0ff-4ac5-b2db-65c790d184a4"/>
-    <ds:schemaRef ds:uri="http://www.w3.org/XML/1998/namespace"/>
-  </ds:schemaRefs>
-</ds:datastoreItem>
+<file path=customXml/item4.xml><?xml version="1.0" encoding="utf-8"?>
+<?mso-contentType ?>
+<SharedContentType xmlns="Microsoft.SharePoint.Taxonomy.ContentTypeSync" SourceId="29f62856-1543-49d4-a736-4569d363f533" ContentTypeId="0x0101" PreviousValue="false"/>
 </file>
 
-<file path=customXml/itemProps2.xml><?xml version="1.0" encoding="utf-8"?>
+<file path=customXml/itemProps1.xml><?xml version="1.0" encoding="utf-8"?>
 <ds:datastoreItem xmlns:ds="http://schemas.openxmlformats.org/officeDocument/2006/customXml" ds:itemID="{D2C8B0A6-4F21-4369-861C-126941874F27}">
   <ds:schemaRefs>
     <ds:schemaRef ds:uri="http://schemas.microsoft.com/office/2006/metadata/contentType"/>
@@ -6742,18 +7716,39 @@
 </ds:datastoreItem>
 </file>
 
+<file path=customXml/itemProps2.xml><?xml version="1.0" encoding="utf-8"?>
+<ds:datastoreItem xmlns:ds="http://schemas.openxmlformats.org/officeDocument/2006/customXml" ds:itemID="{6A20F876-B455-44A6-A342-1945678DA8AF}">
+  <ds:schemaRefs>
+    <ds:schemaRef ds:uri="http://schemas.microsoft.com/sharepoint/v3"/>
+    <ds:schemaRef ds:uri="http://purl.org/dc/terms/"/>
+    <ds:schemaRef ds:uri="4ffa91fb-a0ff-4ac5-b2db-65c790d184a4"/>
+    <ds:schemaRef ds:uri="http://schemas.microsoft.com/sharepoint.v3"/>
+    <ds:schemaRef ds:uri="http://purl.org/dc/dcmitype/"/>
+    <ds:schemaRef ds:uri="http://schemas.microsoft.com/office/infopath/2007/PartnerControls"/>
+    <ds:schemaRef ds:uri="1802dde1-0cf1-4443-9db9-865b1e57eedd"/>
+    <ds:schemaRef ds:uri="d66f6b78-8d1c-4239-941e-6434ee9815fa"/>
+    <ds:schemaRef ds:uri="http://purl.org/dc/elements/1.1/"/>
+    <ds:schemaRef ds:uri="http://schemas.microsoft.com/office/2006/metadata/properties"/>
+    <ds:schemaRef ds:uri="http://schemas.microsoft.com/office/2006/documentManagement/types"/>
+    <ds:schemaRef ds:uri="http://schemas.openxmlformats.org/package/2006/metadata/core-properties"/>
+    <ds:schemaRef ds:uri="http://schemas.microsoft.com/sharepoint/v3/fields"/>
+    <ds:schemaRef ds:uri="http://www.w3.org/XML/1998/namespace"/>
+  </ds:schemaRefs>
+</ds:datastoreItem>
+</file>
+
 <file path=customXml/itemProps3.xml><?xml version="1.0" encoding="utf-8"?>
+<ds:datastoreItem xmlns:ds="http://schemas.openxmlformats.org/officeDocument/2006/customXml" ds:itemID="{6B0B7F2F-2A95-4919-81B4-828FEA425F0C}">
+  <ds:schemaRefs>
+    <ds:schemaRef ds:uri="http://schemas.microsoft.com/sharepoint/v3/contenttype/forms"/>
+  </ds:schemaRefs>
+</ds:datastoreItem>
+</file>
+
+<file path=customXml/itemProps4.xml><?xml version="1.0" encoding="utf-8"?>
 <ds:datastoreItem xmlns:ds="http://schemas.openxmlformats.org/officeDocument/2006/customXml" ds:itemID="{47DB1DBB-8C1F-464F-9E94-E38760128386}">
   <ds:schemaRefs>
     <ds:schemaRef ds:uri="Microsoft.SharePoint.Taxonomy.ContentTypeSync"/>
   </ds:schemaRefs>
 </ds:datastoreItem>
-</file>
-
-<file path=customXml/itemProps4.xml><?xml version="1.0" encoding="utf-8"?>
-<ds:datastoreItem xmlns:ds="http://schemas.openxmlformats.org/officeDocument/2006/customXml" ds:itemID="{6B0B7F2F-2A95-4919-81B4-828FEA425F0C}">
-  <ds:schemaRefs>
-    <ds:schemaRef ds:uri="http://schemas.microsoft.com/sharepoint/v3/contenttype/forms"/>
-  </ds:schemaRefs>
-</ds:datastoreItem>
 </file>